--- a/PresentazionePowerPoint.pptx
+++ b/PresentazionePowerPoint.pptx
@@ -73,14 +73,14 @@
           <a:noFill/>
         </a:ln>
         <a:solidFill>
-          <a:srgbClr val="222222"/>
+          <a:srgbClr val="838787"/>
         </a:solidFill>
         <a:effectLst/>
         <a:uFillTx/>
-        <a:latin typeface="DIN Condensed"/>
-        <a:ea typeface="DIN Condensed"/>
-        <a:cs typeface="DIN Condensed"/>
-        <a:sym typeface="DIN Condensed"/>
+        <a:latin typeface="Avenir Next Medium"/>
+        <a:ea typeface="Avenir Next Medium"/>
+        <a:cs typeface="Avenir Next Medium"/>
+        <a:sym typeface="Avenir Next Medium"/>
       </a:defRPr>
     </a:lvl1pPr>
     <a:lvl2pPr marL="0" marR="0" indent="0" algn="l" defTabSz="584200" rtl="0" fontAlgn="auto" latinLnBrk="0" hangingPunct="0">
@@ -103,14 +103,14 @@
           <a:noFill/>
         </a:ln>
         <a:solidFill>
-          <a:srgbClr val="222222"/>
+          <a:srgbClr val="838787"/>
         </a:solidFill>
         <a:effectLst/>
         <a:uFillTx/>
-        <a:latin typeface="DIN Condensed"/>
-        <a:ea typeface="DIN Condensed"/>
-        <a:cs typeface="DIN Condensed"/>
-        <a:sym typeface="DIN Condensed"/>
+        <a:latin typeface="Avenir Next Medium"/>
+        <a:ea typeface="Avenir Next Medium"/>
+        <a:cs typeface="Avenir Next Medium"/>
+        <a:sym typeface="Avenir Next Medium"/>
       </a:defRPr>
     </a:lvl2pPr>
     <a:lvl3pPr marL="0" marR="0" indent="0" algn="l" defTabSz="584200" rtl="0" fontAlgn="auto" latinLnBrk="0" hangingPunct="0">
@@ -133,14 +133,14 @@
           <a:noFill/>
         </a:ln>
         <a:solidFill>
-          <a:srgbClr val="222222"/>
+          <a:srgbClr val="838787"/>
         </a:solidFill>
         <a:effectLst/>
         <a:uFillTx/>
-        <a:latin typeface="DIN Condensed"/>
-        <a:ea typeface="DIN Condensed"/>
-        <a:cs typeface="DIN Condensed"/>
-        <a:sym typeface="DIN Condensed"/>
+        <a:latin typeface="Avenir Next Medium"/>
+        <a:ea typeface="Avenir Next Medium"/>
+        <a:cs typeface="Avenir Next Medium"/>
+        <a:sym typeface="Avenir Next Medium"/>
       </a:defRPr>
     </a:lvl3pPr>
     <a:lvl4pPr marL="0" marR="0" indent="0" algn="l" defTabSz="584200" rtl="0" fontAlgn="auto" latinLnBrk="0" hangingPunct="0">
@@ -163,14 +163,14 @@
           <a:noFill/>
         </a:ln>
         <a:solidFill>
-          <a:srgbClr val="222222"/>
+          <a:srgbClr val="838787"/>
         </a:solidFill>
         <a:effectLst/>
         <a:uFillTx/>
-        <a:latin typeface="DIN Condensed"/>
-        <a:ea typeface="DIN Condensed"/>
-        <a:cs typeface="DIN Condensed"/>
-        <a:sym typeface="DIN Condensed"/>
+        <a:latin typeface="Avenir Next Medium"/>
+        <a:ea typeface="Avenir Next Medium"/>
+        <a:cs typeface="Avenir Next Medium"/>
+        <a:sym typeface="Avenir Next Medium"/>
       </a:defRPr>
     </a:lvl4pPr>
     <a:lvl5pPr marL="0" marR="0" indent="0" algn="l" defTabSz="584200" rtl="0" fontAlgn="auto" latinLnBrk="0" hangingPunct="0">
@@ -193,14 +193,14 @@
           <a:noFill/>
         </a:ln>
         <a:solidFill>
-          <a:srgbClr val="222222"/>
+          <a:srgbClr val="838787"/>
         </a:solidFill>
         <a:effectLst/>
         <a:uFillTx/>
-        <a:latin typeface="DIN Condensed"/>
-        <a:ea typeface="DIN Condensed"/>
-        <a:cs typeface="DIN Condensed"/>
-        <a:sym typeface="DIN Condensed"/>
+        <a:latin typeface="Avenir Next Medium"/>
+        <a:ea typeface="Avenir Next Medium"/>
+        <a:cs typeface="Avenir Next Medium"/>
+        <a:sym typeface="Avenir Next Medium"/>
       </a:defRPr>
     </a:lvl5pPr>
     <a:lvl6pPr marL="0" marR="0" indent="0" algn="l" defTabSz="584200" rtl="0" fontAlgn="auto" latinLnBrk="0" hangingPunct="0">
@@ -223,14 +223,14 @@
           <a:noFill/>
         </a:ln>
         <a:solidFill>
-          <a:srgbClr val="222222"/>
+          <a:srgbClr val="838787"/>
         </a:solidFill>
         <a:effectLst/>
         <a:uFillTx/>
-        <a:latin typeface="DIN Condensed"/>
-        <a:ea typeface="DIN Condensed"/>
-        <a:cs typeface="DIN Condensed"/>
-        <a:sym typeface="DIN Condensed"/>
+        <a:latin typeface="Avenir Next Medium"/>
+        <a:ea typeface="Avenir Next Medium"/>
+        <a:cs typeface="Avenir Next Medium"/>
+        <a:sym typeface="Avenir Next Medium"/>
       </a:defRPr>
     </a:lvl6pPr>
     <a:lvl7pPr marL="0" marR="0" indent="0" algn="l" defTabSz="584200" rtl="0" fontAlgn="auto" latinLnBrk="0" hangingPunct="0">
@@ -253,14 +253,14 @@
           <a:noFill/>
         </a:ln>
         <a:solidFill>
-          <a:srgbClr val="222222"/>
+          <a:srgbClr val="838787"/>
         </a:solidFill>
         <a:effectLst/>
         <a:uFillTx/>
-        <a:latin typeface="DIN Condensed"/>
-        <a:ea typeface="DIN Condensed"/>
-        <a:cs typeface="DIN Condensed"/>
-        <a:sym typeface="DIN Condensed"/>
+        <a:latin typeface="Avenir Next Medium"/>
+        <a:ea typeface="Avenir Next Medium"/>
+        <a:cs typeface="Avenir Next Medium"/>
+        <a:sym typeface="Avenir Next Medium"/>
       </a:defRPr>
     </a:lvl7pPr>
     <a:lvl8pPr marL="0" marR="0" indent="0" algn="l" defTabSz="584200" rtl="0" fontAlgn="auto" latinLnBrk="0" hangingPunct="0">
@@ -283,14 +283,14 @@
           <a:noFill/>
         </a:ln>
         <a:solidFill>
-          <a:srgbClr val="222222"/>
+          <a:srgbClr val="838787"/>
         </a:solidFill>
         <a:effectLst/>
         <a:uFillTx/>
-        <a:latin typeface="DIN Condensed"/>
-        <a:ea typeface="DIN Condensed"/>
-        <a:cs typeface="DIN Condensed"/>
-        <a:sym typeface="DIN Condensed"/>
+        <a:latin typeface="Avenir Next Medium"/>
+        <a:ea typeface="Avenir Next Medium"/>
+        <a:cs typeface="Avenir Next Medium"/>
+        <a:sym typeface="Avenir Next Medium"/>
       </a:defRPr>
     </a:lvl8pPr>
     <a:lvl9pPr marL="0" marR="0" indent="0" algn="l" defTabSz="584200" rtl="0" fontAlgn="auto" latinLnBrk="0" hangingPunct="0">
@@ -313,14 +313,14 @@
           <a:noFill/>
         </a:ln>
         <a:solidFill>
-          <a:srgbClr val="222222"/>
+          <a:srgbClr val="838787"/>
         </a:solidFill>
         <a:effectLst/>
         <a:uFillTx/>
-        <a:latin typeface="DIN Condensed"/>
-        <a:ea typeface="DIN Condensed"/>
-        <a:cs typeface="DIN Condensed"/>
-        <a:sym typeface="DIN Condensed"/>
+        <a:latin typeface="Avenir Next Medium"/>
+        <a:ea typeface="Avenir Next Medium"/>
+        <a:cs typeface="Avenir Next Medium"/>
+        <a:sym typeface="Avenir Next Medium"/>
       </a:defRPr>
     </a:lvl9pPr>
   </p:defaultTextStyle>
@@ -350,7 +350,7 @@
       </p:grpSpPr>
       <p:sp>
         <p:nvSpPr>
-          <p:cNvPr id="167" name="Shape 167"/>
+          <p:cNvPr id="163" name="Shape 163"/>
           <p:cNvSpPr/>
           <p:nvPr>
             <p:ph type="sldImg"/>
@@ -375,7 +375,7 @@
       </p:sp>
       <p:sp>
         <p:nvSpPr>
-          <p:cNvPr id="168" name="Shape 168"/>
+          <p:cNvPr id="164" name="Shape 164"/>
           <p:cNvSpPr/>
           <p:nvPr>
             <p:ph type="body" sz="quarter" idx="1"/>
@@ -407,9 +407,9 @@
         <a:spcPct val="117999"/>
       </a:lnSpc>
       <a:defRPr sz="2200">
-        <a:latin typeface="+mj-lt"/>
-        <a:ea typeface="+mj-ea"/>
-        <a:cs typeface="+mj-cs"/>
+        <a:latin typeface="Helvetica Neue"/>
+        <a:ea typeface="Helvetica Neue"/>
+        <a:cs typeface="Helvetica Neue"/>
         <a:sym typeface="Helvetica Neue"/>
       </a:defRPr>
     </a:lvl1pPr>
@@ -418,9 +418,9 @@
         <a:spcPct val="117999"/>
       </a:lnSpc>
       <a:defRPr sz="2200">
-        <a:latin typeface="+mj-lt"/>
-        <a:ea typeface="+mj-ea"/>
-        <a:cs typeface="+mj-cs"/>
+        <a:latin typeface="Helvetica Neue"/>
+        <a:ea typeface="Helvetica Neue"/>
+        <a:cs typeface="Helvetica Neue"/>
         <a:sym typeface="Helvetica Neue"/>
       </a:defRPr>
     </a:lvl2pPr>
@@ -429,9 +429,9 @@
         <a:spcPct val="117999"/>
       </a:lnSpc>
       <a:defRPr sz="2200">
-        <a:latin typeface="+mj-lt"/>
-        <a:ea typeface="+mj-ea"/>
-        <a:cs typeface="+mj-cs"/>
+        <a:latin typeface="Helvetica Neue"/>
+        <a:ea typeface="Helvetica Neue"/>
+        <a:cs typeface="Helvetica Neue"/>
         <a:sym typeface="Helvetica Neue"/>
       </a:defRPr>
     </a:lvl3pPr>
@@ -440,9 +440,9 @@
         <a:spcPct val="117999"/>
       </a:lnSpc>
       <a:defRPr sz="2200">
-        <a:latin typeface="+mj-lt"/>
-        <a:ea typeface="+mj-ea"/>
-        <a:cs typeface="+mj-cs"/>
+        <a:latin typeface="Helvetica Neue"/>
+        <a:ea typeface="Helvetica Neue"/>
+        <a:cs typeface="Helvetica Neue"/>
         <a:sym typeface="Helvetica Neue"/>
       </a:defRPr>
     </a:lvl4pPr>
@@ -451,9 +451,9 @@
         <a:spcPct val="117999"/>
       </a:lnSpc>
       <a:defRPr sz="2200">
-        <a:latin typeface="+mj-lt"/>
-        <a:ea typeface="+mj-ea"/>
-        <a:cs typeface="+mj-cs"/>
+        <a:latin typeface="Helvetica Neue"/>
+        <a:ea typeface="Helvetica Neue"/>
+        <a:cs typeface="Helvetica Neue"/>
         <a:sym typeface="Helvetica Neue"/>
       </a:defRPr>
     </a:lvl5pPr>
@@ -462,9 +462,9 @@
         <a:spcPct val="117999"/>
       </a:lnSpc>
       <a:defRPr sz="2200">
-        <a:latin typeface="+mj-lt"/>
-        <a:ea typeface="+mj-ea"/>
-        <a:cs typeface="+mj-cs"/>
+        <a:latin typeface="Helvetica Neue"/>
+        <a:ea typeface="Helvetica Neue"/>
+        <a:cs typeface="Helvetica Neue"/>
         <a:sym typeface="Helvetica Neue"/>
       </a:defRPr>
     </a:lvl6pPr>
@@ -473,9 +473,9 @@
         <a:spcPct val="117999"/>
       </a:lnSpc>
       <a:defRPr sz="2200">
-        <a:latin typeface="+mj-lt"/>
-        <a:ea typeface="+mj-ea"/>
-        <a:cs typeface="+mj-cs"/>
+        <a:latin typeface="Helvetica Neue"/>
+        <a:ea typeface="Helvetica Neue"/>
+        <a:cs typeface="Helvetica Neue"/>
         <a:sym typeface="Helvetica Neue"/>
       </a:defRPr>
     </a:lvl7pPr>
@@ -484,9 +484,9 @@
         <a:spcPct val="117999"/>
       </a:lnSpc>
       <a:defRPr sz="2200">
-        <a:latin typeface="+mj-lt"/>
-        <a:ea typeface="+mj-ea"/>
-        <a:cs typeface="+mj-cs"/>
+        <a:latin typeface="Helvetica Neue"/>
+        <a:ea typeface="Helvetica Neue"/>
+        <a:cs typeface="Helvetica Neue"/>
         <a:sym typeface="Helvetica Neue"/>
       </a:defRPr>
     </a:lvl8pPr>
@@ -495,9 +495,9 @@
         <a:spcPct val="117999"/>
       </a:lnSpc>
       <a:defRPr sz="2200">
-        <a:latin typeface="+mj-lt"/>
-        <a:ea typeface="+mj-ea"/>
-        <a:cs typeface="+mj-cs"/>
+        <a:latin typeface="Helvetica Neue"/>
+        <a:ea typeface="Helvetica Neue"/>
+        <a:cs typeface="Helvetica Neue"/>
         <a:sym typeface="Helvetica Neue"/>
       </a:defRPr>
     </a:lvl9pPr>
@@ -506,8 +506,15 @@
 </file>
 
 <file path=ppt/slideLayouts/slideLayout1.xml><?xml version="1.0" encoding="utf-8"?>
-<p:sldLayout xmlns:a="http://schemas.openxmlformats.org/drawingml/2006/main" xmlns:r="http://schemas.openxmlformats.org/officeDocument/2006/relationships" xmlns:p="http://schemas.openxmlformats.org/presentationml/2006/main" xmlns:m="http://schemas.openxmlformats.org/officeDocument/2006/math" xmlns:a14="http://schemas.microsoft.com/office/drawing/2010/main" type="title" showMasterSp="1" showMasterPhAnim="1">
+<p:sldLayout xmlns:a="http://schemas.openxmlformats.org/drawingml/2006/main" xmlns:r="http://schemas.openxmlformats.org/officeDocument/2006/relationships" xmlns:p="http://schemas.openxmlformats.org/presentationml/2006/main" xmlns:m="http://schemas.openxmlformats.org/officeDocument/2006/math" xmlns:a14="http://schemas.microsoft.com/office/drawing/2010/main" type="title" showMasterSp="0" showMasterPhAnim="1">
   <p:cSld name="Titolo e sottotitolo">
+    <p:bg>
+      <p:bgPr>
+        <a:solidFill>
+          <a:srgbClr val="222222"/>
+        </a:solidFill>
+      </p:bgPr>
+    </p:bg>
     <p:spTree>
       <p:nvGrpSpPr>
         <p:cNvPr id="1" name=""/>
@@ -524,20 +531,73 @@
       </p:grpSpPr>
       <p:sp>
         <p:nvSpPr>
-          <p:cNvPr id="12" name="Titolo Testo"/>
+          <p:cNvPr id="12" name="Linea"/>
+          <p:cNvSpPr/>
+          <p:nvPr/>
+        </p:nvSpPr>
+        <p:spPr>
+          <a:xfrm flipV="1">
+            <a:off x="406400" y="6140894"/>
+            <a:ext cx="12192000" cy="263"/>
+          </a:xfrm>
+          <a:prstGeom prst="line">
+            <a:avLst/>
+          </a:prstGeom>
+          <a:ln w="38100">
+            <a:solidFill>
+              <a:srgbClr val="A6AAA9"/>
+            </a:solidFill>
+            <a:miter lim="400000"/>
+          </a:ln>
+        </p:spPr>
+        <p:txBody>
+          <a:bodyPr lIns="50800" tIns="50800" rIns="50800" bIns="50800" anchor="ctr"/>
+          <a:lstStyle/>
+          <a:p>
+            <a:pPr defTabSz="457200">
+              <a:spcBef>
+                <a:spcPts val="0"/>
+              </a:spcBef>
+              <a:defRPr sz="1200">
+                <a:solidFill>
+                  <a:srgbClr val="000000"/>
+                </a:solidFill>
+                <a:latin typeface="Helvetica"/>
+                <a:ea typeface="Helvetica"/>
+                <a:cs typeface="Helvetica"/>
+                <a:sym typeface="Helvetica"/>
+              </a:defRPr>
+            </a:pPr>
+          </a:p>
+        </p:txBody>
+      </p:sp>
+      <p:sp>
+        <p:nvSpPr>
+          <p:cNvPr id="13" name="Titolo Testo"/>
           <p:cNvSpPr txBox="1"/>
           <p:nvPr>
             <p:ph type="title"/>
           </p:nvPr>
         </p:nvSpPr>
         <p:spPr>
+          <a:xfrm>
+            <a:off x="406400" y="6426200"/>
+            <a:ext cx="12192000" cy="2705100"/>
+          </a:xfrm>
           <a:prstGeom prst="rect">
             <a:avLst/>
           </a:prstGeom>
         </p:spPr>
         <p:txBody>
           <a:bodyPr/>
-          <a:lstStyle/>
+          <a:lstStyle>
+            <a:lvl1pPr>
+              <a:spcBef>
+                <a:spcPts val="0"/>
+              </a:spcBef>
+              <a:defRPr sz="17000"/>
+            </a:lvl1pPr>
+          </a:lstStyle>
           <a:p>
             <a:pPr/>
             <a:r>
@@ -548,20 +608,130 @@
       </p:sp>
       <p:sp>
         <p:nvSpPr>
-          <p:cNvPr id="13" name="Corpo livello uno…"/>
+          <p:cNvPr id="14" name="Corpo livello uno…"/>
           <p:cNvSpPr txBox="1"/>
           <p:nvPr>
             <p:ph type="body" sz="quarter" idx="1"/>
           </p:nvPr>
         </p:nvSpPr>
         <p:spPr>
+          <a:xfrm>
+            <a:off x="406400" y="4267200"/>
+            <a:ext cx="12192000" cy="1803400"/>
+          </a:xfrm>
           <a:prstGeom prst="rect">
             <a:avLst/>
           </a:prstGeom>
         </p:spPr>
         <p:txBody>
-          <a:bodyPr/>
-          <a:lstStyle/>
+          <a:bodyPr anchor="b"/>
+          <a:lstStyle>
+            <a:lvl1pPr marL="0" indent="0">
+              <a:lnSpc>
+                <a:spcPct val="80000"/>
+              </a:lnSpc>
+              <a:spcBef>
+                <a:spcPts val="2300"/>
+              </a:spcBef>
+              <a:buClrTx/>
+              <a:buSzTx/>
+              <a:buFontTx/>
+              <a:buNone/>
+              <a:defRPr cap="all" sz="5400">
+                <a:solidFill>
+                  <a:srgbClr val="A6AAA9"/>
+                </a:solidFill>
+                <a:latin typeface="DIN Alternate"/>
+                <a:ea typeface="DIN Alternate"/>
+                <a:cs typeface="DIN Alternate"/>
+                <a:sym typeface="DIN Alternate"/>
+              </a:defRPr>
+            </a:lvl1pPr>
+            <a:lvl2pPr marL="0" indent="0">
+              <a:lnSpc>
+                <a:spcPct val="80000"/>
+              </a:lnSpc>
+              <a:spcBef>
+                <a:spcPts val="2300"/>
+              </a:spcBef>
+              <a:buClrTx/>
+              <a:buSzTx/>
+              <a:buFontTx/>
+              <a:buNone/>
+              <a:defRPr cap="all" sz="5400">
+                <a:solidFill>
+                  <a:srgbClr val="A6AAA9"/>
+                </a:solidFill>
+                <a:latin typeface="DIN Alternate"/>
+                <a:ea typeface="DIN Alternate"/>
+                <a:cs typeface="DIN Alternate"/>
+                <a:sym typeface="DIN Alternate"/>
+              </a:defRPr>
+            </a:lvl2pPr>
+            <a:lvl3pPr marL="0" indent="0">
+              <a:lnSpc>
+                <a:spcPct val="80000"/>
+              </a:lnSpc>
+              <a:spcBef>
+                <a:spcPts val="2300"/>
+              </a:spcBef>
+              <a:buClrTx/>
+              <a:buSzTx/>
+              <a:buFontTx/>
+              <a:buNone/>
+              <a:defRPr cap="all" sz="5400">
+                <a:solidFill>
+                  <a:srgbClr val="A6AAA9"/>
+                </a:solidFill>
+                <a:latin typeface="DIN Alternate"/>
+                <a:ea typeface="DIN Alternate"/>
+                <a:cs typeface="DIN Alternate"/>
+                <a:sym typeface="DIN Alternate"/>
+              </a:defRPr>
+            </a:lvl3pPr>
+            <a:lvl4pPr marL="0" indent="0">
+              <a:lnSpc>
+                <a:spcPct val="80000"/>
+              </a:lnSpc>
+              <a:spcBef>
+                <a:spcPts val="2300"/>
+              </a:spcBef>
+              <a:buClrTx/>
+              <a:buSzTx/>
+              <a:buFontTx/>
+              <a:buNone/>
+              <a:defRPr cap="all" sz="5400">
+                <a:solidFill>
+                  <a:srgbClr val="A6AAA9"/>
+                </a:solidFill>
+                <a:latin typeface="DIN Alternate"/>
+                <a:ea typeface="DIN Alternate"/>
+                <a:cs typeface="DIN Alternate"/>
+                <a:sym typeface="DIN Alternate"/>
+              </a:defRPr>
+            </a:lvl4pPr>
+            <a:lvl5pPr marL="0" indent="0">
+              <a:lnSpc>
+                <a:spcPct val="80000"/>
+              </a:lnSpc>
+              <a:spcBef>
+                <a:spcPts val="2300"/>
+              </a:spcBef>
+              <a:buClrTx/>
+              <a:buSzTx/>
+              <a:buFontTx/>
+              <a:buNone/>
+              <a:defRPr cap="all" sz="5400">
+                <a:solidFill>
+                  <a:srgbClr val="A6AAA9"/>
+                </a:solidFill>
+                <a:latin typeface="DIN Alternate"/>
+                <a:ea typeface="DIN Alternate"/>
+                <a:cs typeface="DIN Alternate"/>
+                <a:sym typeface="DIN Alternate"/>
+              </a:defRPr>
+            </a:lvl5pPr>
+          </a:lstStyle>
           <a:p>
             <a:pPr/>
             <a:r>
@@ -596,13 +766,17 @@
       </p:sp>
       <p:sp>
         <p:nvSpPr>
-          <p:cNvPr id="14" name="Numero diapositiva"/>
+          <p:cNvPr id="15" name="Numero diapositiva"/>
           <p:cNvSpPr txBox="1"/>
           <p:nvPr>
             <p:ph type="sldNum" sz="quarter" idx="2"/>
           </p:nvPr>
         </p:nvSpPr>
         <p:spPr>
+          <a:xfrm>
+            <a:off x="12194440" y="431800"/>
+            <a:ext cx="406898" cy="457200"/>
+          </a:xfrm>
           <a:prstGeom prst="rect">
             <a:avLst/>
           </a:prstGeom>
@@ -626,8 +800,15 @@
 </file>
 
 <file path=ppt/slideLayouts/slideLayout10.xml><?xml version="1.0" encoding="utf-8"?>
-<p:sldLayout xmlns:a="http://schemas.openxmlformats.org/drawingml/2006/main" xmlns:r="http://schemas.openxmlformats.org/officeDocument/2006/relationships" xmlns:p="http://schemas.openxmlformats.org/presentationml/2006/main" xmlns:m="http://schemas.openxmlformats.org/officeDocument/2006/math" xmlns:a14="http://schemas.microsoft.com/office/drawing/2010/main" type="tx" showMasterSp="0" showMasterPhAnim="1">
+<p:sldLayout xmlns:a="http://schemas.openxmlformats.org/drawingml/2006/main" xmlns:r="http://schemas.openxmlformats.org/officeDocument/2006/relationships" xmlns:p="http://schemas.openxmlformats.org/presentationml/2006/main" xmlns:m="http://schemas.openxmlformats.org/officeDocument/2006/math" xmlns:a14="http://schemas.microsoft.com/office/drawing/2010/main" type="tx" showMasterSp="1" showMasterPhAnim="1">
   <p:cSld name="Punti elenco">
+    <p:bg>
+      <p:bgPr>
+        <a:solidFill>
+          <a:srgbClr val="222222"/>
+        </a:solidFill>
+      </p:bgPr>
+    </p:bg>
     <p:spTree>
       <p:nvGrpSpPr>
         <p:cNvPr id="1" name=""/>
@@ -644,45 +825,10 @@
       </p:grpSpPr>
       <p:sp>
         <p:nvSpPr>
-          <p:cNvPr id="104" name="Linea"/>
-          <p:cNvSpPr/>
-          <p:nvPr/>
-        </p:nvSpPr>
-        <p:spPr>
-          <a:xfrm flipV="1">
-            <a:off x="406400" y="993160"/>
-            <a:ext cx="12192001" cy="264"/>
-          </a:xfrm>
-          <a:prstGeom prst="line">
-            <a:avLst/>
-          </a:prstGeom>
-          <a:ln w="25400">
-            <a:solidFill>
-              <a:srgbClr val="A6AAA9"/>
-            </a:solidFill>
-            <a:miter lim="400000"/>
-          </a:ln>
-        </p:spPr>
-        <p:txBody>
-          <a:bodyPr lIns="45718" tIns="45718" rIns="45718" bIns="45718"/>
-          <a:lstStyle/>
-          <a:p>
-            <a:pPr>
-              <a:defRPr>
-                <a:solidFill>
-                  <a:srgbClr val="838787"/>
-                </a:solidFill>
-              </a:defRPr>
-            </a:pPr>
-          </a:p>
-        </p:txBody>
-      </p:sp>
-      <p:sp>
-        <p:nvSpPr>
-          <p:cNvPr id="105" name="Corpo livello uno…"/>
+          <p:cNvPr id="102" name="Testo"/>
           <p:cNvSpPr txBox="1"/>
           <p:nvPr>
-            <p:ph type="body" sz="quarter" idx="1"/>
+            <p:ph type="body" sz="quarter" idx="13"/>
           </p:nvPr>
         </p:nvSpPr>
         <p:spPr>
@@ -695,159 +841,125 @@
           </a:prstGeom>
         </p:spPr>
         <p:txBody>
-          <a:bodyPr/>
+          <a:bodyPr anchor="b">
+            <a:spAutoFit/>
+          </a:bodyPr>
           <a:lstStyle>
-            <a:lvl1pPr defTabSz="457200">
+            <a:lvl1pPr marL="0" indent="0" defTabSz="457200">
+              <a:lnSpc>
+                <a:spcPct val="80000"/>
+              </a:lnSpc>
               <a:spcBef>
                 <a:spcPts val="0"/>
               </a:spcBef>
-              <a:defRPr spc="120" sz="2400">
-                <a:solidFill>
-                  <a:srgbClr val="838787"/>
-                </a:solidFill>
+              <a:buClrTx/>
+              <a:buSzTx/>
+              <a:buFontTx/>
+              <a:buNone/>
+              <a:defRPr cap="all" spc="120" sz="2400">
+                <a:latin typeface="DIN Alternate"/>
+                <a:ea typeface="DIN Alternate"/>
+                <a:cs typeface="DIN Alternate"/>
+                <a:sym typeface="DIN Alternate"/>
               </a:defRPr>
             </a:lvl1pPr>
-            <a:lvl2pPr marL="758264" indent="-313764" defTabSz="457200">
-              <a:spcBef>
-                <a:spcPts val="0"/>
-              </a:spcBef>
-              <a:buSzPct val="104999"/>
-              <a:buChar char="‣"/>
-              <a:defRPr spc="120" sz="2400">
-                <a:solidFill>
-                  <a:srgbClr val="838787"/>
-                </a:solidFill>
-              </a:defRPr>
-            </a:lvl2pPr>
-            <a:lvl3pPr marL="1202764" indent="-313764" defTabSz="457200">
-              <a:spcBef>
-                <a:spcPts val="0"/>
-              </a:spcBef>
-              <a:buSzPct val="104999"/>
-              <a:buChar char="‣"/>
-              <a:defRPr spc="120" sz="2400">
-                <a:solidFill>
-                  <a:srgbClr val="838787"/>
-                </a:solidFill>
-              </a:defRPr>
-            </a:lvl3pPr>
-            <a:lvl4pPr marL="1647264" indent="-313764" defTabSz="457200">
-              <a:spcBef>
-                <a:spcPts val="0"/>
-              </a:spcBef>
-              <a:buSzPct val="104999"/>
-              <a:buChar char="‣"/>
-              <a:defRPr spc="120" sz="2400">
-                <a:solidFill>
-                  <a:srgbClr val="838787"/>
-                </a:solidFill>
-              </a:defRPr>
-            </a:lvl4pPr>
-            <a:lvl5pPr marL="2091764" indent="-313764" defTabSz="457200">
-              <a:spcBef>
-                <a:spcPts val="0"/>
-              </a:spcBef>
-              <a:buSzPct val="104999"/>
-              <a:buChar char="‣"/>
-              <a:defRPr spc="120" sz="2400">
-                <a:solidFill>
-                  <a:srgbClr val="838787"/>
-                </a:solidFill>
-              </a:defRPr>
-            </a:lvl5pPr>
           </a:lstStyle>
           <a:p>
             <a:pPr/>
             <a:r>
-              <a:t>Corpo livello uno</a:t>
-            </a:r>
-          </a:p>
-          <a:p>
-            <a:pPr lvl="1"/>
-            <a:r>
-              <a:t>Corpo livello due</a:t>
-            </a:r>
-          </a:p>
-          <a:p>
-            <a:pPr lvl="2"/>
-            <a:r>
-              <a:t>Corpo livello tre</a:t>
-            </a:r>
-          </a:p>
-          <a:p>
-            <a:pPr lvl="3"/>
-            <a:r>
-              <a:t>Corpo livello quattro</a:t>
-            </a:r>
-          </a:p>
-          <a:p>
-            <a:pPr lvl="4"/>
-            <a:r>
-              <a:t>Corpo livello cinque</a:t>
+              <a:t>Testo</a:t>
             </a:r>
           </a:p>
         </p:txBody>
       </p:sp>
       <p:sp>
         <p:nvSpPr>
-          <p:cNvPr id="106" name="Corpo livello uno…"/>
+          <p:cNvPr id="103" name="Corpo livello uno…"/>
           <p:cNvSpPr txBox="1"/>
           <p:nvPr>
-            <p:ph type="body" idx="13"/>
+            <p:ph type="body" idx="1"/>
           </p:nvPr>
         </p:nvSpPr>
         <p:spPr>
-          <a:xfrm>
-            <a:off x="406400" y="2743200"/>
-            <a:ext cx="12192000" cy="6108700"/>
-          </a:xfrm>
           <a:prstGeom prst="rect">
             <a:avLst/>
           </a:prstGeom>
         </p:spPr>
         <p:txBody>
-          <a:bodyPr anchor="t"/>
-          <a:lstStyle/>
-          <a:p>
-            <a:pPr marL="444500" indent="-444500">
-              <a:lnSpc>
-                <a:spcPct val="100000"/>
-              </a:lnSpc>
-              <a:spcBef>
-                <a:spcPts val="2800"/>
-              </a:spcBef>
+          <a:bodyPr/>
+          <a:lstStyle>
+            <a:lvl1pPr>
               <a:buClr>
                 <a:schemeClr val="accent1"/>
               </a:buClr>
-              <a:buSzPct val="104999"/>
-              <a:buFont typeface="Avenir Next"/>
               <a:buChar char="▸"/>
-              <a:defRPr cap="none" sz="3400">
-                <a:solidFill>
-                  <a:srgbClr val="838787"/>
-                </a:solidFill>
-                <a:latin typeface="Avenir Next Medium"/>
-                <a:ea typeface="Avenir Next Medium"/>
-                <a:cs typeface="Avenir Next Medium"/>
-                <a:sym typeface="Avenir Next Medium"/>
-              </a:defRPr>
-            </a:pPr>
+            </a:lvl1pPr>
+            <a:lvl2pPr>
+              <a:buClr>
+                <a:schemeClr val="accent1"/>
+              </a:buClr>
+              <a:buChar char="▸"/>
+            </a:lvl2pPr>
+            <a:lvl3pPr>
+              <a:buClr>
+                <a:schemeClr val="accent1"/>
+              </a:buClr>
+              <a:buChar char="▸"/>
+            </a:lvl3pPr>
+            <a:lvl4pPr>
+              <a:buClr>
+                <a:schemeClr val="accent1"/>
+              </a:buClr>
+              <a:buChar char="▸"/>
+            </a:lvl4pPr>
+            <a:lvl5pPr>
+              <a:buClr>
+                <a:schemeClr val="accent1"/>
+              </a:buClr>
+              <a:buChar char="▸"/>
+            </a:lvl5pPr>
+          </a:lstStyle>
+          <a:p>
+            <a:pPr/>
+            <a:r>
+              <a:t>Corpo livello uno</a:t>
+            </a:r>
+          </a:p>
+          <a:p>
+            <a:pPr lvl="1"/>
+            <a:r>
+              <a:t>Corpo livello due</a:t>
+            </a:r>
+          </a:p>
+          <a:p>
+            <a:pPr lvl="2"/>
+            <a:r>
+              <a:t>Corpo livello tre</a:t>
+            </a:r>
+          </a:p>
+          <a:p>
+            <a:pPr lvl="3"/>
+            <a:r>
+              <a:t>Corpo livello quattro</a:t>
+            </a:r>
+          </a:p>
+          <a:p>
+            <a:pPr lvl="4"/>
+            <a:r>
+              <a:t>Corpo livello cinque</a:t>
+            </a:r>
           </a:p>
         </p:txBody>
       </p:sp>
       <p:sp>
         <p:nvSpPr>
-          <p:cNvPr id="107" name="Numero diapositiva"/>
+          <p:cNvPr id="104" name="Numero diapositiva"/>
           <p:cNvSpPr txBox="1"/>
           <p:nvPr>
             <p:ph type="sldNum" sz="quarter" idx="2"/>
           </p:nvPr>
         </p:nvSpPr>
         <p:spPr>
-          <a:xfrm>
-            <a:off x="12186622" y="431800"/>
-            <a:ext cx="406898" cy="457200"/>
-          </a:xfrm>
           <a:prstGeom prst="rect">
             <a:avLst/>
           </a:prstGeom>
@@ -873,6 +985,13 @@
 <file path=ppt/slideLayouts/slideLayout11.xml><?xml version="1.0" encoding="utf-8"?>
 <p:sldLayout xmlns:a="http://schemas.openxmlformats.org/drawingml/2006/main" xmlns:r="http://schemas.openxmlformats.org/officeDocument/2006/relationships" xmlns:p="http://schemas.openxmlformats.org/presentationml/2006/main" xmlns:m="http://schemas.openxmlformats.org/officeDocument/2006/math" xmlns:a14="http://schemas.microsoft.com/office/drawing/2010/main" type="tx" showMasterSp="0" showMasterPhAnim="1">
   <p:cSld name="Foto - 3 per pagina">
+    <p:bg>
+      <p:bgPr>
+        <a:solidFill>
+          <a:srgbClr val="222222"/>
+        </a:solidFill>
+      </p:bgPr>
+    </p:bg>
     <p:spTree>
       <p:nvGrpSpPr>
         <p:cNvPr id="1" name=""/>
@@ -889,7 +1008,7 @@
       </p:grpSpPr>
       <p:sp>
         <p:nvSpPr>
-          <p:cNvPr id="114" name="Immagine"/>
+          <p:cNvPr id="111" name="Immagine"/>
           <p:cNvSpPr/>
           <p:nvPr>
             <p:ph type="pic" sz="half" idx="13"/>
@@ -897,15 +1016,15 @@
         </p:nvSpPr>
         <p:spPr>
           <a:xfrm>
-            <a:off x="5463161" y="-90806"/>
-            <a:ext cx="8585201" cy="5043806"/>
+            <a:off x="5463161" y="-90805"/>
+            <a:ext cx="8585201" cy="5043805"/>
           </a:xfrm>
           <a:prstGeom prst="rect">
             <a:avLst/>
           </a:prstGeom>
         </p:spPr>
         <p:txBody>
-          <a:bodyPr lIns="91439" tIns="45719" rIns="91439" bIns="45719" anchor="t">
+          <a:bodyPr lIns="91439" tIns="45719" rIns="91439" bIns="45719">
             <a:noAutofit/>
           </a:bodyPr>
           <a:lstStyle/>
@@ -916,7 +1035,7 @@
       </p:sp>
       <p:sp>
         <p:nvSpPr>
-          <p:cNvPr id="115" name="Immagine"/>
+          <p:cNvPr id="112" name="Immagine"/>
           <p:cNvSpPr/>
           <p:nvPr>
             <p:ph type="pic" sz="half" idx="14"/>
@@ -932,7 +1051,7 @@
           </a:prstGeom>
         </p:spPr>
         <p:txBody>
-          <a:bodyPr lIns="91439" tIns="45719" rIns="91439" bIns="45719" anchor="t">
+          <a:bodyPr lIns="91439" tIns="45719" rIns="91439" bIns="45719">
             <a:noAutofit/>
           </a:bodyPr>
           <a:lstStyle/>
@@ -943,7 +1062,7 @@
       </p:sp>
       <p:sp>
         <p:nvSpPr>
-          <p:cNvPr id="116" name="Immagine"/>
+          <p:cNvPr id="113" name="Immagine"/>
           <p:cNvSpPr/>
           <p:nvPr>
             <p:ph type="pic" idx="15"/>
@@ -959,7 +1078,7 @@
           </a:prstGeom>
         </p:spPr>
         <p:txBody>
-          <a:bodyPr lIns="91439" tIns="45719" rIns="91439" bIns="45719" anchor="t">
+          <a:bodyPr lIns="91439" tIns="45719" rIns="91439" bIns="45719">
             <a:noAutofit/>
           </a:bodyPr>
           <a:lstStyle/>
@@ -970,17 +1089,13 @@
       </p:sp>
       <p:sp>
         <p:nvSpPr>
-          <p:cNvPr id="117" name="Numero diapositiva"/>
+          <p:cNvPr id="114" name="Numero diapositiva"/>
           <p:cNvSpPr txBox="1"/>
           <p:nvPr>
             <p:ph type="sldNum" sz="quarter" idx="2"/>
           </p:nvPr>
         </p:nvSpPr>
         <p:spPr>
-          <a:xfrm>
-            <a:off x="12186622" y="431800"/>
-            <a:ext cx="406898" cy="457200"/>
-          </a:xfrm>
           <a:prstGeom prst="rect">
             <a:avLst/>
           </a:prstGeom>
@@ -1004,8 +1119,15 @@
 </file>
 
 <file path=ppt/slideLayouts/slideLayout12.xml><?xml version="1.0" encoding="utf-8"?>
-<p:sldLayout xmlns:a="http://schemas.openxmlformats.org/drawingml/2006/main" xmlns:r="http://schemas.openxmlformats.org/officeDocument/2006/relationships" xmlns:p="http://schemas.openxmlformats.org/presentationml/2006/main" xmlns:m="http://schemas.openxmlformats.org/officeDocument/2006/math" xmlns:a14="http://schemas.microsoft.com/office/drawing/2010/main" type="tx" showMasterSp="0" showMasterPhAnim="1">
+<p:sldLayout xmlns:a="http://schemas.openxmlformats.org/drawingml/2006/main" xmlns:r="http://schemas.openxmlformats.org/officeDocument/2006/relationships" xmlns:p="http://schemas.openxmlformats.org/presentationml/2006/main" xmlns:m="http://schemas.openxmlformats.org/officeDocument/2006/math" xmlns:a14="http://schemas.microsoft.com/office/drawing/2010/main" type="tx" showMasterSp="1" showMasterPhAnim="1">
   <p:cSld name="Citazione">
+    <p:bg>
+      <p:bgPr>
+        <a:solidFill>
+          <a:srgbClr val="222222"/>
+        </a:solidFill>
+      </p:bgPr>
+    </p:bg>
     <p:spTree>
       <p:nvGrpSpPr>
         <p:cNvPr id="1" name=""/>
@@ -1022,49 +1144,14 @@
       </p:grpSpPr>
       <p:sp>
         <p:nvSpPr>
-          <p:cNvPr id="124" name="Linea"/>
-          <p:cNvSpPr/>
-          <p:nvPr/>
-        </p:nvSpPr>
-        <p:spPr>
-          <a:xfrm flipV="1">
-            <a:off x="406400" y="993160"/>
-            <a:ext cx="12192001" cy="264"/>
-          </a:xfrm>
-          <a:prstGeom prst="line">
-            <a:avLst/>
-          </a:prstGeom>
-          <a:ln w="25400">
-            <a:solidFill>
-              <a:srgbClr val="A6AAA9"/>
-            </a:solidFill>
-            <a:miter lim="400000"/>
-          </a:ln>
-        </p:spPr>
-        <p:txBody>
-          <a:bodyPr lIns="45718" tIns="45718" rIns="45718" bIns="45718"/>
-          <a:lstStyle/>
-          <a:p>
-            <a:pPr>
-              <a:defRPr>
-                <a:solidFill>
-                  <a:srgbClr val="838787"/>
-                </a:solidFill>
-              </a:defRPr>
-            </a:pPr>
-          </a:p>
-        </p:txBody>
-      </p:sp>
-      <p:sp>
-        <p:nvSpPr>
-          <p:cNvPr id="125" name="Didascalia"/>
+          <p:cNvPr id="121" name="Didascalia"/>
           <p:cNvSpPr/>
           <p:nvPr/>
         </p:nvSpPr>
         <p:spPr>
           <a:xfrm>
             <a:off x="469900" y="2362200"/>
-            <a:ext cx="12065001" cy="5229226"/>
+            <a:ext cx="12065000" cy="5229225"/>
           </a:xfrm>
           <a:custGeom>
             <a:avLst/>
@@ -1157,6 +1244,10 @@
                 <a:solidFill>
                   <a:srgbClr val="FFFFFF"/>
                 </a:solidFill>
+                <a:latin typeface="+mn-lt"/>
+                <a:ea typeface="+mn-ea"/>
+                <a:cs typeface="+mn-cs"/>
+                <a:sym typeface="DIN Condensed"/>
               </a:defRPr>
             </a:pPr>
           </a:p>
@@ -1164,138 +1255,7 @@
       </p:sp>
       <p:sp>
         <p:nvSpPr>
-          <p:cNvPr id="126" name="Corpo livello uno…"/>
-          <p:cNvSpPr txBox="1"/>
-          <p:nvPr>
-            <p:ph type="body" sz="quarter" idx="1"/>
-          </p:nvPr>
-        </p:nvSpPr>
-        <p:spPr>
-          <a:xfrm>
-            <a:off x="889000" y="2908300"/>
-            <a:ext cx="11226800" cy="1297945"/>
-          </a:xfrm>
-          <a:prstGeom prst="rect">
-            <a:avLst/>
-          </a:prstGeom>
-        </p:spPr>
-        <p:txBody>
-          <a:bodyPr anchor="t"/>
-          <a:lstStyle>
-            <a:lvl1pPr>
-              <a:spcBef>
-                <a:spcPts val="0"/>
-              </a:spcBef>
-              <a:defRPr sz="9400">
-                <a:solidFill>
-                  <a:srgbClr val="FFFFFF"/>
-                </a:solidFill>
-                <a:latin typeface="DIN Condensed"/>
-                <a:ea typeface="DIN Condensed"/>
-                <a:cs typeface="DIN Condensed"/>
-                <a:sym typeface="DIN Condensed"/>
-              </a:defRPr>
-            </a:lvl1pPr>
-            <a:lvl2pPr marL="1673411" indent="-1228911">
-              <a:spcBef>
-                <a:spcPts val="0"/>
-              </a:spcBef>
-              <a:buSzPct val="104999"/>
-              <a:buChar char="‣"/>
-              <a:defRPr sz="9400">
-                <a:solidFill>
-                  <a:srgbClr val="FFFFFF"/>
-                </a:solidFill>
-                <a:latin typeface="DIN Condensed"/>
-                <a:ea typeface="DIN Condensed"/>
-                <a:cs typeface="DIN Condensed"/>
-                <a:sym typeface="DIN Condensed"/>
-              </a:defRPr>
-            </a:lvl2pPr>
-            <a:lvl3pPr marL="2117911" indent="-1228911">
-              <a:spcBef>
-                <a:spcPts val="0"/>
-              </a:spcBef>
-              <a:buSzPct val="104999"/>
-              <a:buChar char="‣"/>
-              <a:defRPr sz="9400">
-                <a:solidFill>
-                  <a:srgbClr val="FFFFFF"/>
-                </a:solidFill>
-                <a:latin typeface="DIN Condensed"/>
-                <a:ea typeface="DIN Condensed"/>
-                <a:cs typeface="DIN Condensed"/>
-                <a:sym typeface="DIN Condensed"/>
-              </a:defRPr>
-            </a:lvl3pPr>
-            <a:lvl4pPr marL="2562411" indent="-1228911">
-              <a:spcBef>
-                <a:spcPts val="0"/>
-              </a:spcBef>
-              <a:buSzPct val="104999"/>
-              <a:buChar char="‣"/>
-              <a:defRPr sz="9400">
-                <a:solidFill>
-                  <a:srgbClr val="FFFFFF"/>
-                </a:solidFill>
-                <a:latin typeface="DIN Condensed"/>
-                <a:ea typeface="DIN Condensed"/>
-                <a:cs typeface="DIN Condensed"/>
-                <a:sym typeface="DIN Condensed"/>
-              </a:defRPr>
-            </a:lvl4pPr>
-            <a:lvl5pPr marL="3006911" indent="-1228911">
-              <a:spcBef>
-                <a:spcPts val="0"/>
-              </a:spcBef>
-              <a:buSzPct val="104999"/>
-              <a:buChar char="‣"/>
-              <a:defRPr sz="9400">
-                <a:solidFill>
-                  <a:srgbClr val="FFFFFF"/>
-                </a:solidFill>
-                <a:latin typeface="DIN Condensed"/>
-                <a:ea typeface="DIN Condensed"/>
-                <a:cs typeface="DIN Condensed"/>
-                <a:sym typeface="DIN Condensed"/>
-              </a:defRPr>
-            </a:lvl5pPr>
-          </a:lstStyle>
-          <a:p>
-            <a:pPr/>
-            <a:r>
-              <a:t>Corpo livello uno</a:t>
-            </a:r>
-          </a:p>
-          <a:p>
-            <a:pPr lvl="1"/>
-            <a:r>
-              <a:t>Corpo livello due</a:t>
-            </a:r>
-          </a:p>
-          <a:p>
-            <a:pPr lvl="2"/>
-            <a:r>
-              <a:t>Corpo livello tre</a:t>
-            </a:r>
-          </a:p>
-          <a:p>
-            <a:pPr lvl="3"/>
-            <a:r>
-              <a:t>Corpo livello quattro</a:t>
-            </a:r>
-          </a:p>
-          <a:p>
-            <a:pPr lvl="4"/>
-            <a:r>
-              <a:t>Corpo livello cinque</a:t>
-            </a:r>
-          </a:p>
-        </p:txBody>
-      </p:sp>
-      <p:sp>
-        <p:nvSpPr>
-          <p:cNvPr id="127" name="Giovanni Mela"/>
+          <p:cNvPr id="122" name="Inserisci qui una citazione."/>
           <p:cNvSpPr txBox="1"/>
           <p:nvPr>
             <p:ph type="body" sz="quarter" idx="13"/>
@@ -1303,40 +1263,103 @@
         </p:nvSpPr>
         <p:spPr>
           <a:xfrm>
-            <a:off x="406400" y="7789333"/>
-            <a:ext cx="12192000" cy="863605"/>
+            <a:off x="889000" y="2908300"/>
+            <a:ext cx="11226800" cy="1297944"/>
           </a:xfrm>
           <a:prstGeom prst="rect">
             <a:avLst/>
           </a:prstGeom>
         </p:spPr>
         <p:txBody>
-          <a:bodyPr anchor="t"/>
-          <a:lstStyle/>
-          <a:p>
-            <a:pPr algn="r">
+          <a:bodyPr>
+            <a:spAutoFit/>
+          </a:bodyPr>
+          <a:lstStyle>
+            <a:lvl1pPr marL="0" indent="0">
+              <a:lnSpc>
+                <a:spcPct val="80000"/>
+              </a:lnSpc>
               <a:spcBef>
                 <a:spcPts val="0"/>
               </a:spcBef>
-              <a:defRPr cap="none" sz="6000">
+              <a:buClrTx/>
+              <a:buSzTx/>
+              <a:buFontTx/>
+              <a:buNone/>
+              <a:defRPr cap="all" sz="9400">
                 <a:solidFill>
-                  <a:srgbClr val="838787"/>
+                  <a:srgbClr val="FFFFFF"/>
                 </a:solidFill>
-                <a:latin typeface="DIN Condensed"/>
-                <a:ea typeface="DIN Condensed"/>
-                <a:cs typeface="DIN Condensed"/>
+                <a:latin typeface="+mn-lt"/>
+                <a:ea typeface="+mn-ea"/>
+                <a:cs typeface="+mn-cs"/>
                 <a:sym typeface="DIN Condensed"/>
               </a:defRPr>
-            </a:pPr>
+            </a:lvl1pPr>
+          </a:lstStyle>
+          <a:p>
+            <a:pPr/>
+            <a:r>
+              <a:t>Inserisci qui una citazione.</a:t>
+            </a:r>
           </a:p>
         </p:txBody>
       </p:sp>
       <p:sp>
         <p:nvSpPr>
-          <p:cNvPr id="128" name="Testo"/>
+          <p:cNvPr id="123" name="Giovanni Mela"/>
           <p:cNvSpPr txBox="1"/>
           <p:nvPr>
             <p:ph type="body" sz="quarter" idx="14"/>
+          </p:nvPr>
+        </p:nvSpPr>
+        <p:spPr>
+          <a:xfrm>
+            <a:off x="406400" y="7789333"/>
+            <a:ext cx="12192000" cy="863604"/>
+          </a:xfrm>
+          <a:prstGeom prst="rect">
+            <a:avLst/>
+          </a:prstGeom>
+        </p:spPr>
+        <p:txBody>
+          <a:bodyPr>
+            <a:spAutoFit/>
+          </a:bodyPr>
+          <a:lstStyle>
+            <a:lvl1pPr marL="0" indent="0" algn="r">
+              <a:lnSpc>
+                <a:spcPct val="80000"/>
+              </a:lnSpc>
+              <a:spcBef>
+                <a:spcPts val="0"/>
+              </a:spcBef>
+              <a:buClrTx/>
+              <a:buSzTx/>
+              <a:buFontTx/>
+              <a:buNone/>
+              <a:defRPr sz="6000">
+                <a:latin typeface="+mn-lt"/>
+                <a:ea typeface="+mn-ea"/>
+                <a:cs typeface="+mn-cs"/>
+                <a:sym typeface="DIN Condensed"/>
+              </a:defRPr>
+            </a:lvl1pPr>
+          </a:lstStyle>
+          <a:p>
+            <a:pPr/>
+            <a:r>
+              <a:t>Giovanni Mela</a:t>
+            </a:r>
+          </a:p>
+        </p:txBody>
+      </p:sp>
+      <p:sp>
+        <p:nvSpPr>
+          <p:cNvPr id="124" name="Testo"/>
+          <p:cNvSpPr txBox="1"/>
+          <p:nvPr>
+            <p:ph type="body" sz="quarter" idx="15"/>
           </p:nvPr>
         </p:nvSpPr>
         <p:spPr>
@@ -1349,35 +1372,46 @@
           </a:prstGeom>
         </p:spPr>
         <p:txBody>
-          <a:bodyPr/>
-          <a:lstStyle/>
-          <a:p>
-            <a:pPr defTabSz="457200">
+          <a:bodyPr anchor="b">
+            <a:spAutoFit/>
+          </a:bodyPr>
+          <a:lstStyle>
+            <a:lvl1pPr marL="0" indent="0" defTabSz="457200">
+              <a:lnSpc>
+                <a:spcPct val="80000"/>
+              </a:lnSpc>
               <a:spcBef>
                 <a:spcPts val="0"/>
               </a:spcBef>
-              <a:defRPr spc="100" sz="2400">
-                <a:solidFill>
-                  <a:srgbClr val="838787"/>
-                </a:solidFill>
+              <a:buClrTx/>
+              <a:buSzTx/>
+              <a:buFontTx/>
+              <a:buNone/>
+              <a:defRPr cap="all" spc="120" sz="2400">
+                <a:latin typeface="DIN Alternate"/>
+                <a:ea typeface="DIN Alternate"/>
+                <a:cs typeface="DIN Alternate"/>
+                <a:sym typeface="DIN Alternate"/>
               </a:defRPr>
-            </a:pPr>
+            </a:lvl1pPr>
+          </a:lstStyle>
+          <a:p>
+            <a:pPr/>
+            <a:r>
+              <a:t>Testo</a:t>
+            </a:r>
           </a:p>
         </p:txBody>
       </p:sp>
       <p:sp>
         <p:nvSpPr>
-          <p:cNvPr id="129" name="Numero diapositiva"/>
+          <p:cNvPr id="125" name="Numero diapositiva"/>
           <p:cNvSpPr txBox="1"/>
           <p:nvPr>
             <p:ph type="sldNum" sz="quarter" idx="2"/>
           </p:nvPr>
         </p:nvSpPr>
         <p:spPr>
-          <a:xfrm>
-            <a:off x="12186622" y="431800"/>
-            <a:ext cx="406898" cy="457200"/>
-          </a:xfrm>
           <a:prstGeom prst="rect">
             <a:avLst/>
           </a:prstGeom>
@@ -1426,10 +1460,10 @@
       </p:grpSpPr>
       <p:sp>
         <p:nvSpPr>
-          <p:cNvPr id="136" name="Corpo livello uno…"/>
+          <p:cNvPr id="132" name="Inserisci qui una citazione."/>
           <p:cNvSpPr txBox="1"/>
           <p:nvPr>
-            <p:ph type="body" sz="quarter" idx="1"/>
+            <p:ph type="body" sz="quarter" idx="13"/>
           </p:nvPr>
         </p:nvSpPr>
         <p:spPr>
@@ -1442,125 +1476,46 @@
           </a:prstGeom>
         </p:spPr>
         <p:txBody>
-          <a:bodyPr anchor="t"/>
+          <a:bodyPr>
+            <a:spAutoFit/>
+          </a:bodyPr>
           <a:lstStyle>
-            <a:lvl1pPr>
+            <a:lvl1pPr marL="0" indent="0">
+              <a:lnSpc>
+                <a:spcPct val="80000"/>
+              </a:lnSpc>
               <a:spcBef>
                 <a:spcPts val="0"/>
               </a:spcBef>
-              <a:defRPr sz="9400">
+              <a:buClrTx/>
+              <a:buSzTx/>
+              <a:buFontTx/>
+              <a:buNone/>
+              <a:defRPr cap="all" sz="9400">
                 <a:solidFill>
                   <a:srgbClr val="FFFFFF"/>
                 </a:solidFill>
-                <a:latin typeface="DIN Condensed"/>
-                <a:ea typeface="DIN Condensed"/>
-                <a:cs typeface="DIN Condensed"/>
+                <a:latin typeface="+mn-lt"/>
+                <a:ea typeface="+mn-ea"/>
+                <a:cs typeface="+mn-cs"/>
                 <a:sym typeface="DIN Condensed"/>
               </a:defRPr>
             </a:lvl1pPr>
-            <a:lvl2pPr marL="1673411" indent="-1228911">
-              <a:spcBef>
-                <a:spcPts val="0"/>
-              </a:spcBef>
-              <a:buSzPct val="104999"/>
-              <a:buChar char="‣"/>
-              <a:defRPr sz="9400">
-                <a:solidFill>
-                  <a:srgbClr val="FFFFFF"/>
-                </a:solidFill>
-                <a:latin typeface="DIN Condensed"/>
-                <a:ea typeface="DIN Condensed"/>
-                <a:cs typeface="DIN Condensed"/>
-                <a:sym typeface="DIN Condensed"/>
-              </a:defRPr>
-            </a:lvl2pPr>
-            <a:lvl3pPr marL="2117911" indent="-1228911">
-              <a:spcBef>
-                <a:spcPts val="0"/>
-              </a:spcBef>
-              <a:buSzPct val="104999"/>
-              <a:buChar char="‣"/>
-              <a:defRPr sz="9400">
-                <a:solidFill>
-                  <a:srgbClr val="FFFFFF"/>
-                </a:solidFill>
-                <a:latin typeface="DIN Condensed"/>
-                <a:ea typeface="DIN Condensed"/>
-                <a:cs typeface="DIN Condensed"/>
-                <a:sym typeface="DIN Condensed"/>
-              </a:defRPr>
-            </a:lvl3pPr>
-            <a:lvl4pPr marL="2562411" indent="-1228911">
-              <a:spcBef>
-                <a:spcPts val="0"/>
-              </a:spcBef>
-              <a:buSzPct val="104999"/>
-              <a:buChar char="‣"/>
-              <a:defRPr sz="9400">
-                <a:solidFill>
-                  <a:srgbClr val="FFFFFF"/>
-                </a:solidFill>
-                <a:latin typeface="DIN Condensed"/>
-                <a:ea typeface="DIN Condensed"/>
-                <a:cs typeface="DIN Condensed"/>
-                <a:sym typeface="DIN Condensed"/>
-              </a:defRPr>
-            </a:lvl4pPr>
-            <a:lvl5pPr marL="3006911" indent="-1228911">
-              <a:spcBef>
-                <a:spcPts val="0"/>
-              </a:spcBef>
-              <a:buSzPct val="104999"/>
-              <a:buChar char="‣"/>
-              <a:defRPr sz="9400">
-                <a:solidFill>
-                  <a:srgbClr val="FFFFFF"/>
-                </a:solidFill>
-                <a:latin typeface="DIN Condensed"/>
-                <a:ea typeface="DIN Condensed"/>
-                <a:cs typeface="DIN Condensed"/>
-                <a:sym typeface="DIN Condensed"/>
-              </a:defRPr>
-            </a:lvl5pPr>
           </a:lstStyle>
           <a:p>
             <a:pPr/>
             <a:r>
-              <a:t>Corpo livello uno</a:t>
-            </a:r>
-          </a:p>
-          <a:p>
-            <a:pPr lvl="1"/>
-            <a:r>
-              <a:t>Corpo livello due</a:t>
-            </a:r>
-          </a:p>
-          <a:p>
-            <a:pPr lvl="2"/>
-            <a:r>
-              <a:t>Corpo livello tre</a:t>
-            </a:r>
-          </a:p>
-          <a:p>
-            <a:pPr lvl="3"/>
-            <a:r>
-              <a:t>Corpo livello quattro</a:t>
-            </a:r>
-          </a:p>
-          <a:p>
-            <a:pPr lvl="4"/>
-            <a:r>
-              <a:t>Corpo livello cinque</a:t>
+              <a:t>Inserisci qui una citazione.</a:t>
             </a:r>
           </a:p>
         </p:txBody>
       </p:sp>
       <p:sp>
         <p:nvSpPr>
-          <p:cNvPr id="137" name="Immagine"/>
+          <p:cNvPr id="133" name="Immagine"/>
           <p:cNvSpPr/>
           <p:nvPr>
-            <p:ph type="pic" idx="13"/>
+            <p:ph type="pic" idx="14"/>
           </p:nvPr>
         </p:nvSpPr>
         <p:spPr>
@@ -1573,7 +1528,7 @@
           </a:prstGeom>
         </p:spPr>
         <p:txBody>
-          <a:bodyPr lIns="91439" tIns="45719" rIns="91439" bIns="45719" anchor="t">
+          <a:bodyPr lIns="91439" tIns="45719" rIns="91439" bIns="45719">
             <a:noAutofit/>
           </a:bodyPr>
           <a:lstStyle/>
@@ -1584,58 +1539,62 @@
       </p:sp>
       <p:sp>
         <p:nvSpPr>
-          <p:cNvPr id="138" name="Giovanni Mela"/>
+          <p:cNvPr id="134" name="Giovanni Mela"/>
           <p:cNvSpPr txBox="1"/>
           <p:nvPr>
-            <p:ph type="body" sz="quarter" idx="14"/>
+            <p:ph type="body" sz="quarter" idx="15"/>
           </p:nvPr>
         </p:nvSpPr>
         <p:spPr>
           <a:xfrm>
             <a:off x="5892800" y="7789333"/>
-            <a:ext cx="6705600" cy="863605"/>
+            <a:ext cx="6705600" cy="863604"/>
           </a:xfrm>
           <a:prstGeom prst="rect">
             <a:avLst/>
           </a:prstGeom>
         </p:spPr>
         <p:txBody>
-          <a:bodyPr anchor="ctr"/>
-          <a:lstStyle/>
-          <a:p>
-            <a:pPr defTabSz="457200">
-              <a:lnSpc>
-                <a:spcPct val="100000"/>
-              </a:lnSpc>
+          <a:bodyPr anchor="ctr">
+            <a:spAutoFit/>
+          </a:bodyPr>
+          <a:lstStyle>
+            <a:lvl1pPr marL="0" indent="0" defTabSz="457200">
               <a:spcBef>
                 <a:spcPts val="0"/>
               </a:spcBef>
-              <a:defRPr cap="none" sz="6000">
+              <a:buClrTx/>
+              <a:buSzTx/>
+              <a:buFontTx/>
+              <a:buNone/>
+              <a:defRPr sz="6000">
                 <a:solidFill>
                   <a:srgbClr val="232323"/>
                 </a:solidFill>
-                <a:latin typeface="DIN Condensed"/>
-                <a:ea typeface="DIN Condensed"/>
-                <a:cs typeface="DIN Condensed"/>
+                <a:latin typeface="+mn-lt"/>
+                <a:ea typeface="+mn-ea"/>
+                <a:cs typeface="+mn-cs"/>
                 <a:sym typeface="DIN Condensed"/>
               </a:defRPr>
-            </a:pPr>
+            </a:lvl1pPr>
+          </a:lstStyle>
+          <a:p>
+            <a:pPr/>
+            <a:r>
+              <a:t>Giovanni Mela</a:t>
+            </a:r>
           </a:p>
         </p:txBody>
       </p:sp>
       <p:sp>
         <p:nvSpPr>
-          <p:cNvPr id="139" name="Numero diapositiva"/>
+          <p:cNvPr id="135" name="Numero diapositiva"/>
           <p:cNvSpPr txBox="1"/>
           <p:nvPr>
             <p:ph type="sldNum" sz="quarter" idx="2"/>
           </p:nvPr>
         </p:nvSpPr>
         <p:spPr>
-          <a:xfrm>
-            <a:off x="12186622" y="431800"/>
-            <a:ext cx="406898" cy="457200"/>
-          </a:xfrm>
           <a:prstGeom prst="rect">
             <a:avLst/>
           </a:prstGeom>
@@ -1661,141 +1620,10 @@
 <file path=ppt/slideLayouts/slideLayout14.xml><?xml version="1.0" encoding="utf-8"?>
 <p:sldLayout xmlns:a="http://schemas.openxmlformats.org/drawingml/2006/main" xmlns:r="http://schemas.openxmlformats.org/officeDocument/2006/relationships" xmlns:p="http://schemas.openxmlformats.org/presentationml/2006/main" xmlns:m="http://schemas.openxmlformats.org/officeDocument/2006/math" xmlns:a14="http://schemas.microsoft.com/office/drawing/2010/main" type="tx" showMasterSp="0" showMasterPhAnim="1">
   <p:cSld name="Foto">
-    <p:spTree>
-      <p:nvGrpSpPr>
-        <p:cNvPr id="1" name=""/>
-        <p:cNvGrpSpPr/>
-        <p:nvPr/>
-      </p:nvGrpSpPr>
-      <p:grpSpPr>
-        <a:xfrm>
-          <a:off x="0" y="0"/>
-          <a:ext cx="0" cy="0"/>
-          <a:chOff x="0" y="0"/>
-          <a:chExt cx="0" cy="0"/>
-        </a:xfrm>
-      </p:grpSpPr>
-      <p:sp>
-        <p:nvSpPr>
-          <p:cNvPr id="146" name="Immagine"/>
-          <p:cNvSpPr/>
-          <p:nvPr>
-            <p:ph type="pic" idx="13"/>
-          </p:nvPr>
-        </p:nvSpPr>
-        <p:spPr>
-          <a:xfrm>
-            <a:off x="-914400" y="-12700"/>
-            <a:ext cx="14814645" cy="9779000"/>
-          </a:xfrm>
-          <a:prstGeom prst="rect">
-            <a:avLst/>
-          </a:prstGeom>
-        </p:spPr>
-        <p:txBody>
-          <a:bodyPr lIns="91439" tIns="45719" rIns="91439" bIns="45719" anchor="t">
-            <a:noAutofit/>
-          </a:bodyPr>
-          <a:lstStyle/>
-          <a:p>
-            <a:pPr/>
-          </a:p>
-        </p:txBody>
-      </p:sp>
-      <p:sp>
-        <p:nvSpPr>
-          <p:cNvPr id="147" name="Numero diapositiva"/>
-          <p:cNvSpPr txBox="1"/>
-          <p:nvPr>
-            <p:ph type="sldNum" sz="quarter" idx="2"/>
-          </p:nvPr>
-        </p:nvSpPr>
-        <p:spPr>
-          <a:xfrm>
-            <a:off x="12186622" y="431800"/>
-            <a:ext cx="406898" cy="457200"/>
-          </a:xfrm>
-          <a:prstGeom prst="rect">
-            <a:avLst/>
-          </a:prstGeom>
-        </p:spPr>
-        <p:txBody>
-          <a:bodyPr/>
-          <a:lstStyle/>
-          <a:p>
-            <a:pPr/>
-            <a:fld id="{86CB4B4D-7CA3-9044-876B-883B54F8677D}" type="slidenum"/>
-          </a:p>
-        </p:txBody>
-      </p:sp>
-    </p:spTree>
-  </p:cSld>
-  <p:clrMapOvr>
-    <a:masterClrMapping/>
-  </p:clrMapOvr>
-  <p:transition xmlns:p14="http://schemas.microsoft.com/office/powerpoint/2010/main" spd="med" advClick="1"/>
-</p:sldLayout>
-</file>
-
-<file path=ppt/slideLayouts/slideLayout15.xml><?xml version="1.0" encoding="utf-8"?>
-<p:sldLayout xmlns:a="http://schemas.openxmlformats.org/drawingml/2006/main" xmlns:r="http://schemas.openxmlformats.org/officeDocument/2006/relationships" xmlns:p="http://schemas.openxmlformats.org/presentationml/2006/main" xmlns:m="http://schemas.openxmlformats.org/officeDocument/2006/math" xmlns:a14="http://schemas.microsoft.com/office/drawing/2010/main" type="tx" showMasterSp="0" showMasterPhAnim="1">
-  <p:cSld name="Vuoto">
-    <p:spTree>
-      <p:nvGrpSpPr>
-        <p:cNvPr id="1" name=""/>
-        <p:cNvGrpSpPr/>
-        <p:nvPr/>
-      </p:nvGrpSpPr>
-      <p:grpSpPr>
-        <a:xfrm>
-          <a:off x="0" y="0"/>
-          <a:ext cx="0" cy="0"/>
-          <a:chOff x="0" y="0"/>
-          <a:chExt cx="0" cy="0"/>
-        </a:xfrm>
-      </p:grpSpPr>
-      <p:sp>
-        <p:nvSpPr>
-          <p:cNvPr id="154" name="Numero diapositiva"/>
-          <p:cNvSpPr txBox="1"/>
-          <p:nvPr>
-            <p:ph type="sldNum" sz="quarter" idx="2"/>
-          </p:nvPr>
-        </p:nvSpPr>
-        <p:spPr>
-          <a:xfrm>
-            <a:off x="12186622" y="431800"/>
-            <a:ext cx="406898" cy="457200"/>
-          </a:xfrm>
-          <a:prstGeom prst="rect">
-            <a:avLst/>
-          </a:prstGeom>
-        </p:spPr>
-        <p:txBody>
-          <a:bodyPr/>
-          <a:lstStyle/>
-          <a:p>
-            <a:pPr/>
-            <a:fld id="{86CB4B4D-7CA3-9044-876B-883B54F8677D}" type="slidenum"/>
-          </a:p>
-        </p:txBody>
-      </p:sp>
-    </p:spTree>
-  </p:cSld>
-  <p:clrMapOvr>
-    <a:masterClrMapping/>
-  </p:clrMapOvr>
-  <p:transition xmlns:p14="http://schemas.microsoft.com/office/powerpoint/2010/main" spd="med" advClick="1"/>
-</p:sldLayout>
-</file>
-
-<file path=ppt/slideLayouts/slideLayout16.xml><?xml version="1.0" encoding="utf-8"?>
-<p:sldLayout xmlns:a="http://schemas.openxmlformats.org/drawingml/2006/main" xmlns:r="http://schemas.openxmlformats.org/officeDocument/2006/relationships" xmlns:p="http://schemas.openxmlformats.org/presentationml/2006/main" xmlns:m="http://schemas.openxmlformats.org/officeDocument/2006/math" xmlns:a14="http://schemas.microsoft.com/office/drawing/2010/main" type="tx" showMasterSp="0" showMasterPhAnim="1">
-  <p:cSld name="Vuoto alternativo">
     <p:bg>
       <p:bgPr>
         <a:solidFill>
-          <a:srgbClr val="FFFFFF"/>
+          <a:srgbClr val="222222"/>
         </a:solidFill>
       </p:bgPr>
     </p:bg>
@@ -1815,59 +1643,7 @@
       </p:grpSpPr>
       <p:sp>
         <p:nvSpPr>
-          <p:cNvPr id="161" name="Numero diapositiva"/>
-          <p:cNvSpPr txBox="1"/>
-          <p:nvPr>
-            <p:ph type="sldNum" sz="quarter" idx="2"/>
-          </p:nvPr>
-        </p:nvSpPr>
-        <p:spPr>
-          <a:xfrm>
-            <a:off x="12186622" y="431800"/>
-            <a:ext cx="406898" cy="457200"/>
-          </a:xfrm>
-          <a:prstGeom prst="rect">
-            <a:avLst/>
-          </a:prstGeom>
-        </p:spPr>
-        <p:txBody>
-          <a:bodyPr/>
-          <a:lstStyle/>
-          <a:p>
-            <a:pPr/>
-            <a:fld id="{86CB4B4D-7CA3-9044-876B-883B54F8677D}" type="slidenum"/>
-          </a:p>
-        </p:txBody>
-      </p:sp>
-    </p:spTree>
-  </p:cSld>
-  <p:clrMapOvr>
-    <a:masterClrMapping/>
-  </p:clrMapOvr>
-  <p:transition xmlns:p14="http://schemas.microsoft.com/office/powerpoint/2010/main" spd="med" advClick="1"/>
-</p:sldLayout>
-</file>
-
-<file path=ppt/slideLayouts/slideLayout2.xml><?xml version="1.0" encoding="utf-8"?>
-<p:sldLayout xmlns:a="http://schemas.openxmlformats.org/drawingml/2006/main" xmlns:r="http://schemas.openxmlformats.org/officeDocument/2006/relationships" xmlns:p="http://schemas.openxmlformats.org/presentationml/2006/main" xmlns:m="http://schemas.openxmlformats.org/officeDocument/2006/math" xmlns:a14="http://schemas.microsoft.com/office/drawing/2010/main" type="tx" showMasterSp="0" showMasterPhAnim="1">
-  <p:cSld name="Foto - Orizzontale">
-    <p:spTree>
-      <p:nvGrpSpPr>
-        <p:cNvPr id="1" name=""/>
-        <p:cNvGrpSpPr/>
-        <p:nvPr/>
-      </p:nvGrpSpPr>
-      <p:grpSpPr>
-        <a:xfrm>
-          <a:off x="0" y="0"/>
-          <a:ext cx="0" cy="0"/>
-          <a:chOff x="0" y="0"/>
-          <a:chExt cx="0" cy="0"/>
-        </a:xfrm>
-      </p:grpSpPr>
-      <p:sp>
-        <p:nvSpPr>
-          <p:cNvPr id="21" name="Immagine"/>
+          <p:cNvPr id="142" name="Immagine"/>
           <p:cNvSpPr/>
           <p:nvPr>
             <p:ph type="pic" idx="13"/>
@@ -1883,7 +1659,7 @@
           </a:prstGeom>
         </p:spPr>
         <p:txBody>
-          <a:bodyPr lIns="91439" tIns="45719" rIns="91439" bIns="45719" anchor="t">
+          <a:bodyPr lIns="91439" tIns="45719" rIns="91439" bIns="45719">
             <a:noAutofit/>
           </a:bodyPr>
           <a:lstStyle/>
@@ -1894,225 +1670,7 @@
       </p:sp>
       <p:sp>
         <p:nvSpPr>
-          <p:cNvPr id="22" name="Corpo livello uno…"/>
-          <p:cNvSpPr txBox="1"/>
-          <p:nvPr>
-            <p:ph type="body" sz="quarter" idx="1"/>
-          </p:nvPr>
-        </p:nvSpPr>
-        <p:spPr>
-          <a:xfrm>
-            <a:off x="406400" y="6140894"/>
-            <a:ext cx="12192000" cy="264"/>
-          </a:xfrm>
-          <a:prstGeom prst="rect">
-            <a:avLst/>
-          </a:prstGeom>
-          <a:ln w="38100">
-            <a:solidFill>
-              <a:srgbClr val="A6AAA9"/>
-            </a:solidFill>
-          </a:ln>
-        </p:spPr>
-        <p:txBody>
-          <a:bodyPr anchor="ctr"/>
-          <a:lstStyle>
-            <a:lvl1pPr marL="444500" indent="-444500">
-              <a:lnSpc>
-                <a:spcPct val="100000"/>
-              </a:lnSpc>
-              <a:spcBef>
-                <a:spcPts val="2800"/>
-              </a:spcBef>
-              <a:buClr>
-                <a:srgbClr val="39A3D5"/>
-              </a:buClr>
-              <a:buSzPct val="104999"/>
-              <a:buFont typeface="Avenir Next"/>
-              <a:buChar char="‣"/>
-              <a:defRPr cap="none" sz="3400">
-                <a:solidFill>
-                  <a:srgbClr val="838787"/>
-                </a:solidFill>
-                <a:latin typeface="Avenir Next Medium"/>
-                <a:ea typeface="Avenir Next Medium"/>
-                <a:cs typeface="Avenir Next Medium"/>
-                <a:sym typeface="Avenir Next Medium"/>
-              </a:defRPr>
-            </a:lvl1pPr>
-            <a:lvl2pPr marL="889000" indent="-444500">
-              <a:lnSpc>
-                <a:spcPct val="100000"/>
-              </a:lnSpc>
-              <a:spcBef>
-                <a:spcPts val="2800"/>
-              </a:spcBef>
-              <a:buClr>
-                <a:srgbClr val="39A3D5"/>
-              </a:buClr>
-              <a:buSzPct val="104999"/>
-              <a:buFont typeface="Avenir Next"/>
-              <a:buChar char="‣"/>
-              <a:defRPr cap="none" sz="3400">
-                <a:solidFill>
-                  <a:srgbClr val="838787"/>
-                </a:solidFill>
-                <a:latin typeface="Avenir Next Medium"/>
-                <a:ea typeface="Avenir Next Medium"/>
-                <a:cs typeface="Avenir Next Medium"/>
-                <a:sym typeface="Avenir Next Medium"/>
-              </a:defRPr>
-            </a:lvl2pPr>
-            <a:lvl3pPr marL="1333500" indent="-444500">
-              <a:lnSpc>
-                <a:spcPct val="100000"/>
-              </a:lnSpc>
-              <a:spcBef>
-                <a:spcPts val="2800"/>
-              </a:spcBef>
-              <a:buClr>
-                <a:srgbClr val="39A3D5"/>
-              </a:buClr>
-              <a:buSzPct val="104999"/>
-              <a:buFont typeface="Avenir Next"/>
-              <a:buChar char="‣"/>
-              <a:defRPr cap="none" sz="3400">
-                <a:solidFill>
-                  <a:srgbClr val="838787"/>
-                </a:solidFill>
-                <a:latin typeface="Avenir Next Medium"/>
-                <a:ea typeface="Avenir Next Medium"/>
-                <a:cs typeface="Avenir Next Medium"/>
-                <a:sym typeface="Avenir Next Medium"/>
-              </a:defRPr>
-            </a:lvl3pPr>
-            <a:lvl4pPr marL="1778000" indent="-444500">
-              <a:lnSpc>
-                <a:spcPct val="100000"/>
-              </a:lnSpc>
-              <a:spcBef>
-                <a:spcPts val="2800"/>
-              </a:spcBef>
-              <a:buClr>
-                <a:srgbClr val="39A3D5"/>
-              </a:buClr>
-              <a:buSzPct val="104999"/>
-              <a:buFont typeface="Avenir Next"/>
-              <a:buChar char="‣"/>
-              <a:defRPr cap="none" sz="3400">
-                <a:solidFill>
-                  <a:srgbClr val="838787"/>
-                </a:solidFill>
-                <a:latin typeface="Avenir Next Medium"/>
-                <a:ea typeface="Avenir Next Medium"/>
-                <a:cs typeface="Avenir Next Medium"/>
-                <a:sym typeface="Avenir Next Medium"/>
-              </a:defRPr>
-            </a:lvl4pPr>
-            <a:lvl5pPr marL="2222500" indent="-444500">
-              <a:lnSpc>
-                <a:spcPct val="100000"/>
-              </a:lnSpc>
-              <a:spcBef>
-                <a:spcPts val="2800"/>
-              </a:spcBef>
-              <a:buClr>
-                <a:srgbClr val="39A3D5"/>
-              </a:buClr>
-              <a:buSzPct val="104999"/>
-              <a:buFont typeface="Avenir Next"/>
-              <a:buChar char="‣"/>
-              <a:defRPr cap="none" sz="3400">
-                <a:solidFill>
-                  <a:srgbClr val="838787"/>
-                </a:solidFill>
-                <a:latin typeface="Avenir Next Medium"/>
-                <a:ea typeface="Avenir Next Medium"/>
-                <a:cs typeface="Avenir Next Medium"/>
-                <a:sym typeface="Avenir Next Medium"/>
-              </a:defRPr>
-            </a:lvl5pPr>
-          </a:lstStyle>
-          <a:p>
-            <a:pPr/>
-            <a:r>
-              <a:t>Corpo livello uno</a:t>
-            </a:r>
-          </a:p>
-          <a:p>
-            <a:pPr lvl="1"/>
-            <a:r>
-              <a:t>Corpo livello due</a:t>
-            </a:r>
-          </a:p>
-          <a:p>
-            <a:pPr lvl="2"/>
-            <a:r>
-              <a:t>Corpo livello tre</a:t>
-            </a:r>
-          </a:p>
-          <a:p>
-            <a:pPr lvl="3"/>
-            <a:r>
-              <a:t>Corpo livello quattro</a:t>
-            </a:r>
-          </a:p>
-          <a:p>
-            <a:pPr lvl="4"/>
-            <a:r>
-              <a:t>Corpo livello cinque</a:t>
-            </a:r>
-          </a:p>
-        </p:txBody>
-      </p:sp>
-      <p:sp>
-        <p:nvSpPr>
-          <p:cNvPr id="23" name="Titolo Testo"/>
-          <p:cNvSpPr txBox="1"/>
-          <p:nvPr>
-            <p:ph type="title"/>
-          </p:nvPr>
-        </p:nvSpPr>
-        <p:spPr>
-          <a:prstGeom prst="rect">
-            <a:avLst/>
-          </a:prstGeom>
-        </p:spPr>
-        <p:txBody>
-          <a:bodyPr/>
-          <a:lstStyle/>
-          <a:p>
-            <a:pPr/>
-            <a:r>
-              <a:t>Titolo Testo</a:t>
-            </a:r>
-          </a:p>
-        </p:txBody>
-      </p:sp>
-      <p:sp>
-        <p:nvSpPr>
-          <p:cNvPr id="24" name="Corpo livello uno…"/>
-          <p:cNvSpPr txBox="1"/>
-          <p:nvPr>
-            <p:ph type="body" sz="quarter" idx="14"/>
-          </p:nvPr>
-        </p:nvSpPr>
-        <p:spPr>
-          <a:prstGeom prst="rect">
-            <a:avLst/>
-          </a:prstGeom>
-        </p:spPr>
-        <p:txBody>
-          <a:bodyPr/>
-          <a:lstStyle/>
-          <a:p>
-            <a:pPr/>
-          </a:p>
-        </p:txBody>
-      </p:sp>
-      <p:sp>
-        <p:nvSpPr>
-          <p:cNvPr id="25" name="Numero diapositiva"/>
+          <p:cNvPr id="143" name="Numero diapositiva"/>
           <p:cNvSpPr txBox="1"/>
           <p:nvPr>
             <p:ph type="sldNum" sz="quarter" idx="2"/>
@@ -2141,13 +1699,13 @@
 </p:sldLayout>
 </file>
 
-<file path=ppt/slideLayouts/slideLayout3.xml><?xml version="1.0" encoding="utf-8"?>
-<p:sldLayout xmlns:a="http://schemas.openxmlformats.org/drawingml/2006/main" xmlns:r="http://schemas.openxmlformats.org/officeDocument/2006/relationships" xmlns:p="http://schemas.openxmlformats.org/presentationml/2006/main" xmlns:m="http://schemas.openxmlformats.org/officeDocument/2006/math" xmlns:a14="http://schemas.microsoft.com/office/drawing/2010/main" type="tx" showMasterSp="1" showMasterPhAnim="1">
-  <p:cSld name="Titolo e sottotitolo alt">
+<file path=ppt/slideLayouts/slideLayout15.xml><?xml version="1.0" encoding="utf-8"?>
+<p:sldLayout xmlns:a="http://schemas.openxmlformats.org/drawingml/2006/main" xmlns:r="http://schemas.openxmlformats.org/officeDocument/2006/relationships" xmlns:p="http://schemas.openxmlformats.org/presentationml/2006/main" xmlns:m="http://schemas.openxmlformats.org/officeDocument/2006/math" xmlns:a14="http://schemas.microsoft.com/office/drawing/2010/main" type="tx" showMasterSp="0" showMasterPhAnim="1">
+  <p:cSld name="Vuoto">
     <p:bg>
       <p:bgPr>
         <a:solidFill>
-          <a:srgbClr val="FFFFFF"/>
+          <a:srgbClr val="222222"/>
         </a:solidFill>
       </p:bgPr>
     </p:bg>
@@ -2167,89 +1725,13 @@
       </p:grpSpPr>
       <p:sp>
         <p:nvSpPr>
-          <p:cNvPr id="32" name="Titolo Testo"/>
-          <p:cNvSpPr txBox="1"/>
-          <p:nvPr>
-            <p:ph type="title"/>
-          </p:nvPr>
-        </p:nvSpPr>
-        <p:spPr>
-          <a:prstGeom prst="rect">
-            <a:avLst/>
-          </a:prstGeom>
-        </p:spPr>
-        <p:txBody>
-          <a:bodyPr/>
-          <a:lstStyle/>
-          <a:p>
-            <a:pPr/>
-            <a:r>
-              <a:t>Titolo Testo</a:t>
-            </a:r>
-          </a:p>
-        </p:txBody>
-      </p:sp>
-      <p:sp>
-        <p:nvSpPr>
-          <p:cNvPr id="33" name="Corpo livello uno…"/>
-          <p:cNvSpPr txBox="1"/>
-          <p:nvPr>
-            <p:ph type="body" sz="quarter" idx="1"/>
-          </p:nvPr>
-        </p:nvSpPr>
-        <p:spPr>
-          <a:prstGeom prst="rect">
-            <a:avLst/>
-          </a:prstGeom>
-        </p:spPr>
-        <p:txBody>
-          <a:bodyPr/>
-          <a:lstStyle/>
-          <a:p>
-            <a:pPr/>
-            <a:r>
-              <a:t>Corpo livello uno</a:t>
-            </a:r>
-          </a:p>
-          <a:p>
-            <a:pPr lvl="1"/>
-            <a:r>
-              <a:t>Corpo livello due</a:t>
-            </a:r>
-          </a:p>
-          <a:p>
-            <a:pPr lvl="2"/>
-            <a:r>
-              <a:t>Corpo livello tre</a:t>
-            </a:r>
-          </a:p>
-          <a:p>
-            <a:pPr lvl="3"/>
-            <a:r>
-              <a:t>Corpo livello quattro</a:t>
-            </a:r>
-          </a:p>
-          <a:p>
-            <a:pPr lvl="4"/>
-            <a:r>
-              <a:t>Corpo livello cinque</a:t>
-            </a:r>
-          </a:p>
-        </p:txBody>
-      </p:sp>
-      <p:sp>
-        <p:nvSpPr>
-          <p:cNvPr id="34" name="Numero diapositiva"/>
+          <p:cNvPr id="150" name="Numero diapositiva"/>
           <p:cNvSpPr txBox="1"/>
           <p:nvPr>
             <p:ph type="sldNum" sz="quarter" idx="2"/>
           </p:nvPr>
         </p:nvSpPr>
         <p:spPr>
-          <a:xfrm>
-            <a:off x="12161861" y="419100"/>
-            <a:ext cx="406897" cy="457200"/>
-          </a:xfrm>
           <a:prstGeom prst="rect">
             <a:avLst/>
           </a:prstGeom>
@@ -2272,9 +1754,9 @@
 </p:sldLayout>
 </file>
 
-<file path=ppt/slideLayouts/slideLayout4.xml><?xml version="1.0" encoding="utf-8"?>
+<file path=ppt/slideLayouts/slideLayout16.xml><?xml version="1.0" encoding="utf-8"?>
 <p:sldLayout xmlns:a="http://schemas.openxmlformats.org/drawingml/2006/main" xmlns:r="http://schemas.openxmlformats.org/officeDocument/2006/relationships" xmlns:p="http://schemas.openxmlformats.org/presentationml/2006/main" xmlns:m="http://schemas.openxmlformats.org/officeDocument/2006/math" xmlns:a14="http://schemas.microsoft.com/office/drawing/2010/main" type="tx" showMasterSp="0" showMasterPhAnim="1">
-  <p:cSld name="Titolo - Centrato">
+  <p:cSld name="Vuoto alternativo">
     <p:spTree>
       <p:nvGrpSpPr>
         <p:cNvPr id="1" name=""/>
@@ -2291,35 +1773,7 @@
       </p:grpSpPr>
       <p:sp>
         <p:nvSpPr>
-          <p:cNvPr id="41" name="Titolo Testo"/>
-          <p:cNvSpPr txBox="1"/>
-          <p:nvPr>
-            <p:ph type="title"/>
-          </p:nvPr>
-        </p:nvSpPr>
-        <p:spPr>
-          <a:xfrm>
-            <a:off x="406400" y="4038600"/>
-            <a:ext cx="12192000" cy="4521200"/>
-          </a:xfrm>
-          <a:prstGeom prst="rect">
-            <a:avLst/>
-          </a:prstGeom>
-        </p:spPr>
-        <p:txBody>
-          <a:bodyPr/>
-          <a:lstStyle/>
-          <a:p>
-            <a:pPr/>
-            <a:r>
-              <a:t>Titolo Testo</a:t>
-            </a:r>
-          </a:p>
-        </p:txBody>
-      </p:sp>
-      <p:sp>
-        <p:nvSpPr>
-          <p:cNvPr id="42" name="Numero diapositiva"/>
+          <p:cNvPr id="157" name="Numero diapositiva"/>
           <p:cNvSpPr txBox="1"/>
           <p:nvPr>
             <p:ph type="sldNum" sz="quarter" idx="2"/>
@@ -2348,203 +1802,13 @@
 </p:sldLayout>
 </file>
 
-<file path=ppt/slideLayouts/slideLayout5.xml><?xml version="1.0" encoding="utf-8"?>
+<file path=ppt/slideLayouts/slideLayout2.xml><?xml version="1.0" encoding="utf-8"?>
 <p:sldLayout xmlns:a="http://schemas.openxmlformats.org/drawingml/2006/main" xmlns:r="http://schemas.openxmlformats.org/officeDocument/2006/relationships" xmlns:p="http://schemas.openxmlformats.org/presentationml/2006/main" xmlns:m="http://schemas.openxmlformats.org/officeDocument/2006/math" xmlns:a14="http://schemas.microsoft.com/office/drawing/2010/main" type="tx" showMasterSp="0" showMasterPhAnim="1">
-  <p:cSld name="Foto - Verticale">
-    <p:spTree>
-      <p:nvGrpSpPr>
-        <p:cNvPr id="1" name=""/>
-        <p:cNvGrpSpPr/>
-        <p:nvPr/>
-      </p:nvGrpSpPr>
-      <p:grpSpPr>
-        <a:xfrm>
-          <a:off x="0" y="0"/>
-          <a:ext cx="0" cy="0"/>
-          <a:chOff x="0" y="0"/>
-          <a:chExt cx="0" cy="0"/>
-        </a:xfrm>
-      </p:grpSpPr>
-      <p:sp>
-        <p:nvSpPr>
-          <p:cNvPr id="49" name="Linea"/>
-          <p:cNvSpPr/>
-          <p:nvPr/>
-        </p:nvSpPr>
-        <p:spPr>
-          <a:xfrm flipV="1">
-            <a:off x="5892800" y="6141011"/>
-            <a:ext cx="6705601" cy="146"/>
-          </a:xfrm>
-          <a:prstGeom prst="line">
-            <a:avLst/>
-          </a:prstGeom>
-          <a:ln w="38100">
-            <a:solidFill>
-              <a:srgbClr val="A6AAA9"/>
-            </a:solidFill>
-            <a:miter lim="400000"/>
-          </a:ln>
-        </p:spPr>
-        <p:txBody>
-          <a:bodyPr lIns="45718" tIns="45718" rIns="45718" bIns="45718"/>
-          <a:lstStyle/>
-          <a:p>
-            <a:pPr>
-              <a:defRPr>
-                <a:solidFill>
-                  <a:srgbClr val="838787"/>
-                </a:solidFill>
-              </a:defRPr>
-            </a:pPr>
-          </a:p>
-        </p:txBody>
-      </p:sp>
-      <p:sp>
-        <p:nvSpPr>
-          <p:cNvPr id="50" name="Immagine"/>
-          <p:cNvSpPr/>
-          <p:nvPr>
-            <p:ph type="pic" idx="13"/>
-          </p:nvPr>
-        </p:nvSpPr>
-        <p:spPr>
-          <a:xfrm>
-            <a:off x="-1016000" y="-12700"/>
-            <a:ext cx="8860898" cy="9779000"/>
-          </a:xfrm>
-          <a:prstGeom prst="rect">
-            <a:avLst/>
-          </a:prstGeom>
-        </p:spPr>
-        <p:txBody>
-          <a:bodyPr lIns="91439" tIns="45719" rIns="91439" bIns="45719" anchor="t">
-            <a:noAutofit/>
-          </a:bodyPr>
-          <a:lstStyle/>
-          <a:p>
-            <a:pPr/>
-          </a:p>
-        </p:txBody>
-      </p:sp>
-      <p:sp>
-        <p:nvSpPr>
-          <p:cNvPr id="51" name="Titolo Testo"/>
-          <p:cNvSpPr txBox="1"/>
-          <p:nvPr>
-            <p:ph type="title"/>
-          </p:nvPr>
-        </p:nvSpPr>
-        <p:spPr>
-          <a:xfrm>
-            <a:off x="5892800" y="6426200"/>
-            <a:ext cx="6705600" cy="2705100"/>
-          </a:xfrm>
-          <a:prstGeom prst="rect">
-            <a:avLst/>
-          </a:prstGeom>
-        </p:spPr>
-        <p:txBody>
-          <a:bodyPr/>
-          <a:lstStyle/>
-          <a:p>
-            <a:pPr/>
-            <a:r>
-              <a:t>Titolo Testo</a:t>
-            </a:r>
-          </a:p>
-        </p:txBody>
-      </p:sp>
-      <p:sp>
-        <p:nvSpPr>
-          <p:cNvPr id="52" name="Corpo livello uno…"/>
-          <p:cNvSpPr txBox="1"/>
-          <p:nvPr>
-            <p:ph type="body" sz="quarter" idx="1"/>
-          </p:nvPr>
-        </p:nvSpPr>
-        <p:spPr>
-          <a:xfrm>
-            <a:off x="5892800" y="4267200"/>
-            <a:ext cx="6705600" cy="1803400"/>
-          </a:xfrm>
-          <a:prstGeom prst="rect">
-            <a:avLst/>
-          </a:prstGeom>
-        </p:spPr>
-        <p:txBody>
-          <a:bodyPr/>
-          <a:lstStyle/>
-          <a:p>
-            <a:pPr/>
-            <a:r>
-              <a:t>Corpo livello uno</a:t>
-            </a:r>
-          </a:p>
-          <a:p>
-            <a:pPr lvl="1"/>
-            <a:r>
-              <a:t>Corpo livello due</a:t>
-            </a:r>
-          </a:p>
-          <a:p>
-            <a:pPr lvl="2"/>
-            <a:r>
-              <a:t>Corpo livello tre</a:t>
-            </a:r>
-          </a:p>
-          <a:p>
-            <a:pPr lvl="3"/>
-            <a:r>
-              <a:t>Corpo livello quattro</a:t>
-            </a:r>
-          </a:p>
-          <a:p>
-            <a:pPr lvl="4"/>
-            <a:r>
-              <a:t>Corpo livello cinque</a:t>
-            </a:r>
-          </a:p>
-        </p:txBody>
-      </p:sp>
-      <p:sp>
-        <p:nvSpPr>
-          <p:cNvPr id="53" name="Numero diapositiva"/>
-          <p:cNvSpPr txBox="1"/>
-          <p:nvPr>
-            <p:ph type="sldNum" sz="quarter" idx="2"/>
-          </p:nvPr>
-        </p:nvSpPr>
-        <p:spPr>
-          <a:prstGeom prst="rect">
-            <a:avLst/>
-          </a:prstGeom>
-        </p:spPr>
-        <p:txBody>
-          <a:bodyPr/>
-          <a:lstStyle/>
-          <a:p>
-            <a:pPr/>
-            <a:fld id="{86CB4B4D-7CA3-9044-876B-883B54F8677D}" type="slidenum"/>
-          </a:p>
-        </p:txBody>
-      </p:sp>
-    </p:spTree>
-  </p:cSld>
-  <p:clrMapOvr>
-    <a:masterClrMapping/>
-  </p:clrMapOvr>
-  <p:transition xmlns:p14="http://schemas.microsoft.com/office/powerpoint/2010/main" spd="med" advClick="1"/>
-</p:sldLayout>
-</file>
-
-<file path=ppt/slideLayouts/slideLayout6.xml><?xml version="1.0" encoding="utf-8"?>
-<p:sldLayout xmlns:a="http://schemas.openxmlformats.org/drawingml/2006/main" xmlns:r="http://schemas.openxmlformats.org/officeDocument/2006/relationships" xmlns:p="http://schemas.openxmlformats.org/presentationml/2006/main" xmlns:m="http://schemas.openxmlformats.org/officeDocument/2006/math" xmlns:a14="http://schemas.microsoft.com/office/drawing/2010/main" type="tx" showMasterSp="0" showMasterPhAnim="1">
-  <p:cSld name="Titolo - In alto">
+  <p:cSld name="Foto - Orizzontale">
     <p:bg>
       <p:bgPr>
         <a:solidFill>
-          <a:srgbClr val="FFFFFF"/>
+          <a:srgbClr val="222222"/>
         </a:solidFill>
       </p:bgPr>
     </p:bg>
@@ -2564,153 +1828,83 @@
       </p:grpSpPr>
       <p:sp>
         <p:nvSpPr>
-          <p:cNvPr id="60" name="Linea"/>
+          <p:cNvPr id="22" name="Immagine"/>
           <p:cNvSpPr/>
-          <p:nvPr/>
-        </p:nvSpPr>
-        <p:spPr>
-          <a:xfrm flipV="1">
-            <a:off x="406400" y="993160"/>
-            <a:ext cx="12192001" cy="264"/>
-          </a:xfrm>
-          <a:prstGeom prst="line">
-            <a:avLst/>
-          </a:prstGeom>
-          <a:ln w="25400">
-            <a:solidFill>
-              <a:srgbClr val="A6AAA9"/>
-            </a:solidFill>
-            <a:miter lim="400000"/>
-          </a:ln>
-        </p:spPr>
-        <p:txBody>
-          <a:bodyPr lIns="45718" tIns="45718" rIns="45718" bIns="45718"/>
-          <a:lstStyle/>
-          <a:p>
-            <a:pPr>
-              <a:defRPr>
-                <a:solidFill>
-                  <a:srgbClr val="838787"/>
-                </a:solidFill>
-              </a:defRPr>
-            </a:pPr>
-          </a:p>
-        </p:txBody>
-      </p:sp>
-      <p:sp>
-        <p:nvSpPr>
-          <p:cNvPr id="61" name="Corpo livello uno…"/>
-          <p:cNvSpPr txBox="1"/>
           <p:nvPr>
-            <p:ph type="body" sz="quarter" idx="1"/>
+            <p:ph type="pic" idx="13"/>
           </p:nvPr>
         </p:nvSpPr>
         <p:spPr>
           <a:xfrm>
-            <a:off x="406400" y="457200"/>
-            <a:ext cx="11176000" cy="457200"/>
+            <a:off x="-914400" y="-12700"/>
+            <a:ext cx="14814645" cy="9779000"/>
           </a:xfrm>
           <a:prstGeom prst="rect">
             <a:avLst/>
           </a:prstGeom>
         </p:spPr>
         <p:txBody>
-          <a:bodyPr/>
-          <a:lstStyle>
-            <a:lvl1pPr defTabSz="457200">
-              <a:spcBef>
-                <a:spcPts val="0"/>
-              </a:spcBef>
-              <a:defRPr spc="120" sz="2400">
-                <a:solidFill>
-                  <a:srgbClr val="838787"/>
-                </a:solidFill>
-              </a:defRPr>
-            </a:lvl1pPr>
-            <a:lvl2pPr marL="758264" indent="-313764" defTabSz="457200">
-              <a:spcBef>
-                <a:spcPts val="0"/>
-              </a:spcBef>
-              <a:buSzPct val="104999"/>
-              <a:buChar char="‣"/>
-              <a:defRPr spc="120" sz="2400">
-                <a:solidFill>
-                  <a:srgbClr val="838787"/>
-                </a:solidFill>
-              </a:defRPr>
-            </a:lvl2pPr>
-            <a:lvl3pPr marL="1202764" indent="-313764" defTabSz="457200">
-              <a:spcBef>
-                <a:spcPts val="0"/>
-              </a:spcBef>
-              <a:buSzPct val="104999"/>
-              <a:buChar char="‣"/>
-              <a:defRPr spc="120" sz="2400">
-                <a:solidFill>
-                  <a:srgbClr val="838787"/>
-                </a:solidFill>
-              </a:defRPr>
-            </a:lvl3pPr>
-            <a:lvl4pPr marL="1647264" indent="-313764" defTabSz="457200">
-              <a:spcBef>
-                <a:spcPts val="0"/>
-              </a:spcBef>
-              <a:buSzPct val="104999"/>
-              <a:buChar char="‣"/>
-              <a:defRPr spc="120" sz="2400">
-                <a:solidFill>
-                  <a:srgbClr val="838787"/>
-                </a:solidFill>
-              </a:defRPr>
-            </a:lvl4pPr>
-            <a:lvl5pPr marL="2091764" indent="-313764" defTabSz="457200">
-              <a:spcBef>
-                <a:spcPts val="0"/>
-              </a:spcBef>
-              <a:buSzPct val="104999"/>
-              <a:buChar char="‣"/>
-              <a:defRPr spc="120" sz="2400">
-                <a:solidFill>
-                  <a:srgbClr val="838787"/>
-                </a:solidFill>
-              </a:defRPr>
-            </a:lvl5pPr>
-          </a:lstStyle>
+          <a:bodyPr lIns="91439" tIns="45719" rIns="91439" bIns="45719">
+            <a:noAutofit/>
+          </a:bodyPr>
+          <a:lstStyle/>
           <a:p>
             <a:pPr/>
-            <a:r>
-              <a:t>Corpo livello uno</a:t>
-            </a:r>
-          </a:p>
-          <a:p>
-            <a:pPr lvl="1"/>
-            <a:r>
-              <a:t>Corpo livello due</a:t>
-            </a:r>
-          </a:p>
-          <a:p>
-            <a:pPr lvl="2"/>
-            <a:r>
-              <a:t>Corpo livello tre</a:t>
-            </a:r>
-          </a:p>
-          <a:p>
-            <a:pPr lvl="3"/>
-            <a:r>
-              <a:t>Corpo livello quattro</a:t>
-            </a:r>
-          </a:p>
-          <a:p>
-            <a:pPr lvl="4"/>
-            <a:r>
-              <a:t>Corpo livello cinque</a:t>
-            </a:r>
           </a:p>
         </p:txBody>
       </p:sp>
       <p:sp>
         <p:nvSpPr>
-          <p:cNvPr id="62" name="Titolo Testo"/>
+          <p:cNvPr id="23" name="Linea"/>
+          <p:cNvSpPr/>
+          <p:nvPr>
+            <p:ph type="body" sz="quarter" idx="14"/>
+          </p:nvPr>
+        </p:nvSpPr>
+        <p:spPr>
+          <a:xfrm flipV="1">
+            <a:off x="406400" y="6140894"/>
+            <a:ext cx="12192000" cy="263"/>
+          </a:xfrm>
+          <a:prstGeom prst="line">
+            <a:avLst/>
+          </a:prstGeom>
+          <a:ln w="38100">
+            <a:solidFill>
+              <a:srgbClr val="A6AAA9"/>
+            </a:solidFill>
+          </a:ln>
+        </p:spPr>
+        <p:txBody>
+          <a:bodyPr anchor="ctr">
+            <a:noAutofit/>
+          </a:bodyPr>
+          <a:lstStyle/>
+          <a:p>
+            <a:pPr marL="0" indent="0" defTabSz="457200">
+              <a:spcBef>
+                <a:spcPts val="0"/>
+              </a:spcBef>
+              <a:buClrTx/>
+              <a:buSzTx/>
+              <a:buFontTx/>
+              <a:buNone/>
+              <a:defRPr sz="1200">
+                <a:solidFill>
+                  <a:srgbClr val="000000"/>
+                </a:solidFill>
+                <a:latin typeface="Helvetica"/>
+                <a:ea typeface="Helvetica"/>
+                <a:cs typeface="Helvetica"/>
+                <a:sym typeface="Helvetica"/>
+              </a:defRPr>
+            </a:pPr>
+          </a:p>
+        </p:txBody>
+      </p:sp>
+      <p:sp>
+        <p:nvSpPr>
+          <p:cNvPr id="24" name="Titolo Testo"/>
           <p:cNvSpPr txBox="1"/>
           <p:nvPr>
             <p:ph type="title"/>
@@ -2718,8 +1912,8 @@
         </p:nvSpPr>
         <p:spPr>
           <a:xfrm>
-            <a:off x="406400" y="1536700"/>
-            <a:ext cx="12192000" cy="723900"/>
+            <a:off x="406400" y="6426200"/>
+            <a:ext cx="12192000" cy="2705100"/>
           </a:xfrm>
           <a:prstGeom prst="rect">
             <a:avLst/>
@@ -2730,9 +1924,9 @@
           <a:lstStyle>
             <a:lvl1pPr>
               <a:spcBef>
-                <a:spcPts val="2800"/>
+                <a:spcPts val="0"/>
               </a:spcBef>
-              <a:defRPr sz="6000"/>
+              <a:defRPr sz="17000"/>
             </a:lvl1pPr>
           </a:lstStyle>
           <a:p>
@@ -2745,7 +1939,165 @@
       </p:sp>
       <p:sp>
         <p:nvSpPr>
-          <p:cNvPr id="63" name="Numero diapositiva"/>
+          <p:cNvPr id="25" name="Corpo livello uno…"/>
+          <p:cNvSpPr txBox="1"/>
+          <p:nvPr>
+            <p:ph type="body" sz="quarter" idx="1"/>
+          </p:nvPr>
+        </p:nvSpPr>
+        <p:spPr>
+          <a:xfrm>
+            <a:off x="406400" y="4267200"/>
+            <a:ext cx="12192000" cy="1803400"/>
+          </a:xfrm>
+          <a:prstGeom prst="rect">
+            <a:avLst/>
+          </a:prstGeom>
+        </p:spPr>
+        <p:txBody>
+          <a:bodyPr anchor="b"/>
+          <a:lstStyle>
+            <a:lvl1pPr marL="0" indent="0">
+              <a:lnSpc>
+                <a:spcPct val="80000"/>
+              </a:lnSpc>
+              <a:spcBef>
+                <a:spcPts val="2300"/>
+              </a:spcBef>
+              <a:buClrTx/>
+              <a:buSzTx/>
+              <a:buFontTx/>
+              <a:buNone/>
+              <a:defRPr cap="all" sz="5400">
+                <a:solidFill>
+                  <a:srgbClr val="A6AAA9"/>
+                </a:solidFill>
+                <a:latin typeface="DIN Alternate"/>
+                <a:ea typeface="DIN Alternate"/>
+                <a:cs typeface="DIN Alternate"/>
+                <a:sym typeface="DIN Alternate"/>
+              </a:defRPr>
+            </a:lvl1pPr>
+            <a:lvl2pPr marL="0" indent="0">
+              <a:lnSpc>
+                <a:spcPct val="80000"/>
+              </a:lnSpc>
+              <a:spcBef>
+                <a:spcPts val="2300"/>
+              </a:spcBef>
+              <a:buClrTx/>
+              <a:buSzTx/>
+              <a:buFontTx/>
+              <a:buNone/>
+              <a:defRPr cap="all" sz="5400">
+                <a:solidFill>
+                  <a:srgbClr val="A6AAA9"/>
+                </a:solidFill>
+                <a:latin typeface="DIN Alternate"/>
+                <a:ea typeface="DIN Alternate"/>
+                <a:cs typeface="DIN Alternate"/>
+                <a:sym typeface="DIN Alternate"/>
+              </a:defRPr>
+            </a:lvl2pPr>
+            <a:lvl3pPr marL="0" indent="0">
+              <a:lnSpc>
+                <a:spcPct val="80000"/>
+              </a:lnSpc>
+              <a:spcBef>
+                <a:spcPts val="2300"/>
+              </a:spcBef>
+              <a:buClrTx/>
+              <a:buSzTx/>
+              <a:buFontTx/>
+              <a:buNone/>
+              <a:defRPr cap="all" sz="5400">
+                <a:solidFill>
+                  <a:srgbClr val="A6AAA9"/>
+                </a:solidFill>
+                <a:latin typeface="DIN Alternate"/>
+                <a:ea typeface="DIN Alternate"/>
+                <a:cs typeface="DIN Alternate"/>
+                <a:sym typeface="DIN Alternate"/>
+              </a:defRPr>
+            </a:lvl3pPr>
+            <a:lvl4pPr marL="0" indent="0">
+              <a:lnSpc>
+                <a:spcPct val="80000"/>
+              </a:lnSpc>
+              <a:spcBef>
+                <a:spcPts val="2300"/>
+              </a:spcBef>
+              <a:buClrTx/>
+              <a:buSzTx/>
+              <a:buFontTx/>
+              <a:buNone/>
+              <a:defRPr cap="all" sz="5400">
+                <a:solidFill>
+                  <a:srgbClr val="A6AAA9"/>
+                </a:solidFill>
+                <a:latin typeface="DIN Alternate"/>
+                <a:ea typeface="DIN Alternate"/>
+                <a:cs typeface="DIN Alternate"/>
+                <a:sym typeface="DIN Alternate"/>
+              </a:defRPr>
+            </a:lvl4pPr>
+            <a:lvl5pPr marL="0" indent="0">
+              <a:lnSpc>
+                <a:spcPct val="80000"/>
+              </a:lnSpc>
+              <a:spcBef>
+                <a:spcPts val="2300"/>
+              </a:spcBef>
+              <a:buClrTx/>
+              <a:buSzTx/>
+              <a:buFontTx/>
+              <a:buNone/>
+              <a:defRPr cap="all" sz="5400">
+                <a:solidFill>
+                  <a:srgbClr val="A6AAA9"/>
+                </a:solidFill>
+                <a:latin typeface="DIN Alternate"/>
+                <a:ea typeface="DIN Alternate"/>
+                <a:cs typeface="DIN Alternate"/>
+                <a:sym typeface="DIN Alternate"/>
+              </a:defRPr>
+            </a:lvl5pPr>
+          </a:lstStyle>
+          <a:p>
+            <a:pPr/>
+            <a:r>
+              <a:t>Corpo livello uno</a:t>
+            </a:r>
+          </a:p>
+          <a:p>
+            <a:pPr lvl="1"/>
+            <a:r>
+              <a:t>Corpo livello due</a:t>
+            </a:r>
+          </a:p>
+          <a:p>
+            <a:pPr lvl="2"/>
+            <a:r>
+              <a:t>Corpo livello tre</a:t>
+            </a:r>
+          </a:p>
+          <a:p>
+            <a:pPr lvl="3"/>
+            <a:r>
+              <a:t>Corpo livello quattro</a:t>
+            </a:r>
+          </a:p>
+          <a:p>
+            <a:pPr lvl="4"/>
+            <a:r>
+              <a:t>Corpo livello cinque</a:t>
+            </a:r>
+          </a:p>
+        </p:txBody>
+      </p:sp>
+      <p:sp>
+        <p:nvSpPr>
+          <p:cNvPr id="26" name="Numero diapositiva"/>
           <p:cNvSpPr txBox="1"/>
           <p:nvPr>
             <p:ph type="sldNum" sz="quarter" idx="2"/>
@@ -2753,7 +2105,7 @@
         </p:nvSpPr>
         <p:spPr>
           <a:xfrm>
-            <a:off x="12186622" y="431800"/>
+            <a:off x="12194440" y="431800"/>
             <a:ext cx="406898" cy="457200"/>
           </a:xfrm>
           <a:prstGeom prst="rect">
@@ -2778,9 +2130,9 @@
 </p:sldLayout>
 </file>
 
-<file path=ppt/slideLayouts/slideLayout7.xml><?xml version="1.0" encoding="utf-8"?>
+<file path=ppt/slideLayouts/slideLayout3.xml><?xml version="1.0" encoding="utf-8"?>
 <p:sldLayout xmlns:a="http://schemas.openxmlformats.org/drawingml/2006/main" xmlns:r="http://schemas.openxmlformats.org/officeDocument/2006/relationships" xmlns:p="http://schemas.openxmlformats.org/presentationml/2006/main" xmlns:m="http://schemas.openxmlformats.org/officeDocument/2006/math" xmlns:a14="http://schemas.microsoft.com/office/drawing/2010/main" type="tx" showMasterSp="0" showMasterPhAnim="1">
-  <p:cSld name="Titolo e punti elenco">
+  <p:cSld name="Titolo e sottotitolo alt">
     <p:spTree>
       <p:nvGrpSpPr>
         <p:cNvPr id="1" name=""/>
@@ -2797,19 +2149,19 @@
       </p:grpSpPr>
       <p:sp>
         <p:nvSpPr>
-          <p:cNvPr id="70" name="Linea"/>
+          <p:cNvPr id="33" name="Linea"/>
           <p:cNvSpPr/>
           <p:nvPr/>
         </p:nvSpPr>
         <p:spPr>
           <a:xfrm flipV="1">
-            <a:off x="406400" y="993160"/>
-            <a:ext cx="12192001" cy="264"/>
+            <a:off x="406400" y="6140894"/>
+            <a:ext cx="12192000" cy="263"/>
           </a:xfrm>
           <a:prstGeom prst="line">
             <a:avLst/>
           </a:prstGeom>
-          <a:ln w="25400">
+          <a:ln w="38100">
             <a:solidFill>
               <a:srgbClr val="A6AAA9"/>
             </a:solidFill>
@@ -2817,14 +2169,21 @@
           </a:ln>
         </p:spPr>
         <p:txBody>
-          <a:bodyPr lIns="45718" tIns="45718" rIns="45718" bIns="45718"/>
+          <a:bodyPr lIns="50800" tIns="50800" rIns="50800" bIns="50800" anchor="ctr"/>
           <a:lstStyle/>
           <a:p>
-            <a:pPr>
-              <a:defRPr>
+            <a:pPr defTabSz="457200">
+              <a:spcBef>
+                <a:spcPts val="0"/>
+              </a:spcBef>
+              <a:defRPr sz="1200">
                 <a:solidFill>
-                  <a:srgbClr val="838787"/>
+                  <a:srgbClr val="000000"/>
                 </a:solidFill>
+                <a:latin typeface="Helvetica"/>
+                <a:ea typeface="Helvetica"/>
+                <a:cs typeface="Helvetica"/>
+                <a:sym typeface="Helvetica"/>
               </a:defRPr>
             </a:pPr>
           </a:p>
@@ -2832,118 +2191,7 @@
       </p:sp>
       <p:sp>
         <p:nvSpPr>
-          <p:cNvPr id="71" name="Corpo livello uno…"/>
-          <p:cNvSpPr txBox="1"/>
-          <p:nvPr>
-            <p:ph type="body" sz="quarter" idx="1"/>
-          </p:nvPr>
-        </p:nvSpPr>
-        <p:spPr>
-          <a:xfrm>
-            <a:off x="406400" y="457200"/>
-            <a:ext cx="11176000" cy="457200"/>
-          </a:xfrm>
-          <a:prstGeom prst="rect">
-            <a:avLst/>
-          </a:prstGeom>
-        </p:spPr>
-        <p:txBody>
-          <a:bodyPr/>
-          <a:lstStyle>
-            <a:lvl1pPr defTabSz="457200">
-              <a:spcBef>
-                <a:spcPts val="0"/>
-              </a:spcBef>
-              <a:defRPr spc="120" sz="2400">
-                <a:solidFill>
-                  <a:srgbClr val="838787"/>
-                </a:solidFill>
-              </a:defRPr>
-            </a:lvl1pPr>
-            <a:lvl2pPr marL="758264" indent="-313764" defTabSz="457200">
-              <a:spcBef>
-                <a:spcPts val="0"/>
-              </a:spcBef>
-              <a:buSzPct val="104999"/>
-              <a:buChar char="‣"/>
-              <a:defRPr spc="120" sz="2400">
-                <a:solidFill>
-                  <a:srgbClr val="838787"/>
-                </a:solidFill>
-              </a:defRPr>
-            </a:lvl2pPr>
-            <a:lvl3pPr marL="1202764" indent="-313764" defTabSz="457200">
-              <a:spcBef>
-                <a:spcPts val="0"/>
-              </a:spcBef>
-              <a:buSzPct val="104999"/>
-              <a:buChar char="‣"/>
-              <a:defRPr spc="120" sz="2400">
-                <a:solidFill>
-                  <a:srgbClr val="838787"/>
-                </a:solidFill>
-              </a:defRPr>
-            </a:lvl3pPr>
-            <a:lvl4pPr marL="1647264" indent="-313764" defTabSz="457200">
-              <a:spcBef>
-                <a:spcPts val="0"/>
-              </a:spcBef>
-              <a:buSzPct val="104999"/>
-              <a:buChar char="‣"/>
-              <a:defRPr spc="120" sz="2400">
-                <a:solidFill>
-                  <a:srgbClr val="838787"/>
-                </a:solidFill>
-              </a:defRPr>
-            </a:lvl4pPr>
-            <a:lvl5pPr marL="2091764" indent="-313764" defTabSz="457200">
-              <a:spcBef>
-                <a:spcPts val="0"/>
-              </a:spcBef>
-              <a:buSzPct val="104999"/>
-              <a:buChar char="‣"/>
-              <a:defRPr spc="120" sz="2400">
-                <a:solidFill>
-                  <a:srgbClr val="838787"/>
-                </a:solidFill>
-              </a:defRPr>
-            </a:lvl5pPr>
-          </a:lstStyle>
-          <a:p>
-            <a:pPr/>
-            <a:r>
-              <a:t>Corpo livello uno</a:t>
-            </a:r>
-          </a:p>
-          <a:p>
-            <a:pPr lvl="1"/>
-            <a:r>
-              <a:t>Corpo livello due</a:t>
-            </a:r>
-          </a:p>
-          <a:p>
-            <a:pPr lvl="2"/>
-            <a:r>
-              <a:t>Corpo livello tre</a:t>
-            </a:r>
-          </a:p>
-          <a:p>
-            <a:pPr lvl="3"/>
-            <a:r>
-              <a:t>Corpo livello quattro</a:t>
-            </a:r>
-          </a:p>
-          <a:p>
-            <a:pPr lvl="4"/>
-            <a:r>
-              <a:t>Corpo livello cinque</a:t>
-            </a:r>
-          </a:p>
-        </p:txBody>
-      </p:sp>
-      <p:sp>
-        <p:nvSpPr>
-          <p:cNvPr id="72" name="Titolo Testo"/>
+          <p:cNvPr id="34" name="Titolo Testo"/>
           <p:cNvSpPr txBox="1"/>
           <p:nvPr>
             <p:ph type="title"/>
@@ -2951,8 +2199,8 @@
         </p:nvSpPr>
         <p:spPr>
           <a:xfrm>
-            <a:off x="406400" y="1536700"/>
-            <a:ext cx="12192000" cy="723900"/>
+            <a:off x="406400" y="6426200"/>
+            <a:ext cx="12192000" cy="2705100"/>
           </a:xfrm>
           <a:prstGeom prst="rect">
             <a:avLst/>
@@ -2963,9 +2211,9 @@
           <a:lstStyle>
             <a:lvl1pPr>
               <a:spcBef>
-                <a:spcPts val="2800"/>
+                <a:spcPts val="0"/>
               </a:spcBef>
-              <a:defRPr sz="6000"/>
+              <a:defRPr sz="17000"/>
             </a:lvl1pPr>
           </a:lstStyle>
           <a:p>
@@ -2978,54 +2226,165 @@
       </p:sp>
       <p:sp>
         <p:nvSpPr>
-          <p:cNvPr id="73" name="Corpo livello uno…"/>
+          <p:cNvPr id="35" name="Corpo livello uno…"/>
           <p:cNvSpPr txBox="1"/>
           <p:nvPr>
-            <p:ph type="body" idx="13"/>
+            <p:ph type="body" sz="quarter" idx="1"/>
           </p:nvPr>
         </p:nvSpPr>
         <p:spPr>
           <a:xfrm>
-            <a:off x="406400" y="2743200"/>
-            <a:ext cx="12192000" cy="6108700"/>
+            <a:off x="406400" y="4267200"/>
+            <a:ext cx="12192000" cy="1803400"/>
           </a:xfrm>
           <a:prstGeom prst="rect">
             <a:avLst/>
           </a:prstGeom>
         </p:spPr>
         <p:txBody>
-          <a:bodyPr anchor="t"/>
-          <a:lstStyle/>
-          <a:p>
-            <a:pPr marL="444500" indent="-444500">
+          <a:bodyPr anchor="b"/>
+          <a:lstStyle>
+            <a:lvl1pPr marL="0" indent="0">
               <a:lnSpc>
-                <a:spcPct val="100000"/>
+                <a:spcPct val="80000"/>
               </a:lnSpc>
               <a:spcBef>
-                <a:spcPts val="2800"/>
+                <a:spcPts val="2300"/>
               </a:spcBef>
-              <a:buClr>
-                <a:schemeClr val="accent1"/>
-              </a:buClr>
-              <a:buSzPct val="104999"/>
-              <a:buFont typeface="Avenir Next"/>
-              <a:buChar char="▸"/>
-              <a:defRPr cap="none" sz="3400">
+              <a:buClrTx/>
+              <a:buSzTx/>
+              <a:buFontTx/>
+              <a:buNone/>
+              <a:defRPr cap="all" sz="5400">
                 <a:solidFill>
-                  <a:srgbClr val="838787"/>
+                  <a:srgbClr val="A6AAA9"/>
                 </a:solidFill>
-                <a:latin typeface="Avenir Next Medium"/>
-                <a:ea typeface="Avenir Next Medium"/>
-                <a:cs typeface="Avenir Next Medium"/>
-                <a:sym typeface="Avenir Next Medium"/>
+                <a:latin typeface="DIN Alternate"/>
+                <a:ea typeface="DIN Alternate"/>
+                <a:cs typeface="DIN Alternate"/>
+                <a:sym typeface="DIN Alternate"/>
               </a:defRPr>
-            </a:pPr>
+            </a:lvl1pPr>
+            <a:lvl2pPr marL="0" indent="0">
+              <a:lnSpc>
+                <a:spcPct val="80000"/>
+              </a:lnSpc>
+              <a:spcBef>
+                <a:spcPts val="2300"/>
+              </a:spcBef>
+              <a:buClrTx/>
+              <a:buSzTx/>
+              <a:buFontTx/>
+              <a:buNone/>
+              <a:defRPr cap="all" sz="5400">
+                <a:solidFill>
+                  <a:srgbClr val="A6AAA9"/>
+                </a:solidFill>
+                <a:latin typeface="DIN Alternate"/>
+                <a:ea typeface="DIN Alternate"/>
+                <a:cs typeface="DIN Alternate"/>
+                <a:sym typeface="DIN Alternate"/>
+              </a:defRPr>
+            </a:lvl2pPr>
+            <a:lvl3pPr marL="0" indent="0">
+              <a:lnSpc>
+                <a:spcPct val="80000"/>
+              </a:lnSpc>
+              <a:spcBef>
+                <a:spcPts val="2300"/>
+              </a:spcBef>
+              <a:buClrTx/>
+              <a:buSzTx/>
+              <a:buFontTx/>
+              <a:buNone/>
+              <a:defRPr cap="all" sz="5400">
+                <a:solidFill>
+                  <a:srgbClr val="A6AAA9"/>
+                </a:solidFill>
+                <a:latin typeface="DIN Alternate"/>
+                <a:ea typeface="DIN Alternate"/>
+                <a:cs typeface="DIN Alternate"/>
+                <a:sym typeface="DIN Alternate"/>
+              </a:defRPr>
+            </a:lvl3pPr>
+            <a:lvl4pPr marL="0" indent="0">
+              <a:lnSpc>
+                <a:spcPct val="80000"/>
+              </a:lnSpc>
+              <a:spcBef>
+                <a:spcPts val="2300"/>
+              </a:spcBef>
+              <a:buClrTx/>
+              <a:buSzTx/>
+              <a:buFontTx/>
+              <a:buNone/>
+              <a:defRPr cap="all" sz="5400">
+                <a:solidFill>
+                  <a:srgbClr val="A6AAA9"/>
+                </a:solidFill>
+                <a:latin typeface="DIN Alternate"/>
+                <a:ea typeface="DIN Alternate"/>
+                <a:cs typeface="DIN Alternate"/>
+                <a:sym typeface="DIN Alternate"/>
+              </a:defRPr>
+            </a:lvl4pPr>
+            <a:lvl5pPr marL="0" indent="0">
+              <a:lnSpc>
+                <a:spcPct val="80000"/>
+              </a:lnSpc>
+              <a:spcBef>
+                <a:spcPts val="2300"/>
+              </a:spcBef>
+              <a:buClrTx/>
+              <a:buSzTx/>
+              <a:buFontTx/>
+              <a:buNone/>
+              <a:defRPr cap="all" sz="5400">
+                <a:solidFill>
+                  <a:srgbClr val="A6AAA9"/>
+                </a:solidFill>
+                <a:latin typeface="DIN Alternate"/>
+                <a:ea typeface="DIN Alternate"/>
+                <a:cs typeface="DIN Alternate"/>
+                <a:sym typeface="DIN Alternate"/>
+              </a:defRPr>
+            </a:lvl5pPr>
+          </a:lstStyle>
+          <a:p>
+            <a:pPr/>
+            <a:r>
+              <a:t>Corpo livello uno</a:t>
+            </a:r>
+          </a:p>
+          <a:p>
+            <a:pPr lvl="1"/>
+            <a:r>
+              <a:t>Corpo livello due</a:t>
+            </a:r>
+          </a:p>
+          <a:p>
+            <a:pPr lvl="2"/>
+            <a:r>
+              <a:t>Corpo livello tre</a:t>
+            </a:r>
+          </a:p>
+          <a:p>
+            <a:pPr lvl="3"/>
+            <a:r>
+              <a:t>Corpo livello quattro</a:t>
+            </a:r>
+          </a:p>
+          <a:p>
+            <a:pPr lvl="4"/>
+            <a:r>
+              <a:t>Corpo livello cinque</a:t>
+            </a:r>
           </a:p>
         </p:txBody>
       </p:sp>
       <p:sp>
         <p:nvSpPr>
-          <p:cNvPr id="74" name="Numero diapositiva"/>
+          <p:cNvPr id="36" name="Numero diapositiva"/>
           <p:cNvSpPr txBox="1"/>
           <p:nvPr>
             <p:ph type="sldNum" sz="quarter" idx="2"/>
@@ -3033,7 +2392,7 @@
         </p:nvSpPr>
         <p:spPr>
           <a:xfrm>
-            <a:off x="12186622" y="431800"/>
+            <a:off x="12161859" y="419100"/>
             <a:ext cx="406898" cy="457200"/>
           </a:xfrm>
           <a:prstGeom prst="rect">
@@ -3058,13 +2417,13 @@
 </p:sldLayout>
 </file>
 
-<file path=ppt/slideLayouts/slideLayout8.xml><?xml version="1.0" encoding="utf-8"?>
+<file path=ppt/slideLayouts/slideLayout4.xml><?xml version="1.0" encoding="utf-8"?>
 <p:sldLayout xmlns:a="http://schemas.openxmlformats.org/drawingml/2006/main" xmlns:r="http://schemas.openxmlformats.org/officeDocument/2006/relationships" xmlns:p="http://schemas.openxmlformats.org/presentationml/2006/main" xmlns:m="http://schemas.openxmlformats.org/officeDocument/2006/math" xmlns:a14="http://schemas.microsoft.com/office/drawing/2010/main" type="tx" showMasterSp="0" showMasterPhAnim="1">
-  <p:cSld name="Titolo e punti elenco alternativi">
+  <p:cSld name="Titolo - Centrato">
     <p:bg>
       <p:bgPr>
         <a:solidFill>
-          <a:srgbClr val="FFFFFF"/>
+          <a:srgbClr val="222222"/>
         </a:solidFill>
       </p:bgPr>
     </p:bg>
@@ -3084,153 +2443,7 @@
       </p:grpSpPr>
       <p:sp>
         <p:nvSpPr>
-          <p:cNvPr id="81" name="Linea"/>
-          <p:cNvSpPr/>
-          <p:nvPr/>
-        </p:nvSpPr>
-        <p:spPr>
-          <a:xfrm flipV="1">
-            <a:off x="406400" y="993160"/>
-            <a:ext cx="12192001" cy="264"/>
-          </a:xfrm>
-          <a:prstGeom prst="line">
-            <a:avLst/>
-          </a:prstGeom>
-          <a:ln w="25400">
-            <a:solidFill>
-              <a:srgbClr val="A6AAA9"/>
-            </a:solidFill>
-            <a:miter lim="400000"/>
-          </a:ln>
-        </p:spPr>
-        <p:txBody>
-          <a:bodyPr lIns="45718" tIns="45718" rIns="45718" bIns="45718"/>
-          <a:lstStyle/>
-          <a:p>
-            <a:pPr>
-              <a:defRPr>
-                <a:solidFill>
-                  <a:srgbClr val="838787"/>
-                </a:solidFill>
-              </a:defRPr>
-            </a:pPr>
-          </a:p>
-        </p:txBody>
-      </p:sp>
-      <p:sp>
-        <p:nvSpPr>
-          <p:cNvPr id="82" name="Corpo livello uno…"/>
-          <p:cNvSpPr txBox="1"/>
-          <p:nvPr>
-            <p:ph type="body" sz="quarter" idx="1"/>
-          </p:nvPr>
-        </p:nvSpPr>
-        <p:spPr>
-          <a:xfrm>
-            <a:off x="406400" y="457200"/>
-            <a:ext cx="11176000" cy="457200"/>
-          </a:xfrm>
-          <a:prstGeom prst="rect">
-            <a:avLst/>
-          </a:prstGeom>
-        </p:spPr>
-        <p:txBody>
-          <a:bodyPr/>
-          <a:lstStyle>
-            <a:lvl1pPr defTabSz="457200">
-              <a:spcBef>
-                <a:spcPts val="0"/>
-              </a:spcBef>
-              <a:defRPr spc="120" sz="2400">
-                <a:solidFill>
-                  <a:srgbClr val="838787"/>
-                </a:solidFill>
-              </a:defRPr>
-            </a:lvl1pPr>
-            <a:lvl2pPr marL="758264" indent="-313764" defTabSz="457200">
-              <a:spcBef>
-                <a:spcPts val="0"/>
-              </a:spcBef>
-              <a:buSzPct val="104999"/>
-              <a:buChar char="‣"/>
-              <a:defRPr spc="120" sz="2400">
-                <a:solidFill>
-                  <a:srgbClr val="838787"/>
-                </a:solidFill>
-              </a:defRPr>
-            </a:lvl2pPr>
-            <a:lvl3pPr marL="1202764" indent="-313764" defTabSz="457200">
-              <a:spcBef>
-                <a:spcPts val="0"/>
-              </a:spcBef>
-              <a:buSzPct val="104999"/>
-              <a:buChar char="‣"/>
-              <a:defRPr spc="120" sz="2400">
-                <a:solidFill>
-                  <a:srgbClr val="838787"/>
-                </a:solidFill>
-              </a:defRPr>
-            </a:lvl3pPr>
-            <a:lvl4pPr marL="1647264" indent="-313764" defTabSz="457200">
-              <a:spcBef>
-                <a:spcPts val="0"/>
-              </a:spcBef>
-              <a:buSzPct val="104999"/>
-              <a:buChar char="‣"/>
-              <a:defRPr spc="120" sz="2400">
-                <a:solidFill>
-                  <a:srgbClr val="838787"/>
-                </a:solidFill>
-              </a:defRPr>
-            </a:lvl4pPr>
-            <a:lvl5pPr marL="2091764" indent="-313764" defTabSz="457200">
-              <a:spcBef>
-                <a:spcPts val="0"/>
-              </a:spcBef>
-              <a:buSzPct val="104999"/>
-              <a:buChar char="‣"/>
-              <a:defRPr spc="120" sz="2400">
-                <a:solidFill>
-                  <a:srgbClr val="838787"/>
-                </a:solidFill>
-              </a:defRPr>
-            </a:lvl5pPr>
-          </a:lstStyle>
-          <a:p>
-            <a:pPr/>
-            <a:r>
-              <a:t>Corpo livello uno</a:t>
-            </a:r>
-          </a:p>
-          <a:p>
-            <a:pPr lvl="1"/>
-            <a:r>
-              <a:t>Corpo livello due</a:t>
-            </a:r>
-          </a:p>
-          <a:p>
-            <a:pPr lvl="2"/>
-            <a:r>
-              <a:t>Corpo livello tre</a:t>
-            </a:r>
-          </a:p>
-          <a:p>
-            <a:pPr lvl="3"/>
-            <a:r>
-              <a:t>Corpo livello quattro</a:t>
-            </a:r>
-          </a:p>
-          <a:p>
-            <a:pPr lvl="4"/>
-            <a:r>
-              <a:t>Corpo livello cinque</a:t>
-            </a:r>
-          </a:p>
-        </p:txBody>
-      </p:sp>
-      <p:sp>
-        <p:nvSpPr>
-          <p:cNvPr id="83" name="Titolo Testo"/>
+          <p:cNvPr id="43" name="Titolo Testo"/>
           <p:cNvSpPr txBox="1"/>
           <p:nvPr>
             <p:ph type="title"/>
@@ -3238,8 +2451,8 @@
         </p:nvSpPr>
         <p:spPr>
           <a:xfrm>
-            <a:off x="406400" y="1536700"/>
-            <a:ext cx="12192000" cy="723900"/>
+            <a:off x="406400" y="4038600"/>
+            <a:ext cx="12192000" cy="4521200"/>
           </a:xfrm>
           <a:prstGeom prst="rect">
             <a:avLst/>
@@ -3250,9 +2463,9 @@
           <a:lstStyle>
             <a:lvl1pPr>
               <a:spcBef>
-                <a:spcPts val="2800"/>
+                <a:spcPts val="0"/>
               </a:spcBef>
-              <a:defRPr sz="6000"/>
+              <a:defRPr sz="17000"/>
             </a:lvl1pPr>
           </a:lstStyle>
           <a:p>
@@ -3265,54 +2478,7 @@
       </p:sp>
       <p:sp>
         <p:nvSpPr>
-          <p:cNvPr id="84" name="Corpo livello uno…"/>
-          <p:cNvSpPr txBox="1"/>
-          <p:nvPr>
-            <p:ph type="body" idx="13"/>
-          </p:nvPr>
-        </p:nvSpPr>
-        <p:spPr>
-          <a:xfrm>
-            <a:off x="406400" y="2743200"/>
-            <a:ext cx="12192000" cy="6108700"/>
-          </a:xfrm>
-          <a:prstGeom prst="rect">
-            <a:avLst/>
-          </a:prstGeom>
-        </p:spPr>
-        <p:txBody>
-          <a:bodyPr anchor="t"/>
-          <a:lstStyle/>
-          <a:p>
-            <a:pPr marL="444500" indent="-444500">
-              <a:lnSpc>
-                <a:spcPct val="100000"/>
-              </a:lnSpc>
-              <a:spcBef>
-                <a:spcPts val="2800"/>
-              </a:spcBef>
-              <a:buClr>
-                <a:schemeClr val="accent1"/>
-              </a:buClr>
-              <a:buSzPct val="104999"/>
-              <a:buFont typeface="Avenir Next"/>
-              <a:buChar char="▸"/>
-              <a:defRPr cap="none" sz="3400">
-                <a:solidFill>
-                  <a:srgbClr val="838787"/>
-                </a:solidFill>
-                <a:latin typeface="Avenir Next Medium"/>
-                <a:ea typeface="Avenir Next Medium"/>
-                <a:cs typeface="Avenir Next Medium"/>
-                <a:sym typeface="Avenir Next Medium"/>
-              </a:defRPr>
-            </a:pPr>
-          </a:p>
-        </p:txBody>
-      </p:sp>
-      <p:sp>
-        <p:nvSpPr>
-          <p:cNvPr id="85" name="Numero diapositiva"/>
+          <p:cNvPr id="44" name="Numero diapositiva"/>
           <p:cNvSpPr txBox="1"/>
           <p:nvPr>
             <p:ph type="sldNum" sz="quarter" idx="2"/>
@@ -3320,7 +2486,7 @@
         </p:nvSpPr>
         <p:spPr>
           <a:xfrm>
-            <a:off x="12186622" y="431800"/>
+            <a:off x="12194440" y="431800"/>
             <a:ext cx="406898" cy="457200"/>
           </a:xfrm>
           <a:prstGeom prst="rect">
@@ -3345,9 +2511,16 @@
 </p:sldLayout>
 </file>
 
-<file path=ppt/slideLayouts/slideLayout9.xml><?xml version="1.0" encoding="utf-8"?>
+<file path=ppt/slideLayouts/slideLayout5.xml><?xml version="1.0" encoding="utf-8"?>
 <p:sldLayout xmlns:a="http://schemas.openxmlformats.org/drawingml/2006/main" xmlns:r="http://schemas.openxmlformats.org/officeDocument/2006/relationships" xmlns:p="http://schemas.openxmlformats.org/presentationml/2006/main" xmlns:m="http://schemas.openxmlformats.org/officeDocument/2006/math" xmlns:a14="http://schemas.microsoft.com/office/drawing/2010/main" type="tx" showMasterSp="0" showMasterPhAnim="1">
-  <p:cSld name="Titolo, punti elenco e foto">
+  <p:cSld name="Foto - Verticale">
+    <p:bg>
+      <p:bgPr>
+        <a:solidFill>
+          <a:srgbClr val="222222"/>
+        </a:solidFill>
+      </p:bgPr>
+    </p:bg>
     <p:spTree>
       <p:nvGrpSpPr>
         <p:cNvPr id="1" name=""/>
@@ -3364,19 +2537,19 @@
       </p:grpSpPr>
       <p:sp>
         <p:nvSpPr>
-          <p:cNvPr id="92" name="Linea"/>
+          <p:cNvPr id="51" name="Linea"/>
           <p:cNvSpPr/>
           <p:nvPr/>
         </p:nvSpPr>
         <p:spPr>
           <a:xfrm flipV="1">
-            <a:off x="406400" y="993160"/>
-            <a:ext cx="12192001" cy="264"/>
+            <a:off x="5892800" y="6141012"/>
+            <a:ext cx="6705600" cy="145"/>
           </a:xfrm>
           <a:prstGeom prst="line">
             <a:avLst/>
           </a:prstGeom>
-          <a:ln w="25400">
+          <a:ln w="38100">
             <a:solidFill>
               <a:srgbClr val="A6AAA9"/>
             </a:solidFill>
@@ -3384,14 +2557,21 @@
           </a:ln>
         </p:spPr>
         <p:txBody>
-          <a:bodyPr lIns="45718" tIns="45718" rIns="45718" bIns="45718"/>
+          <a:bodyPr lIns="50800" tIns="50800" rIns="50800" bIns="50800" anchor="ctr"/>
           <a:lstStyle/>
           <a:p>
-            <a:pPr>
-              <a:defRPr>
+            <a:pPr defTabSz="457200">
+              <a:spcBef>
+                <a:spcPts val="0"/>
+              </a:spcBef>
+              <a:defRPr sz="1200">
                 <a:solidFill>
-                  <a:srgbClr val="838787"/>
+                  <a:srgbClr val="000000"/>
                 </a:solidFill>
+                <a:latin typeface="Helvetica"/>
+                <a:ea typeface="Helvetica"/>
+                <a:cs typeface="Helvetica"/>
+                <a:sym typeface="Helvetica"/>
               </a:defRPr>
             </a:pPr>
           </a:p>
@@ -3399,10 +2579,282 @@
       </p:sp>
       <p:sp>
         <p:nvSpPr>
-          <p:cNvPr id="93" name="Corpo livello uno…"/>
+          <p:cNvPr id="52" name="Immagine"/>
+          <p:cNvSpPr/>
+          <p:nvPr>
+            <p:ph type="pic" idx="13"/>
+          </p:nvPr>
+        </p:nvSpPr>
+        <p:spPr>
+          <a:xfrm>
+            <a:off x="-1016000" y="-12700"/>
+            <a:ext cx="8860898" cy="9779000"/>
+          </a:xfrm>
+          <a:prstGeom prst="rect">
+            <a:avLst/>
+          </a:prstGeom>
+        </p:spPr>
+        <p:txBody>
+          <a:bodyPr lIns="91439" tIns="45719" rIns="91439" bIns="45719">
+            <a:noAutofit/>
+          </a:bodyPr>
+          <a:lstStyle/>
+          <a:p>
+            <a:pPr/>
+          </a:p>
+        </p:txBody>
+      </p:sp>
+      <p:sp>
+        <p:nvSpPr>
+          <p:cNvPr id="53" name="Titolo Testo"/>
+          <p:cNvSpPr txBox="1"/>
+          <p:nvPr>
+            <p:ph type="title"/>
+          </p:nvPr>
+        </p:nvSpPr>
+        <p:spPr>
+          <a:xfrm>
+            <a:off x="5892800" y="6426200"/>
+            <a:ext cx="6705600" cy="2705100"/>
+          </a:xfrm>
+          <a:prstGeom prst="rect">
+            <a:avLst/>
+          </a:prstGeom>
+        </p:spPr>
+        <p:txBody>
+          <a:bodyPr/>
+          <a:lstStyle>
+            <a:lvl1pPr>
+              <a:spcBef>
+                <a:spcPts val="0"/>
+              </a:spcBef>
+              <a:defRPr sz="17000"/>
+            </a:lvl1pPr>
+          </a:lstStyle>
+          <a:p>
+            <a:pPr/>
+            <a:r>
+              <a:t>Titolo Testo</a:t>
+            </a:r>
+          </a:p>
+        </p:txBody>
+      </p:sp>
+      <p:sp>
+        <p:nvSpPr>
+          <p:cNvPr id="54" name="Corpo livello uno…"/>
           <p:cNvSpPr txBox="1"/>
           <p:nvPr>
             <p:ph type="body" sz="quarter" idx="1"/>
+          </p:nvPr>
+        </p:nvSpPr>
+        <p:spPr>
+          <a:xfrm>
+            <a:off x="5892800" y="4267200"/>
+            <a:ext cx="6705600" cy="1803400"/>
+          </a:xfrm>
+          <a:prstGeom prst="rect">
+            <a:avLst/>
+          </a:prstGeom>
+        </p:spPr>
+        <p:txBody>
+          <a:bodyPr anchor="b"/>
+          <a:lstStyle>
+            <a:lvl1pPr marL="0" indent="0">
+              <a:lnSpc>
+                <a:spcPct val="80000"/>
+              </a:lnSpc>
+              <a:spcBef>
+                <a:spcPts val="2300"/>
+              </a:spcBef>
+              <a:buClrTx/>
+              <a:buSzTx/>
+              <a:buFontTx/>
+              <a:buNone/>
+              <a:defRPr cap="all" sz="5400">
+                <a:solidFill>
+                  <a:srgbClr val="A6AAA9"/>
+                </a:solidFill>
+                <a:latin typeface="DIN Alternate"/>
+                <a:ea typeface="DIN Alternate"/>
+                <a:cs typeface="DIN Alternate"/>
+                <a:sym typeface="DIN Alternate"/>
+              </a:defRPr>
+            </a:lvl1pPr>
+            <a:lvl2pPr marL="0" indent="0">
+              <a:lnSpc>
+                <a:spcPct val="80000"/>
+              </a:lnSpc>
+              <a:spcBef>
+                <a:spcPts val="2300"/>
+              </a:spcBef>
+              <a:buClrTx/>
+              <a:buSzTx/>
+              <a:buFontTx/>
+              <a:buNone/>
+              <a:defRPr cap="all" sz="5400">
+                <a:solidFill>
+                  <a:srgbClr val="A6AAA9"/>
+                </a:solidFill>
+                <a:latin typeface="DIN Alternate"/>
+                <a:ea typeface="DIN Alternate"/>
+                <a:cs typeface="DIN Alternate"/>
+                <a:sym typeface="DIN Alternate"/>
+              </a:defRPr>
+            </a:lvl2pPr>
+            <a:lvl3pPr marL="0" indent="0">
+              <a:lnSpc>
+                <a:spcPct val="80000"/>
+              </a:lnSpc>
+              <a:spcBef>
+                <a:spcPts val="2300"/>
+              </a:spcBef>
+              <a:buClrTx/>
+              <a:buSzTx/>
+              <a:buFontTx/>
+              <a:buNone/>
+              <a:defRPr cap="all" sz="5400">
+                <a:solidFill>
+                  <a:srgbClr val="A6AAA9"/>
+                </a:solidFill>
+                <a:latin typeface="DIN Alternate"/>
+                <a:ea typeface="DIN Alternate"/>
+                <a:cs typeface="DIN Alternate"/>
+                <a:sym typeface="DIN Alternate"/>
+              </a:defRPr>
+            </a:lvl3pPr>
+            <a:lvl4pPr marL="0" indent="0">
+              <a:lnSpc>
+                <a:spcPct val="80000"/>
+              </a:lnSpc>
+              <a:spcBef>
+                <a:spcPts val="2300"/>
+              </a:spcBef>
+              <a:buClrTx/>
+              <a:buSzTx/>
+              <a:buFontTx/>
+              <a:buNone/>
+              <a:defRPr cap="all" sz="5400">
+                <a:solidFill>
+                  <a:srgbClr val="A6AAA9"/>
+                </a:solidFill>
+                <a:latin typeface="DIN Alternate"/>
+                <a:ea typeface="DIN Alternate"/>
+                <a:cs typeface="DIN Alternate"/>
+                <a:sym typeface="DIN Alternate"/>
+              </a:defRPr>
+            </a:lvl4pPr>
+            <a:lvl5pPr marL="0" indent="0">
+              <a:lnSpc>
+                <a:spcPct val="80000"/>
+              </a:lnSpc>
+              <a:spcBef>
+                <a:spcPts val="2300"/>
+              </a:spcBef>
+              <a:buClrTx/>
+              <a:buSzTx/>
+              <a:buFontTx/>
+              <a:buNone/>
+              <a:defRPr cap="all" sz="5400">
+                <a:solidFill>
+                  <a:srgbClr val="A6AAA9"/>
+                </a:solidFill>
+                <a:latin typeface="DIN Alternate"/>
+                <a:ea typeface="DIN Alternate"/>
+                <a:cs typeface="DIN Alternate"/>
+                <a:sym typeface="DIN Alternate"/>
+              </a:defRPr>
+            </a:lvl5pPr>
+          </a:lstStyle>
+          <a:p>
+            <a:pPr/>
+            <a:r>
+              <a:t>Corpo livello uno</a:t>
+            </a:r>
+          </a:p>
+          <a:p>
+            <a:pPr lvl="1"/>
+            <a:r>
+              <a:t>Corpo livello due</a:t>
+            </a:r>
+          </a:p>
+          <a:p>
+            <a:pPr lvl="2"/>
+            <a:r>
+              <a:t>Corpo livello tre</a:t>
+            </a:r>
+          </a:p>
+          <a:p>
+            <a:pPr lvl="3"/>
+            <a:r>
+              <a:t>Corpo livello quattro</a:t>
+            </a:r>
+          </a:p>
+          <a:p>
+            <a:pPr lvl="4"/>
+            <a:r>
+              <a:t>Corpo livello cinque</a:t>
+            </a:r>
+          </a:p>
+        </p:txBody>
+      </p:sp>
+      <p:sp>
+        <p:nvSpPr>
+          <p:cNvPr id="55" name="Numero diapositiva"/>
+          <p:cNvSpPr txBox="1"/>
+          <p:nvPr>
+            <p:ph type="sldNum" sz="quarter" idx="2"/>
+          </p:nvPr>
+        </p:nvSpPr>
+        <p:spPr>
+          <a:xfrm>
+            <a:off x="12194440" y="431800"/>
+            <a:ext cx="406898" cy="457200"/>
+          </a:xfrm>
+          <a:prstGeom prst="rect">
+            <a:avLst/>
+          </a:prstGeom>
+        </p:spPr>
+        <p:txBody>
+          <a:bodyPr/>
+          <a:lstStyle/>
+          <a:p>
+            <a:pPr/>
+            <a:fld id="{86CB4B4D-7CA3-9044-876B-883B54F8677D}" type="slidenum"/>
+          </a:p>
+        </p:txBody>
+      </p:sp>
+    </p:spTree>
+  </p:cSld>
+  <p:clrMapOvr>
+    <a:masterClrMapping/>
+  </p:clrMapOvr>
+  <p:transition xmlns:p14="http://schemas.microsoft.com/office/powerpoint/2010/main" spd="med" advClick="1"/>
+</p:sldLayout>
+</file>
+
+<file path=ppt/slideLayouts/slideLayout6.xml><?xml version="1.0" encoding="utf-8"?>
+<p:sldLayout xmlns:a="http://schemas.openxmlformats.org/drawingml/2006/main" xmlns:r="http://schemas.openxmlformats.org/officeDocument/2006/relationships" xmlns:p="http://schemas.openxmlformats.org/presentationml/2006/main" xmlns:m="http://schemas.openxmlformats.org/officeDocument/2006/math" xmlns:a14="http://schemas.microsoft.com/office/drawing/2010/main" type="tx" showMasterSp="1" showMasterPhAnim="1">
+  <p:cSld name="Titolo - In alto">
+    <p:spTree>
+      <p:nvGrpSpPr>
+        <p:cNvPr id="1" name=""/>
+        <p:cNvGrpSpPr/>
+        <p:nvPr/>
+      </p:nvGrpSpPr>
+      <p:grpSpPr>
+        <a:xfrm>
+          <a:off x="0" y="0"/>
+          <a:ext cx="0" cy="0"/>
+          <a:chOff x="0" y="0"/>
+          <a:chExt cx="0" cy="0"/>
+        </a:xfrm>
+      </p:grpSpPr>
+      <p:sp>
+        <p:nvSpPr>
+          <p:cNvPr id="62" name="Testo"/>
+          <p:cNvSpPr txBox="1"/>
+          <p:nvPr>
+            <p:ph type="body" sz="quarter" idx="13"/>
           </p:nvPr>
         </p:nvSpPr>
         <p:spPr>
@@ -3415,129 +2867,602 @@
           </a:prstGeom>
         </p:spPr>
         <p:txBody>
-          <a:bodyPr/>
+          <a:bodyPr anchor="b">
+            <a:spAutoFit/>
+          </a:bodyPr>
           <a:lstStyle>
-            <a:lvl1pPr defTabSz="457200">
+            <a:lvl1pPr marL="0" indent="0" defTabSz="457200">
+              <a:lnSpc>
+                <a:spcPct val="80000"/>
+              </a:lnSpc>
               <a:spcBef>
                 <a:spcPts val="0"/>
               </a:spcBef>
-              <a:defRPr spc="120" sz="2400">
-                <a:solidFill>
-                  <a:srgbClr val="838787"/>
-                </a:solidFill>
+              <a:buClrTx/>
+              <a:buSzTx/>
+              <a:buFontTx/>
+              <a:buNone/>
+              <a:defRPr cap="all" spc="120" sz="2400">
+                <a:latin typeface="DIN Alternate"/>
+                <a:ea typeface="DIN Alternate"/>
+                <a:cs typeface="DIN Alternate"/>
+                <a:sym typeface="DIN Alternate"/>
               </a:defRPr>
             </a:lvl1pPr>
-            <a:lvl2pPr marL="758264" indent="-313764" defTabSz="457200">
-              <a:spcBef>
-                <a:spcPts val="0"/>
-              </a:spcBef>
-              <a:buSzPct val="104999"/>
-              <a:buChar char="‣"/>
-              <a:defRPr spc="120" sz="2400">
-                <a:solidFill>
-                  <a:srgbClr val="838787"/>
-                </a:solidFill>
-              </a:defRPr>
-            </a:lvl2pPr>
-            <a:lvl3pPr marL="1202764" indent="-313764" defTabSz="457200">
-              <a:spcBef>
-                <a:spcPts val="0"/>
-              </a:spcBef>
-              <a:buSzPct val="104999"/>
-              <a:buChar char="‣"/>
-              <a:defRPr spc="120" sz="2400">
-                <a:solidFill>
-                  <a:srgbClr val="838787"/>
-                </a:solidFill>
-              </a:defRPr>
-            </a:lvl3pPr>
-            <a:lvl4pPr marL="1647264" indent="-313764" defTabSz="457200">
-              <a:spcBef>
-                <a:spcPts val="0"/>
-              </a:spcBef>
-              <a:buSzPct val="104999"/>
-              <a:buChar char="‣"/>
-              <a:defRPr spc="120" sz="2400">
-                <a:solidFill>
-                  <a:srgbClr val="838787"/>
-                </a:solidFill>
-              </a:defRPr>
-            </a:lvl4pPr>
-            <a:lvl5pPr marL="2091764" indent="-313764" defTabSz="457200">
-              <a:spcBef>
-                <a:spcPts val="0"/>
-              </a:spcBef>
-              <a:buSzPct val="104999"/>
-              <a:buChar char="‣"/>
-              <a:defRPr spc="120" sz="2400">
-                <a:solidFill>
-                  <a:srgbClr val="838787"/>
-                </a:solidFill>
-              </a:defRPr>
-            </a:lvl5pPr>
           </a:lstStyle>
           <a:p>
             <a:pPr/>
             <a:r>
-              <a:t>Corpo livello uno</a:t>
-            </a:r>
-          </a:p>
-          <a:p>
-            <a:pPr lvl="1"/>
-            <a:r>
-              <a:t>Corpo livello due</a:t>
-            </a:r>
-          </a:p>
-          <a:p>
-            <a:pPr lvl="2"/>
-            <a:r>
-              <a:t>Corpo livello tre</a:t>
-            </a:r>
-          </a:p>
-          <a:p>
-            <a:pPr lvl="3"/>
-            <a:r>
-              <a:t>Corpo livello quattro</a:t>
-            </a:r>
-          </a:p>
-          <a:p>
-            <a:pPr lvl="4"/>
-            <a:r>
-              <a:t>Corpo livello cinque</a:t>
+              <a:t>Testo</a:t>
             </a:r>
           </a:p>
         </p:txBody>
       </p:sp>
       <p:sp>
         <p:nvSpPr>
-          <p:cNvPr id="94" name="Immagine"/>
-          <p:cNvSpPr/>
+          <p:cNvPr id="63" name="Titolo Testo"/>
+          <p:cNvSpPr txBox="1"/>
           <p:nvPr>
-            <p:ph type="pic" idx="13"/>
+            <p:ph type="title"/>
+          </p:nvPr>
+        </p:nvSpPr>
+        <p:spPr>
+          <a:prstGeom prst="rect">
+            <a:avLst/>
+          </a:prstGeom>
+        </p:spPr>
+        <p:txBody>
+          <a:bodyPr/>
+          <a:lstStyle/>
+          <a:p>
+            <a:pPr/>
+            <a:r>
+              <a:t>Titolo Testo</a:t>
+            </a:r>
+          </a:p>
+        </p:txBody>
+      </p:sp>
+      <p:sp>
+        <p:nvSpPr>
+          <p:cNvPr id="64" name="Numero diapositiva"/>
+          <p:cNvSpPr txBox="1"/>
+          <p:nvPr>
+            <p:ph type="sldNum" sz="quarter" idx="2"/>
+          </p:nvPr>
+        </p:nvSpPr>
+        <p:spPr>
+          <a:prstGeom prst="rect">
+            <a:avLst/>
+          </a:prstGeom>
+        </p:spPr>
+        <p:txBody>
+          <a:bodyPr/>
+          <a:lstStyle/>
+          <a:p>
+            <a:pPr/>
+            <a:fld id="{86CB4B4D-7CA3-9044-876B-883B54F8677D}" type="slidenum"/>
+          </a:p>
+        </p:txBody>
+      </p:sp>
+    </p:spTree>
+  </p:cSld>
+  <p:clrMapOvr>
+    <a:masterClrMapping/>
+  </p:clrMapOvr>
+  <p:transition xmlns:p14="http://schemas.microsoft.com/office/powerpoint/2010/main" spd="med" advClick="1"/>
+</p:sldLayout>
+</file>
+
+<file path=ppt/slideLayouts/slideLayout7.xml><?xml version="1.0" encoding="utf-8"?>
+<p:sldLayout xmlns:a="http://schemas.openxmlformats.org/drawingml/2006/main" xmlns:r="http://schemas.openxmlformats.org/officeDocument/2006/relationships" xmlns:p="http://schemas.openxmlformats.org/presentationml/2006/main" xmlns:m="http://schemas.openxmlformats.org/officeDocument/2006/math" xmlns:a14="http://schemas.microsoft.com/office/drawing/2010/main" type="tx" showMasterSp="1" showMasterPhAnim="1">
+  <p:cSld name="Titolo e punti elenco">
+    <p:bg>
+      <p:bgPr>
+        <a:solidFill>
+          <a:srgbClr val="222222"/>
+        </a:solidFill>
+      </p:bgPr>
+    </p:bg>
+    <p:spTree>
+      <p:nvGrpSpPr>
+        <p:cNvPr id="1" name=""/>
+        <p:cNvGrpSpPr/>
+        <p:nvPr/>
+      </p:nvGrpSpPr>
+      <p:grpSpPr>
+        <a:xfrm>
+          <a:off x="0" y="0"/>
+          <a:ext cx="0" cy="0"/>
+          <a:chOff x="0" y="0"/>
+          <a:chExt cx="0" cy="0"/>
+        </a:xfrm>
+      </p:grpSpPr>
+      <p:sp>
+        <p:nvSpPr>
+          <p:cNvPr id="71" name="Testo"/>
+          <p:cNvSpPr txBox="1"/>
+          <p:nvPr>
+            <p:ph type="body" sz="quarter" idx="13"/>
           </p:nvPr>
         </p:nvSpPr>
         <p:spPr>
           <a:xfrm>
-            <a:off x="6665376" y="1219200"/>
-            <a:ext cx="7445459" cy="8216900"/>
+            <a:off x="406400" y="457200"/>
+            <a:ext cx="11176000" cy="457200"/>
           </a:xfrm>
           <a:prstGeom prst="rect">
             <a:avLst/>
           </a:prstGeom>
         </p:spPr>
         <p:txBody>
-          <a:bodyPr lIns="91439" tIns="45719" rIns="91439" bIns="45719" anchor="t">
-            <a:noAutofit/>
+          <a:bodyPr anchor="b">
+            <a:spAutoFit/>
           </a:bodyPr>
-          <a:lstStyle/>
+          <a:lstStyle>
+            <a:lvl1pPr marL="0" indent="0" defTabSz="457200">
+              <a:lnSpc>
+                <a:spcPct val="80000"/>
+              </a:lnSpc>
+              <a:spcBef>
+                <a:spcPts val="0"/>
+              </a:spcBef>
+              <a:buClrTx/>
+              <a:buSzTx/>
+              <a:buFontTx/>
+              <a:buNone/>
+              <a:defRPr cap="all" spc="120" sz="2400">
+                <a:latin typeface="DIN Alternate"/>
+                <a:ea typeface="DIN Alternate"/>
+                <a:cs typeface="DIN Alternate"/>
+                <a:sym typeface="DIN Alternate"/>
+              </a:defRPr>
+            </a:lvl1pPr>
+          </a:lstStyle>
           <a:p>
             <a:pPr/>
+            <a:r>
+              <a:t>Testo</a:t>
+            </a:r>
           </a:p>
         </p:txBody>
       </p:sp>
       <p:sp>
         <p:nvSpPr>
-          <p:cNvPr id="95" name="Titolo Testo"/>
+          <p:cNvPr id="72" name="Titolo Testo"/>
+          <p:cNvSpPr txBox="1"/>
+          <p:nvPr>
+            <p:ph type="title"/>
+          </p:nvPr>
+        </p:nvSpPr>
+        <p:spPr>
+          <a:prstGeom prst="rect">
+            <a:avLst/>
+          </a:prstGeom>
+        </p:spPr>
+        <p:txBody>
+          <a:bodyPr/>
+          <a:lstStyle/>
+          <a:p>
+            <a:pPr/>
+            <a:r>
+              <a:t>Titolo Testo</a:t>
+            </a:r>
+          </a:p>
+        </p:txBody>
+      </p:sp>
+      <p:sp>
+        <p:nvSpPr>
+          <p:cNvPr id="73" name="Corpo livello uno…"/>
+          <p:cNvSpPr txBox="1"/>
+          <p:nvPr>
+            <p:ph type="body" idx="1"/>
+          </p:nvPr>
+        </p:nvSpPr>
+        <p:spPr>
+          <a:prstGeom prst="rect">
+            <a:avLst/>
+          </a:prstGeom>
+        </p:spPr>
+        <p:txBody>
+          <a:bodyPr/>
+          <a:lstStyle>
+            <a:lvl1pPr>
+              <a:buClr>
+                <a:schemeClr val="accent1"/>
+              </a:buClr>
+              <a:buChar char="▸"/>
+            </a:lvl1pPr>
+            <a:lvl2pPr>
+              <a:buClr>
+                <a:schemeClr val="accent1"/>
+              </a:buClr>
+              <a:buChar char="▸"/>
+            </a:lvl2pPr>
+            <a:lvl3pPr>
+              <a:buClr>
+                <a:schemeClr val="accent1"/>
+              </a:buClr>
+              <a:buChar char="▸"/>
+            </a:lvl3pPr>
+            <a:lvl4pPr>
+              <a:buClr>
+                <a:schemeClr val="accent1"/>
+              </a:buClr>
+              <a:buChar char="▸"/>
+            </a:lvl4pPr>
+            <a:lvl5pPr>
+              <a:buClr>
+                <a:schemeClr val="accent1"/>
+              </a:buClr>
+              <a:buChar char="▸"/>
+            </a:lvl5pPr>
+          </a:lstStyle>
+          <a:p>
+            <a:pPr/>
+            <a:r>
+              <a:t>Corpo livello uno</a:t>
+            </a:r>
+          </a:p>
+          <a:p>
+            <a:pPr lvl="1"/>
+            <a:r>
+              <a:t>Corpo livello due</a:t>
+            </a:r>
+          </a:p>
+          <a:p>
+            <a:pPr lvl="2"/>
+            <a:r>
+              <a:t>Corpo livello tre</a:t>
+            </a:r>
+          </a:p>
+          <a:p>
+            <a:pPr lvl="3"/>
+            <a:r>
+              <a:t>Corpo livello quattro</a:t>
+            </a:r>
+          </a:p>
+          <a:p>
+            <a:pPr lvl="4"/>
+            <a:r>
+              <a:t>Corpo livello cinque</a:t>
+            </a:r>
+          </a:p>
+        </p:txBody>
+      </p:sp>
+      <p:sp>
+        <p:nvSpPr>
+          <p:cNvPr id="74" name="Numero diapositiva"/>
+          <p:cNvSpPr txBox="1"/>
+          <p:nvPr>
+            <p:ph type="sldNum" sz="quarter" idx="2"/>
+          </p:nvPr>
+        </p:nvSpPr>
+        <p:spPr>
+          <a:prstGeom prst="rect">
+            <a:avLst/>
+          </a:prstGeom>
+        </p:spPr>
+        <p:txBody>
+          <a:bodyPr/>
+          <a:lstStyle/>
+          <a:p>
+            <a:pPr/>
+            <a:fld id="{86CB4B4D-7CA3-9044-876B-883B54F8677D}" type="slidenum"/>
+          </a:p>
+        </p:txBody>
+      </p:sp>
+    </p:spTree>
+  </p:cSld>
+  <p:clrMapOvr>
+    <a:masterClrMapping/>
+  </p:clrMapOvr>
+  <p:transition xmlns:p14="http://schemas.microsoft.com/office/powerpoint/2010/main" spd="med" advClick="1"/>
+</p:sldLayout>
+</file>
+
+<file path=ppt/slideLayouts/slideLayout8.xml><?xml version="1.0" encoding="utf-8"?>
+<p:sldLayout xmlns:a="http://schemas.openxmlformats.org/drawingml/2006/main" xmlns:r="http://schemas.openxmlformats.org/officeDocument/2006/relationships" xmlns:p="http://schemas.openxmlformats.org/presentationml/2006/main" xmlns:m="http://schemas.openxmlformats.org/officeDocument/2006/math" xmlns:a14="http://schemas.microsoft.com/office/drawing/2010/main" type="tx" showMasterSp="1" showMasterPhAnim="1">
+  <p:cSld name="Titolo e punti elenco alternativi">
+    <p:spTree>
+      <p:nvGrpSpPr>
+        <p:cNvPr id="1" name=""/>
+        <p:cNvGrpSpPr/>
+        <p:nvPr/>
+      </p:nvGrpSpPr>
+      <p:grpSpPr>
+        <a:xfrm>
+          <a:off x="0" y="0"/>
+          <a:ext cx="0" cy="0"/>
+          <a:chOff x="0" y="0"/>
+          <a:chExt cx="0" cy="0"/>
+        </a:xfrm>
+      </p:grpSpPr>
+      <p:sp>
+        <p:nvSpPr>
+          <p:cNvPr id="81" name="Testo"/>
+          <p:cNvSpPr txBox="1"/>
+          <p:nvPr>
+            <p:ph type="body" sz="quarter" idx="13"/>
+          </p:nvPr>
+        </p:nvSpPr>
+        <p:spPr>
+          <a:xfrm>
+            <a:off x="406400" y="457200"/>
+            <a:ext cx="11176000" cy="457200"/>
+          </a:xfrm>
+          <a:prstGeom prst="rect">
+            <a:avLst/>
+          </a:prstGeom>
+        </p:spPr>
+        <p:txBody>
+          <a:bodyPr anchor="b">
+            <a:spAutoFit/>
+          </a:bodyPr>
+          <a:lstStyle>
+            <a:lvl1pPr marL="0" indent="0" defTabSz="457200">
+              <a:lnSpc>
+                <a:spcPct val="80000"/>
+              </a:lnSpc>
+              <a:spcBef>
+                <a:spcPts val="0"/>
+              </a:spcBef>
+              <a:buClrTx/>
+              <a:buSzTx/>
+              <a:buFontTx/>
+              <a:buNone/>
+              <a:defRPr cap="all" spc="120" sz="2400">
+                <a:latin typeface="DIN Alternate"/>
+                <a:ea typeface="DIN Alternate"/>
+                <a:cs typeface="DIN Alternate"/>
+                <a:sym typeface="DIN Alternate"/>
+              </a:defRPr>
+            </a:lvl1pPr>
+          </a:lstStyle>
+          <a:p>
+            <a:pPr/>
+            <a:r>
+              <a:t>Testo</a:t>
+            </a:r>
+          </a:p>
+        </p:txBody>
+      </p:sp>
+      <p:sp>
+        <p:nvSpPr>
+          <p:cNvPr id="82" name="Titolo Testo"/>
+          <p:cNvSpPr txBox="1"/>
+          <p:nvPr>
+            <p:ph type="title"/>
+          </p:nvPr>
+        </p:nvSpPr>
+        <p:spPr>
+          <a:prstGeom prst="rect">
+            <a:avLst/>
+          </a:prstGeom>
+        </p:spPr>
+        <p:txBody>
+          <a:bodyPr/>
+          <a:lstStyle/>
+          <a:p>
+            <a:pPr/>
+            <a:r>
+              <a:t>Titolo Testo</a:t>
+            </a:r>
+          </a:p>
+        </p:txBody>
+      </p:sp>
+      <p:sp>
+        <p:nvSpPr>
+          <p:cNvPr id="83" name="Corpo livello uno…"/>
+          <p:cNvSpPr txBox="1"/>
+          <p:nvPr>
+            <p:ph type="body" idx="1"/>
+          </p:nvPr>
+        </p:nvSpPr>
+        <p:spPr>
+          <a:prstGeom prst="rect">
+            <a:avLst/>
+          </a:prstGeom>
+        </p:spPr>
+        <p:txBody>
+          <a:bodyPr/>
+          <a:lstStyle>
+            <a:lvl1pPr>
+              <a:buClr>
+                <a:schemeClr val="accent1"/>
+              </a:buClr>
+              <a:buChar char="▸"/>
+            </a:lvl1pPr>
+            <a:lvl2pPr>
+              <a:buClr>
+                <a:schemeClr val="accent1"/>
+              </a:buClr>
+              <a:buChar char="▸"/>
+            </a:lvl2pPr>
+            <a:lvl3pPr>
+              <a:buClr>
+                <a:schemeClr val="accent1"/>
+              </a:buClr>
+              <a:buChar char="▸"/>
+            </a:lvl3pPr>
+            <a:lvl4pPr>
+              <a:buClr>
+                <a:schemeClr val="accent1"/>
+              </a:buClr>
+              <a:buChar char="▸"/>
+            </a:lvl4pPr>
+            <a:lvl5pPr>
+              <a:buClr>
+                <a:schemeClr val="accent1"/>
+              </a:buClr>
+              <a:buChar char="▸"/>
+            </a:lvl5pPr>
+          </a:lstStyle>
+          <a:p>
+            <a:pPr/>
+            <a:r>
+              <a:t>Corpo livello uno</a:t>
+            </a:r>
+          </a:p>
+          <a:p>
+            <a:pPr lvl="1"/>
+            <a:r>
+              <a:t>Corpo livello due</a:t>
+            </a:r>
+          </a:p>
+          <a:p>
+            <a:pPr lvl="2"/>
+            <a:r>
+              <a:t>Corpo livello tre</a:t>
+            </a:r>
+          </a:p>
+          <a:p>
+            <a:pPr lvl="3"/>
+            <a:r>
+              <a:t>Corpo livello quattro</a:t>
+            </a:r>
+          </a:p>
+          <a:p>
+            <a:pPr lvl="4"/>
+            <a:r>
+              <a:t>Corpo livello cinque</a:t>
+            </a:r>
+          </a:p>
+        </p:txBody>
+      </p:sp>
+      <p:sp>
+        <p:nvSpPr>
+          <p:cNvPr id="84" name="Numero diapositiva"/>
+          <p:cNvSpPr txBox="1"/>
+          <p:nvPr>
+            <p:ph type="sldNum" sz="quarter" idx="2"/>
+          </p:nvPr>
+        </p:nvSpPr>
+        <p:spPr>
+          <a:prstGeom prst="rect">
+            <a:avLst/>
+          </a:prstGeom>
+        </p:spPr>
+        <p:txBody>
+          <a:bodyPr/>
+          <a:lstStyle/>
+          <a:p>
+            <a:pPr/>
+            <a:fld id="{86CB4B4D-7CA3-9044-876B-883B54F8677D}" type="slidenum"/>
+          </a:p>
+        </p:txBody>
+      </p:sp>
+    </p:spTree>
+  </p:cSld>
+  <p:clrMapOvr>
+    <a:masterClrMapping/>
+  </p:clrMapOvr>
+  <p:transition xmlns:p14="http://schemas.microsoft.com/office/powerpoint/2010/main" spd="med" advClick="1"/>
+</p:sldLayout>
+</file>
+
+<file path=ppt/slideLayouts/slideLayout9.xml><?xml version="1.0" encoding="utf-8"?>
+<p:sldLayout xmlns:a="http://schemas.openxmlformats.org/drawingml/2006/main" xmlns:r="http://schemas.openxmlformats.org/officeDocument/2006/relationships" xmlns:p="http://schemas.openxmlformats.org/presentationml/2006/main" xmlns:m="http://schemas.openxmlformats.org/officeDocument/2006/math" xmlns:a14="http://schemas.microsoft.com/office/drawing/2010/main" type="tx" showMasterSp="1" showMasterPhAnim="1">
+  <p:cSld name="Titolo, punti elenco e foto">
+    <p:bg>
+      <p:bgPr>
+        <a:solidFill>
+          <a:srgbClr val="222222"/>
+        </a:solidFill>
+      </p:bgPr>
+    </p:bg>
+    <p:spTree>
+      <p:nvGrpSpPr>
+        <p:cNvPr id="1" name=""/>
+        <p:cNvGrpSpPr/>
+        <p:nvPr/>
+      </p:nvGrpSpPr>
+      <p:grpSpPr>
+        <a:xfrm>
+          <a:off x="0" y="0"/>
+          <a:ext cx="0" cy="0"/>
+          <a:chOff x="0" y="0"/>
+          <a:chExt cx="0" cy="0"/>
+        </a:xfrm>
+      </p:grpSpPr>
+      <p:sp>
+        <p:nvSpPr>
+          <p:cNvPr id="91" name="Testo"/>
+          <p:cNvSpPr txBox="1"/>
+          <p:nvPr>
+            <p:ph type="body" sz="quarter" idx="13"/>
+          </p:nvPr>
+        </p:nvSpPr>
+        <p:spPr>
+          <a:xfrm>
+            <a:off x="406400" y="457200"/>
+            <a:ext cx="11176000" cy="457200"/>
+          </a:xfrm>
+          <a:prstGeom prst="rect">
+            <a:avLst/>
+          </a:prstGeom>
+        </p:spPr>
+        <p:txBody>
+          <a:bodyPr anchor="b">
+            <a:spAutoFit/>
+          </a:bodyPr>
+          <a:lstStyle>
+            <a:lvl1pPr marL="0" indent="0" defTabSz="457200">
+              <a:lnSpc>
+                <a:spcPct val="80000"/>
+              </a:lnSpc>
+              <a:spcBef>
+                <a:spcPts val="0"/>
+              </a:spcBef>
+              <a:buClrTx/>
+              <a:buSzTx/>
+              <a:buFontTx/>
+              <a:buNone/>
+              <a:defRPr cap="all" spc="120" sz="2400">
+                <a:latin typeface="DIN Alternate"/>
+                <a:ea typeface="DIN Alternate"/>
+                <a:cs typeface="DIN Alternate"/>
+                <a:sym typeface="DIN Alternate"/>
+              </a:defRPr>
+            </a:lvl1pPr>
+          </a:lstStyle>
+          <a:p>
+            <a:pPr/>
+            <a:r>
+              <a:t>Testo</a:t>
+            </a:r>
+          </a:p>
+        </p:txBody>
+      </p:sp>
+      <p:sp>
+        <p:nvSpPr>
+          <p:cNvPr id="92" name="Immagine"/>
+          <p:cNvSpPr/>
+          <p:nvPr>
+            <p:ph type="pic" idx="14"/>
+          </p:nvPr>
+        </p:nvSpPr>
+        <p:spPr>
+          <a:xfrm>
+            <a:off x="6665377" y="1219200"/>
+            <a:ext cx="7445457" cy="8216900"/>
+          </a:xfrm>
+          <a:prstGeom prst="rect">
+            <a:avLst/>
+          </a:prstGeom>
+        </p:spPr>
+        <p:txBody>
+          <a:bodyPr lIns="91439" tIns="45719" rIns="91439" bIns="45719">
+            <a:noAutofit/>
+          </a:bodyPr>
+          <a:lstStyle/>
+          <a:p>
+            <a:pPr/>
+          </a:p>
+        </p:txBody>
+      </p:sp>
+      <p:sp>
+        <p:nvSpPr>
+          <p:cNvPr id="93" name="Titolo Testo"/>
           <p:cNvSpPr txBox="1"/>
           <p:nvPr>
             <p:ph type="title"/>
@@ -3554,14 +3479,7 @@
         </p:spPr>
         <p:txBody>
           <a:bodyPr/>
-          <a:lstStyle>
-            <a:lvl1pPr>
-              <a:spcBef>
-                <a:spcPts val="2800"/>
-              </a:spcBef>
-              <a:defRPr sz="6000"/>
-            </a:lvl1pPr>
-          </a:lstStyle>
+          <a:lstStyle/>
           <a:p>
             <a:pPr/>
             <a:r>
@@ -3572,10 +3490,10 @@
       </p:sp>
       <p:sp>
         <p:nvSpPr>
-          <p:cNvPr id="96" name="Corpo livello uno…"/>
+          <p:cNvPr id="94" name="Corpo livello uno…"/>
           <p:cNvSpPr txBox="1"/>
           <p:nvPr>
-            <p:ph type="body" sz="half" idx="14"/>
+            <p:ph type="body" sz="half" idx="1"/>
           </p:nvPr>
         </p:nvSpPr>
         <p:spPr>
@@ -3588,48 +3506,85 @@
           </a:prstGeom>
         </p:spPr>
         <p:txBody>
-          <a:bodyPr anchor="t"/>
-          <a:lstStyle/>
-          <a:p>
-            <a:pPr marL="444500" indent="-444500">
-              <a:lnSpc>
-                <a:spcPct val="100000"/>
-              </a:lnSpc>
-              <a:spcBef>
-                <a:spcPts val="2800"/>
-              </a:spcBef>
+          <a:bodyPr/>
+          <a:lstStyle>
+            <a:lvl1pPr>
               <a:buClr>
                 <a:schemeClr val="accent1"/>
               </a:buClr>
-              <a:buSzPct val="104999"/>
-              <a:buFont typeface="Avenir Next"/>
               <a:buChar char="▸"/>
-              <a:defRPr cap="none" sz="2800">
-                <a:solidFill>
-                  <a:srgbClr val="838787"/>
-                </a:solidFill>
-                <a:latin typeface="Avenir Next Medium"/>
-                <a:ea typeface="Avenir Next Medium"/>
-                <a:cs typeface="Avenir Next Medium"/>
-                <a:sym typeface="Avenir Next Medium"/>
-              </a:defRPr>
-            </a:pPr>
+              <a:defRPr sz="2800"/>
+            </a:lvl1pPr>
+            <a:lvl2pPr>
+              <a:buClr>
+                <a:schemeClr val="accent1"/>
+              </a:buClr>
+              <a:buChar char="▸"/>
+              <a:defRPr sz="2800"/>
+            </a:lvl2pPr>
+            <a:lvl3pPr>
+              <a:buClr>
+                <a:schemeClr val="accent1"/>
+              </a:buClr>
+              <a:buChar char="▸"/>
+              <a:defRPr sz="2800"/>
+            </a:lvl3pPr>
+            <a:lvl4pPr>
+              <a:buClr>
+                <a:schemeClr val="accent1"/>
+              </a:buClr>
+              <a:buChar char="▸"/>
+              <a:defRPr sz="2800"/>
+            </a:lvl4pPr>
+            <a:lvl5pPr>
+              <a:buClr>
+                <a:schemeClr val="accent1"/>
+              </a:buClr>
+              <a:buChar char="▸"/>
+              <a:defRPr sz="2800"/>
+            </a:lvl5pPr>
+          </a:lstStyle>
+          <a:p>
+            <a:pPr/>
+            <a:r>
+              <a:t>Corpo livello uno</a:t>
+            </a:r>
+          </a:p>
+          <a:p>
+            <a:pPr lvl="1"/>
+            <a:r>
+              <a:t>Corpo livello due</a:t>
+            </a:r>
+          </a:p>
+          <a:p>
+            <a:pPr lvl="2"/>
+            <a:r>
+              <a:t>Corpo livello tre</a:t>
+            </a:r>
+          </a:p>
+          <a:p>
+            <a:pPr lvl="3"/>
+            <a:r>
+              <a:t>Corpo livello quattro</a:t>
+            </a:r>
+          </a:p>
+          <a:p>
+            <a:pPr lvl="4"/>
+            <a:r>
+              <a:t>Corpo livello cinque</a:t>
+            </a:r>
           </a:p>
         </p:txBody>
       </p:sp>
       <p:sp>
         <p:nvSpPr>
-          <p:cNvPr id="97" name="Numero diapositiva"/>
+          <p:cNvPr id="95" name="Numero diapositiva"/>
           <p:cNvSpPr txBox="1"/>
           <p:nvPr>
             <p:ph type="sldNum" sz="quarter" idx="2"/>
           </p:nvPr>
         </p:nvSpPr>
         <p:spPr>
-          <a:xfrm>
-            <a:off x="12186622" y="431800"/>
-            <a:ext cx="406898" cy="457200"/>
-          </a:xfrm>
           <a:prstGeom prst="rect">
             <a:avLst/>
           </a:prstGeom>
@@ -3658,7 +3613,7 @@
     <p:bg>
       <p:bgPr>
         <a:solidFill>
-          <a:srgbClr val="222222"/>
+          <a:srgbClr val="FFFFFF"/>
         </a:solidFill>
       </p:bgPr>
     </p:bg>
@@ -3684,13 +3639,13 @@
         </p:nvSpPr>
         <p:spPr>
           <a:xfrm flipV="1">
-            <a:off x="406400" y="6140894"/>
-            <a:ext cx="12192001" cy="264"/>
+            <a:off x="406400" y="993160"/>
+            <a:ext cx="12192000" cy="263"/>
           </a:xfrm>
           <a:prstGeom prst="line">
             <a:avLst/>
           </a:prstGeom>
-          <a:ln w="38100">
+          <a:ln w="25400">
             <a:solidFill>
               <a:srgbClr val="A6AAA9"/>
             </a:solidFill>
@@ -3698,14 +3653,21 @@
           </a:ln>
         </p:spPr>
         <p:txBody>
-          <a:bodyPr lIns="45718" tIns="45718" rIns="45718" bIns="45718"/>
+          <a:bodyPr lIns="50800" tIns="50800" rIns="50800" bIns="50800" anchor="ctr"/>
           <a:lstStyle/>
           <a:p>
-            <a:pPr>
-              <a:defRPr>
+            <a:pPr defTabSz="457200">
+              <a:spcBef>
+                <a:spcPts val="0"/>
+              </a:spcBef>
+              <a:defRPr sz="1200">
                 <a:solidFill>
-                  <a:srgbClr val="838787"/>
+                  <a:srgbClr val="000000"/>
                 </a:solidFill>
+                <a:latin typeface="Helvetica"/>
+                <a:ea typeface="Helvetica"/>
+                <a:cs typeface="Helvetica"/>
+                <a:sym typeface="Helvetica"/>
               </a:defRPr>
             </a:pPr>
           </a:p>
@@ -3721,8 +3683,8 @@
         </p:nvSpPr>
         <p:spPr>
           <a:xfrm>
-            <a:off x="406400" y="6426200"/>
-            <a:ext cx="12192000" cy="2705100"/>
+            <a:off x="406400" y="1536700"/>
+            <a:ext cx="12192000" cy="723900"/>
           </a:xfrm>
           <a:prstGeom prst="rect">
             <a:avLst/>
@@ -3759,8 +3721,8 @@
         </p:nvSpPr>
         <p:spPr>
           <a:xfrm>
-            <a:off x="406400" y="4267200"/>
-            <a:ext cx="12192000" cy="1803400"/>
+            <a:off x="406400" y="2743200"/>
+            <a:ext cx="12192000" cy="6108700"/>
           </a:xfrm>
           <a:prstGeom prst="rect">
             <a:avLst/>
@@ -3775,7 +3737,7 @@
           </a:extLst>
         </p:spPr>
         <p:txBody>
-          <a:bodyPr lIns="50800" tIns="50800" rIns="50800" bIns="50800" anchor="b">
+          <a:bodyPr lIns="50800" tIns="50800" rIns="50800" bIns="50800">
             <a:normAutofit fontScale="100000" lnSpcReduction="0"/>
           </a:bodyPr>
           <a:lstStyle/>
@@ -3821,7 +3783,7 @@
         </p:nvSpPr>
         <p:spPr>
           <a:xfrm>
-            <a:off x="12194442" y="431800"/>
+            <a:off x="12186622" y="431800"/>
             <a:ext cx="406897" cy="457200"/>
           </a:xfrm>
           <a:prstGeom prst="rect">
@@ -3844,9 +3806,6 @@
                 <a:spcPts val="0"/>
               </a:spcBef>
               <a:defRPr sz="2400">
-                <a:solidFill>
-                  <a:srgbClr val="838787"/>
-                </a:solidFill>
                 <a:latin typeface="DIN Alternate"/>
                 <a:ea typeface="DIN Alternate"/>
                 <a:cs typeface="DIN Alternate"/>
@@ -3862,7 +3821,7 @@
       </p:sp>
     </p:spTree>
   </p:cSld>
-  <p:clrMap bg1="lt1" tx1="dk1" bg2="lt2" tx2="dk2" accent1="accent1" accent2="accent2" accent3="accent3" accent4="accent4" accent5="accent5" accent6="accent6" hlink="hlink" folHlink="folHlink"/>
+  <p:clrMap bg1="dk1" tx1="lt1" bg2="dk2" tx2="lt2" accent1="accent1" accent2="accent2" accent3="accent3" accent4="accent4" accent5="accent5" accent6="accent6" hlink="hlink" folHlink="folHlink"/>
   <p:sldLayoutIdLst>
     <p:sldLayoutId id="2147483649" r:id="rId2"/>
     <p:sldLayoutId id="2147483650" r:id="rId3"/>
@@ -3889,7 +3848,7 @@
           <a:spcPct val="80000"/>
         </a:lnSpc>
         <a:spcBef>
-          <a:spcPts val="0"/>
+          <a:spcPts val="2800"/>
         </a:spcBef>
         <a:spcAft>
           <a:spcPts val="0"/>
@@ -3899,14 +3858,14 @@
         <a:buFontTx/>
         <a:buNone/>
         <a:tabLst/>
-        <a:defRPr b="0" baseline="0" cap="all" i="0" spc="0" strike="noStrike" sz="17000" u="none">
+        <a:defRPr b="0" baseline="0" cap="all" i="0" spc="0" strike="noStrike" sz="6000" u="none">
           <a:solidFill>
             <a:schemeClr val="accent1"/>
           </a:solidFill>
           <a:uFillTx/>
-          <a:latin typeface="DIN Condensed"/>
-          <a:ea typeface="DIN Condensed"/>
-          <a:cs typeface="DIN Condensed"/>
+          <a:latin typeface="+mn-lt"/>
+          <a:ea typeface="+mn-ea"/>
+          <a:cs typeface="+mn-cs"/>
           <a:sym typeface="DIN Condensed"/>
         </a:defRPr>
       </a:lvl1pPr>
@@ -3915,7 +3874,7 @@
           <a:spcPct val="80000"/>
         </a:lnSpc>
         <a:spcBef>
-          <a:spcPts val="0"/>
+          <a:spcPts val="2800"/>
         </a:spcBef>
         <a:spcAft>
           <a:spcPts val="0"/>
@@ -3925,14 +3884,14 @@
         <a:buFontTx/>
         <a:buNone/>
         <a:tabLst/>
-        <a:defRPr b="0" baseline="0" cap="all" i="0" spc="0" strike="noStrike" sz="17000" u="none">
+        <a:defRPr b="0" baseline="0" cap="all" i="0" spc="0" strike="noStrike" sz="6000" u="none">
           <a:solidFill>
             <a:schemeClr val="accent1"/>
           </a:solidFill>
           <a:uFillTx/>
-          <a:latin typeface="DIN Condensed"/>
-          <a:ea typeface="DIN Condensed"/>
-          <a:cs typeface="DIN Condensed"/>
+          <a:latin typeface="+mn-lt"/>
+          <a:ea typeface="+mn-ea"/>
+          <a:cs typeface="+mn-cs"/>
           <a:sym typeface="DIN Condensed"/>
         </a:defRPr>
       </a:lvl2pPr>
@@ -3941,7 +3900,7 @@
           <a:spcPct val="80000"/>
         </a:lnSpc>
         <a:spcBef>
-          <a:spcPts val="0"/>
+          <a:spcPts val="2800"/>
         </a:spcBef>
         <a:spcAft>
           <a:spcPts val="0"/>
@@ -3951,14 +3910,14 @@
         <a:buFontTx/>
         <a:buNone/>
         <a:tabLst/>
-        <a:defRPr b="0" baseline="0" cap="all" i="0" spc="0" strike="noStrike" sz="17000" u="none">
+        <a:defRPr b="0" baseline="0" cap="all" i="0" spc="0" strike="noStrike" sz="6000" u="none">
           <a:solidFill>
             <a:schemeClr val="accent1"/>
           </a:solidFill>
           <a:uFillTx/>
-          <a:latin typeface="DIN Condensed"/>
-          <a:ea typeface="DIN Condensed"/>
-          <a:cs typeface="DIN Condensed"/>
+          <a:latin typeface="+mn-lt"/>
+          <a:ea typeface="+mn-ea"/>
+          <a:cs typeface="+mn-cs"/>
           <a:sym typeface="DIN Condensed"/>
         </a:defRPr>
       </a:lvl3pPr>
@@ -3967,7 +3926,7 @@
           <a:spcPct val="80000"/>
         </a:lnSpc>
         <a:spcBef>
-          <a:spcPts val="0"/>
+          <a:spcPts val="2800"/>
         </a:spcBef>
         <a:spcAft>
           <a:spcPts val="0"/>
@@ -3977,14 +3936,14 @@
         <a:buFontTx/>
         <a:buNone/>
         <a:tabLst/>
-        <a:defRPr b="0" baseline="0" cap="all" i="0" spc="0" strike="noStrike" sz="17000" u="none">
+        <a:defRPr b="0" baseline="0" cap="all" i="0" spc="0" strike="noStrike" sz="6000" u="none">
           <a:solidFill>
             <a:schemeClr val="accent1"/>
           </a:solidFill>
           <a:uFillTx/>
-          <a:latin typeface="DIN Condensed"/>
-          <a:ea typeface="DIN Condensed"/>
-          <a:cs typeface="DIN Condensed"/>
+          <a:latin typeface="+mn-lt"/>
+          <a:ea typeface="+mn-ea"/>
+          <a:cs typeface="+mn-cs"/>
           <a:sym typeface="DIN Condensed"/>
         </a:defRPr>
       </a:lvl4pPr>
@@ -3993,7 +3952,7 @@
           <a:spcPct val="80000"/>
         </a:lnSpc>
         <a:spcBef>
-          <a:spcPts val="0"/>
+          <a:spcPts val="2800"/>
         </a:spcBef>
         <a:spcAft>
           <a:spcPts val="0"/>
@@ -4003,14 +3962,14 @@
         <a:buFontTx/>
         <a:buNone/>
         <a:tabLst/>
-        <a:defRPr b="0" baseline="0" cap="all" i="0" spc="0" strike="noStrike" sz="17000" u="none">
+        <a:defRPr b="0" baseline="0" cap="all" i="0" spc="0" strike="noStrike" sz="6000" u="none">
           <a:solidFill>
             <a:schemeClr val="accent1"/>
           </a:solidFill>
           <a:uFillTx/>
-          <a:latin typeface="DIN Condensed"/>
-          <a:ea typeface="DIN Condensed"/>
-          <a:cs typeface="DIN Condensed"/>
+          <a:latin typeface="+mn-lt"/>
+          <a:ea typeface="+mn-ea"/>
+          <a:cs typeface="+mn-cs"/>
           <a:sym typeface="DIN Condensed"/>
         </a:defRPr>
       </a:lvl5pPr>
@@ -4019,7 +3978,7 @@
           <a:spcPct val="80000"/>
         </a:lnSpc>
         <a:spcBef>
-          <a:spcPts val="0"/>
+          <a:spcPts val="2800"/>
         </a:spcBef>
         <a:spcAft>
           <a:spcPts val="0"/>
@@ -4029,14 +3988,14 @@
         <a:buFontTx/>
         <a:buNone/>
         <a:tabLst/>
-        <a:defRPr b="0" baseline="0" cap="all" i="0" spc="0" strike="noStrike" sz="17000" u="none">
+        <a:defRPr b="0" baseline="0" cap="all" i="0" spc="0" strike="noStrike" sz="6000" u="none">
           <a:solidFill>
             <a:schemeClr val="accent1"/>
           </a:solidFill>
           <a:uFillTx/>
-          <a:latin typeface="DIN Condensed"/>
-          <a:ea typeface="DIN Condensed"/>
-          <a:cs typeface="DIN Condensed"/>
+          <a:latin typeface="+mn-lt"/>
+          <a:ea typeface="+mn-ea"/>
+          <a:cs typeface="+mn-cs"/>
           <a:sym typeface="DIN Condensed"/>
         </a:defRPr>
       </a:lvl6pPr>
@@ -4045,7 +4004,7 @@
           <a:spcPct val="80000"/>
         </a:lnSpc>
         <a:spcBef>
-          <a:spcPts val="0"/>
+          <a:spcPts val="2800"/>
         </a:spcBef>
         <a:spcAft>
           <a:spcPts val="0"/>
@@ -4055,14 +4014,14 @@
         <a:buFontTx/>
         <a:buNone/>
         <a:tabLst/>
-        <a:defRPr b="0" baseline="0" cap="all" i="0" spc="0" strike="noStrike" sz="17000" u="none">
+        <a:defRPr b="0" baseline="0" cap="all" i="0" spc="0" strike="noStrike" sz="6000" u="none">
           <a:solidFill>
             <a:schemeClr val="accent1"/>
           </a:solidFill>
           <a:uFillTx/>
-          <a:latin typeface="DIN Condensed"/>
-          <a:ea typeface="DIN Condensed"/>
-          <a:cs typeface="DIN Condensed"/>
+          <a:latin typeface="+mn-lt"/>
+          <a:ea typeface="+mn-ea"/>
+          <a:cs typeface="+mn-cs"/>
           <a:sym typeface="DIN Condensed"/>
         </a:defRPr>
       </a:lvl7pPr>
@@ -4071,7 +4030,7 @@
           <a:spcPct val="80000"/>
         </a:lnSpc>
         <a:spcBef>
-          <a:spcPts val="0"/>
+          <a:spcPts val="2800"/>
         </a:spcBef>
         <a:spcAft>
           <a:spcPts val="0"/>
@@ -4081,14 +4040,14 @@
         <a:buFontTx/>
         <a:buNone/>
         <a:tabLst/>
-        <a:defRPr b="0" baseline="0" cap="all" i="0" spc="0" strike="noStrike" sz="17000" u="none">
+        <a:defRPr b="0" baseline="0" cap="all" i="0" spc="0" strike="noStrike" sz="6000" u="none">
           <a:solidFill>
             <a:schemeClr val="accent1"/>
           </a:solidFill>
           <a:uFillTx/>
-          <a:latin typeface="DIN Condensed"/>
-          <a:ea typeface="DIN Condensed"/>
-          <a:cs typeface="DIN Condensed"/>
+          <a:latin typeface="+mn-lt"/>
+          <a:ea typeface="+mn-ea"/>
+          <a:cs typeface="+mn-cs"/>
           <a:sym typeface="DIN Condensed"/>
         </a:defRPr>
       </a:lvl8pPr>
@@ -4097,7 +4056,7 @@
           <a:spcPct val="80000"/>
         </a:lnSpc>
         <a:spcBef>
-          <a:spcPts val="0"/>
+          <a:spcPts val="2800"/>
         </a:spcBef>
         <a:spcAft>
           <a:spcPts val="0"/>
@@ -4107,256 +4066,292 @@
         <a:buFontTx/>
         <a:buNone/>
         <a:tabLst/>
-        <a:defRPr b="0" baseline="0" cap="all" i="0" spc="0" strike="noStrike" sz="17000" u="none">
+        <a:defRPr b="0" baseline="0" cap="all" i="0" spc="0" strike="noStrike" sz="6000" u="none">
           <a:solidFill>
             <a:schemeClr val="accent1"/>
           </a:solidFill>
           <a:uFillTx/>
-          <a:latin typeface="DIN Condensed"/>
-          <a:ea typeface="DIN Condensed"/>
-          <a:cs typeface="DIN Condensed"/>
+          <a:latin typeface="+mn-lt"/>
+          <a:ea typeface="+mn-ea"/>
+          <a:cs typeface="+mn-cs"/>
           <a:sym typeface="DIN Condensed"/>
         </a:defRPr>
       </a:lvl9pPr>
     </p:titleStyle>
     <p:bodyStyle>
-      <a:lvl1pPr marL="0" marR="0" indent="0" algn="l" defTabSz="584200" rtl="0" latinLnBrk="0">
+      <a:lvl1pPr marL="444500" marR="0" indent="-444500" algn="l" defTabSz="584200" rtl="0" latinLnBrk="0">
         <a:lnSpc>
-          <a:spcPct val="80000"/>
+          <a:spcPct val="100000"/>
         </a:lnSpc>
         <a:spcBef>
-          <a:spcPts val="2300"/>
+          <a:spcPts val="2800"/>
         </a:spcBef>
         <a:spcAft>
           <a:spcPts val="0"/>
         </a:spcAft>
-        <a:buClrTx/>
-        <a:buSzTx/>
-        <a:buFontTx/>
-        <a:buNone/>
+        <a:buClr>
+          <a:schemeClr val="accent1">
+            <a:satOff val="-4060"/>
+          </a:schemeClr>
+        </a:buClr>
+        <a:buSzPct val="104999"/>
+        <a:buFont typeface="Avenir Next"/>
+        <a:buChar char="‣"/>
         <a:tabLst/>
-        <a:defRPr b="0" baseline="0" cap="all" i="0" spc="0" strike="noStrike" sz="5400" u="none">
+        <a:defRPr b="0" baseline="0" cap="none" i="0" spc="0" strike="noStrike" sz="3400" u="none">
           <a:solidFill>
-            <a:srgbClr val="A6AAA9"/>
+            <a:srgbClr val="838787"/>
           </a:solidFill>
           <a:uFillTx/>
-          <a:latin typeface="DIN Alternate"/>
-          <a:ea typeface="DIN Alternate"/>
-          <a:cs typeface="DIN Alternate"/>
-          <a:sym typeface="DIN Alternate"/>
+          <a:latin typeface="Avenir Next Medium"/>
+          <a:ea typeface="Avenir Next Medium"/>
+          <a:cs typeface="Avenir Next Medium"/>
+          <a:sym typeface="Avenir Next Medium"/>
         </a:defRPr>
       </a:lvl1pPr>
-      <a:lvl2pPr marL="0" marR="0" indent="0" algn="l" defTabSz="584200" rtl="0" latinLnBrk="0">
+      <a:lvl2pPr marL="889000" marR="0" indent="-444500" algn="l" defTabSz="584200" rtl="0" latinLnBrk="0">
         <a:lnSpc>
-          <a:spcPct val="80000"/>
+          <a:spcPct val="100000"/>
         </a:lnSpc>
         <a:spcBef>
-          <a:spcPts val="2300"/>
+          <a:spcPts val="2800"/>
         </a:spcBef>
         <a:spcAft>
           <a:spcPts val="0"/>
         </a:spcAft>
-        <a:buClrTx/>
-        <a:buSzTx/>
-        <a:buFontTx/>
-        <a:buNone/>
+        <a:buClr>
+          <a:schemeClr val="accent1">
+            <a:satOff val="-4060"/>
+          </a:schemeClr>
+        </a:buClr>
+        <a:buSzPct val="104999"/>
+        <a:buFont typeface="Avenir Next"/>
+        <a:buChar char="‣"/>
         <a:tabLst/>
-        <a:defRPr b="0" baseline="0" cap="all" i="0" spc="0" strike="noStrike" sz="5400" u="none">
+        <a:defRPr b="0" baseline="0" cap="none" i="0" spc="0" strike="noStrike" sz="3400" u="none">
           <a:solidFill>
-            <a:srgbClr val="A6AAA9"/>
+            <a:srgbClr val="838787"/>
           </a:solidFill>
           <a:uFillTx/>
-          <a:latin typeface="DIN Alternate"/>
-          <a:ea typeface="DIN Alternate"/>
-          <a:cs typeface="DIN Alternate"/>
-          <a:sym typeface="DIN Alternate"/>
+          <a:latin typeface="Avenir Next Medium"/>
+          <a:ea typeface="Avenir Next Medium"/>
+          <a:cs typeface="Avenir Next Medium"/>
+          <a:sym typeface="Avenir Next Medium"/>
         </a:defRPr>
       </a:lvl2pPr>
-      <a:lvl3pPr marL="0" marR="0" indent="0" algn="l" defTabSz="584200" rtl="0" latinLnBrk="0">
+      <a:lvl3pPr marL="1333500" marR="0" indent="-444500" algn="l" defTabSz="584200" rtl="0" latinLnBrk="0">
         <a:lnSpc>
-          <a:spcPct val="80000"/>
+          <a:spcPct val="100000"/>
         </a:lnSpc>
         <a:spcBef>
-          <a:spcPts val="2300"/>
+          <a:spcPts val="2800"/>
         </a:spcBef>
         <a:spcAft>
           <a:spcPts val="0"/>
         </a:spcAft>
-        <a:buClrTx/>
-        <a:buSzTx/>
-        <a:buFontTx/>
-        <a:buNone/>
+        <a:buClr>
+          <a:schemeClr val="accent1">
+            <a:satOff val="-4060"/>
+          </a:schemeClr>
+        </a:buClr>
+        <a:buSzPct val="104999"/>
+        <a:buFont typeface="Avenir Next"/>
+        <a:buChar char="‣"/>
         <a:tabLst/>
-        <a:defRPr b="0" baseline="0" cap="all" i="0" spc="0" strike="noStrike" sz="5400" u="none">
+        <a:defRPr b="0" baseline="0" cap="none" i="0" spc="0" strike="noStrike" sz="3400" u="none">
           <a:solidFill>
-            <a:srgbClr val="A6AAA9"/>
+            <a:srgbClr val="838787"/>
           </a:solidFill>
           <a:uFillTx/>
-          <a:latin typeface="DIN Alternate"/>
-          <a:ea typeface="DIN Alternate"/>
-          <a:cs typeface="DIN Alternate"/>
-          <a:sym typeface="DIN Alternate"/>
+          <a:latin typeface="Avenir Next Medium"/>
+          <a:ea typeface="Avenir Next Medium"/>
+          <a:cs typeface="Avenir Next Medium"/>
+          <a:sym typeface="Avenir Next Medium"/>
         </a:defRPr>
       </a:lvl3pPr>
-      <a:lvl4pPr marL="0" marR="0" indent="0" algn="l" defTabSz="584200" rtl="0" latinLnBrk="0">
+      <a:lvl4pPr marL="1778000" marR="0" indent="-444500" algn="l" defTabSz="584200" rtl="0" latinLnBrk="0">
         <a:lnSpc>
-          <a:spcPct val="80000"/>
+          <a:spcPct val="100000"/>
         </a:lnSpc>
         <a:spcBef>
-          <a:spcPts val="2300"/>
+          <a:spcPts val="2800"/>
         </a:spcBef>
         <a:spcAft>
           <a:spcPts val="0"/>
         </a:spcAft>
-        <a:buClrTx/>
-        <a:buSzTx/>
-        <a:buFontTx/>
-        <a:buNone/>
+        <a:buClr>
+          <a:schemeClr val="accent1">
+            <a:satOff val="-4060"/>
+          </a:schemeClr>
+        </a:buClr>
+        <a:buSzPct val="104999"/>
+        <a:buFont typeface="Avenir Next"/>
+        <a:buChar char="‣"/>
         <a:tabLst/>
-        <a:defRPr b="0" baseline="0" cap="all" i="0" spc="0" strike="noStrike" sz="5400" u="none">
+        <a:defRPr b="0" baseline="0" cap="none" i="0" spc="0" strike="noStrike" sz="3400" u="none">
           <a:solidFill>
-            <a:srgbClr val="A6AAA9"/>
+            <a:srgbClr val="838787"/>
           </a:solidFill>
           <a:uFillTx/>
-          <a:latin typeface="DIN Alternate"/>
-          <a:ea typeface="DIN Alternate"/>
-          <a:cs typeface="DIN Alternate"/>
-          <a:sym typeface="DIN Alternate"/>
+          <a:latin typeface="Avenir Next Medium"/>
+          <a:ea typeface="Avenir Next Medium"/>
+          <a:cs typeface="Avenir Next Medium"/>
+          <a:sym typeface="Avenir Next Medium"/>
         </a:defRPr>
       </a:lvl4pPr>
-      <a:lvl5pPr marL="0" marR="0" indent="0" algn="l" defTabSz="584200" rtl="0" latinLnBrk="0">
+      <a:lvl5pPr marL="2222500" marR="0" indent="-444500" algn="l" defTabSz="584200" rtl="0" latinLnBrk="0">
         <a:lnSpc>
-          <a:spcPct val="80000"/>
+          <a:spcPct val="100000"/>
         </a:lnSpc>
         <a:spcBef>
-          <a:spcPts val="2300"/>
+          <a:spcPts val="2800"/>
         </a:spcBef>
         <a:spcAft>
           <a:spcPts val="0"/>
         </a:spcAft>
-        <a:buClrTx/>
-        <a:buSzTx/>
-        <a:buFontTx/>
-        <a:buNone/>
+        <a:buClr>
+          <a:schemeClr val="accent1">
+            <a:satOff val="-4060"/>
+          </a:schemeClr>
+        </a:buClr>
+        <a:buSzPct val="104999"/>
+        <a:buFont typeface="Avenir Next"/>
+        <a:buChar char="‣"/>
         <a:tabLst/>
-        <a:defRPr b="0" baseline="0" cap="all" i="0" spc="0" strike="noStrike" sz="5400" u="none">
+        <a:defRPr b="0" baseline="0" cap="none" i="0" spc="0" strike="noStrike" sz="3400" u="none">
           <a:solidFill>
-            <a:srgbClr val="A6AAA9"/>
+            <a:srgbClr val="838787"/>
           </a:solidFill>
           <a:uFillTx/>
-          <a:latin typeface="DIN Alternate"/>
-          <a:ea typeface="DIN Alternate"/>
-          <a:cs typeface="DIN Alternate"/>
-          <a:sym typeface="DIN Alternate"/>
+          <a:latin typeface="Avenir Next Medium"/>
+          <a:ea typeface="Avenir Next Medium"/>
+          <a:cs typeface="Avenir Next Medium"/>
+          <a:sym typeface="Avenir Next Medium"/>
         </a:defRPr>
       </a:lvl5pPr>
-      <a:lvl6pPr marL="2928470" marR="0" indent="-705970" algn="l" defTabSz="584200" rtl="0" latinLnBrk="0">
+      <a:lvl6pPr marL="2667000" marR="0" indent="-444500" algn="l" defTabSz="584200" rtl="0" latinLnBrk="0">
         <a:lnSpc>
-          <a:spcPct val="80000"/>
+          <a:spcPct val="100000"/>
         </a:lnSpc>
         <a:spcBef>
-          <a:spcPts val="2300"/>
+          <a:spcPts val="2800"/>
         </a:spcBef>
         <a:spcAft>
           <a:spcPts val="0"/>
         </a:spcAft>
-        <a:buClrTx/>
+        <a:buClr>
+          <a:schemeClr val="accent1">
+            <a:satOff val="-4060"/>
+          </a:schemeClr>
+        </a:buClr>
         <a:buSzPct val="104999"/>
-        <a:buFontTx/>
+        <a:buFont typeface="Avenir Next"/>
         <a:buChar char="‣"/>
         <a:tabLst/>
-        <a:defRPr b="0" baseline="0" cap="all" i="0" spc="0" strike="noStrike" sz="5400" u="none">
+        <a:defRPr b="0" baseline="0" cap="none" i="0" spc="0" strike="noStrike" sz="3400" u="none">
           <a:solidFill>
-            <a:srgbClr val="A6AAA9"/>
+            <a:srgbClr val="838787"/>
           </a:solidFill>
           <a:uFillTx/>
-          <a:latin typeface="DIN Alternate"/>
-          <a:ea typeface="DIN Alternate"/>
-          <a:cs typeface="DIN Alternate"/>
-          <a:sym typeface="DIN Alternate"/>
+          <a:latin typeface="Avenir Next Medium"/>
+          <a:ea typeface="Avenir Next Medium"/>
+          <a:cs typeface="Avenir Next Medium"/>
+          <a:sym typeface="Avenir Next Medium"/>
         </a:defRPr>
       </a:lvl6pPr>
-      <a:lvl7pPr marL="3372970" marR="0" indent="-705970" algn="l" defTabSz="584200" rtl="0" latinLnBrk="0">
+      <a:lvl7pPr marL="3111500" marR="0" indent="-444500" algn="l" defTabSz="584200" rtl="0" latinLnBrk="0">
         <a:lnSpc>
-          <a:spcPct val="80000"/>
+          <a:spcPct val="100000"/>
         </a:lnSpc>
         <a:spcBef>
-          <a:spcPts val="2300"/>
+          <a:spcPts val="2800"/>
         </a:spcBef>
         <a:spcAft>
           <a:spcPts val="0"/>
         </a:spcAft>
-        <a:buClrTx/>
+        <a:buClr>
+          <a:schemeClr val="accent1">
+            <a:satOff val="-4060"/>
+          </a:schemeClr>
+        </a:buClr>
         <a:buSzPct val="104999"/>
-        <a:buFontTx/>
+        <a:buFont typeface="Avenir Next"/>
         <a:buChar char="‣"/>
         <a:tabLst/>
-        <a:defRPr b="0" baseline="0" cap="all" i="0" spc="0" strike="noStrike" sz="5400" u="none">
+        <a:defRPr b="0" baseline="0" cap="none" i="0" spc="0" strike="noStrike" sz="3400" u="none">
           <a:solidFill>
-            <a:srgbClr val="A6AAA9"/>
+            <a:srgbClr val="838787"/>
           </a:solidFill>
           <a:uFillTx/>
-          <a:latin typeface="DIN Alternate"/>
-          <a:ea typeface="DIN Alternate"/>
-          <a:cs typeface="DIN Alternate"/>
-          <a:sym typeface="DIN Alternate"/>
+          <a:latin typeface="Avenir Next Medium"/>
+          <a:ea typeface="Avenir Next Medium"/>
+          <a:cs typeface="Avenir Next Medium"/>
+          <a:sym typeface="Avenir Next Medium"/>
         </a:defRPr>
       </a:lvl7pPr>
-      <a:lvl8pPr marL="3817470" marR="0" indent="-705970" algn="l" defTabSz="584200" rtl="0" latinLnBrk="0">
+      <a:lvl8pPr marL="3556000" marR="0" indent="-444500" algn="l" defTabSz="584200" rtl="0" latinLnBrk="0">
         <a:lnSpc>
-          <a:spcPct val="80000"/>
+          <a:spcPct val="100000"/>
         </a:lnSpc>
         <a:spcBef>
-          <a:spcPts val="2300"/>
+          <a:spcPts val="2800"/>
         </a:spcBef>
         <a:spcAft>
           <a:spcPts val="0"/>
         </a:spcAft>
-        <a:buClrTx/>
+        <a:buClr>
+          <a:schemeClr val="accent1">
+            <a:satOff val="-4060"/>
+          </a:schemeClr>
+        </a:buClr>
         <a:buSzPct val="104999"/>
-        <a:buFontTx/>
+        <a:buFont typeface="Avenir Next"/>
         <a:buChar char="‣"/>
         <a:tabLst/>
-        <a:defRPr b="0" baseline="0" cap="all" i="0" spc="0" strike="noStrike" sz="5400" u="none">
+        <a:defRPr b="0" baseline="0" cap="none" i="0" spc="0" strike="noStrike" sz="3400" u="none">
           <a:solidFill>
-            <a:srgbClr val="A6AAA9"/>
+            <a:srgbClr val="838787"/>
           </a:solidFill>
           <a:uFillTx/>
-          <a:latin typeface="DIN Alternate"/>
-          <a:ea typeface="DIN Alternate"/>
-          <a:cs typeface="DIN Alternate"/>
-          <a:sym typeface="DIN Alternate"/>
+          <a:latin typeface="Avenir Next Medium"/>
+          <a:ea typeface="Avenir Next Medium"/>
+          <a:cs typeface="Avenir Next Medium"/>
+          <a:sym typeface="Avenir Next Medium"/>
         </a:defRPr>
       </a:lvl8pPr>
-      <a:lvl9pPr marL="4261970" marR="0" indent="-705970" algn="l" defTabSz="584200" rtl="0" latinLnBrk="0">
+      <a:lvl9pPr marL="4000500" marR="0" indent="-444500" algn="l" defTabSz="584200" rtl="0" latinLnBrk="0">
         <a:lnSpc>
-          <a:spcPct val="80000"/>
+          <a:spcPct val="100000"/>
         </a:lnSpc>
         <a:spcBef>
-          <a:spcPts val="2300"/>
+          <a:spcPts val="2800"/>
         </a:spcBef>
         <a:spcAft>
           <a:spcPts val="0"/>
         </a:spcAft>
-        <a:buClrTx/>
+        <a:buClr>
+          <a:schemeClr val="accent1">
+            <a:satOff val="-4060"/>
+          </a:schemeClr>
+        </a:buClr>
         <a:buSzPct val="104999"/>
-        <a:buFontTx/>
+        <a:buFont typeface="Avenir Next"/>
         <a:buChar char="‣"/>
         <a:tabLst/>
-        <a:defRPr b="0" baseline="0" cap="all" i="0" spc="0" strike="noStrike" sz="5400" u="none">
+        <a:defRPr b="0" baseline="0" cap="none" i="0" spc="0" strike="noStrike" sz="3400" u="none">
           <a:solidFill>
-            <a:srgbClr val="A6AAA9"/>
+            <a:srgbClr val="838787"/>
           </a:solidFill>
           <a:uFillTx/>
-          <a:latin typeface="DIN Alternate"/>
-          <a:ea typeface="DIN Alternate"/>
-          <a:cs typeface="DIN Alternate"/>
-          <a:sym typeface="DIN Alternate"/>
+          <a:latin typeface="Avenir Next Medium"/>
+          <a:ea typeface="Avenir Next Medium"/>
+          <a:cs typeface="Avenir Next Medium"/>
+          <a:sym typeface="Avenir Next Medium"/>
         </a:defRPr>
       </a:lvl9pPr>
     </p:bodyStyle>
     <p:otherStyle>
-      <a:lvl1pPr marL="0" marR="0" indent="0" algn="r" defTabSz="584200" rtl="0" latinLnBrk="0">
+      <a:lvl1pPr marL="0" marR="0" indent="0" algn="r" defTabSz="584200" latinLnBrk="0">
         <a:lnSpc>
           <a:spcPct val="80000"/>
         </a:lnSpc>
@@ -4382,7 +4377,7 @@
           <a:sym typeface="DIN Alternate"/>
         </a:defRPr>
       </a:lvl1pPr>
-      <a:lvl2pPr marL="0" marR="0" indent="0" algn="r" defTabSz="584200" rtl="0" latinLnBrk="0">
+      <a:lvl2pPr marL="0" marR="0" indent="228600" algn="r" defTabSz="584200" latinLnBrk="0">
         <a:lnSpc>
           <a:spcPct val="80000"/>
         </a:lnSpc>
@@ -4408,7 +4403,7 @@
           <a:sym typeface="DIN Alternate"/>
         </a:defRPr>
       </a:lvl2pPr>
-      <a:lvl3pPr marL="0" marR="0" indent="0" algn="r" defTabSz="584200" rtl="0" latinLnBrk="0">
+      <a:lvl3pPr marL="0" marR="0" indent="457200" algn="r" defTabSz="584200" latinLnBrk="0">
         <a:lnSpc>
           <a:spcPct val="80000"/>
         </a:lnSpc>
@@ -4434,7 +4429,7 @@
           <a:sym typeface="DIN Alternate"/>
         </a:defRPr>
       </a:lvl3pPr>
-      <a:lvl4pPr marL="0" marR="0" indent="0" algn="r" defTabSz="584200" rtl="0" latinLnBrk="0">
+      <a:lvl4pPr marL="0" marR="0" indent="685800" algn="r" defTabSz="584200" latinLnBrk="0">
         <a:lnSpc>
           <a:spcPct val="80000"/>
         </a:lnSpc>
@@ -4460,7 +4455,7 @@
           <a:sym typeface="DIN Alternate"/>
         </a:defRPr>
       </a:lvl4pPr>
-      <a:lvl5pPr marL="0" marR="0" indent="0" algn="r" defTabSz="584200" rtl="0" latinLnBrk="0">
+      <a:lvl5pPr marL="0" marR="0" indent="914400" algn="r" defTabSz="584200" latinLnBrk="0">
         <a:lnSpc>
           <a:spcPct val="80000"/>
         </a:lnSpc>
@@ -4486,7 +4481,7 @@
           <a:sym typeface="DIN Alternate"/>
         </a:defRPr>
       </a:lvl5pPr>
-      <a:lvl6pPr marL="0" marR="0" indent="0" algn="r" defTabSz="584200" rtl="0" latinLnBrk="0">
+      <a:lvl6pPr marL="0" marR="0" indent="1143000" algn="r" defTabSz="584200" latinLnBrk="0">
         <a:lnSpc>
           <a:spcPct val="80000"/>
         </a:lnSpc>
@@ -4512,7 +4507,7 @@
           <a:sym typeface="DIN Alternate"/>
         </a:defRPr>
       </a:lvl6pPr>
-      <a:lvl7pPr marL="0" marR="0" indent="0" algn="r" defTabSz="584200" rtl="0" latinLnBrk="0">
+      <a:lvl7pPr marL="0" marR="0" indent="1371600" algn="r" defTabSz="584200" latinLnBrk="0">
         <a:lnSpc>
           <a:spcPct val="80000"/>
         </a:lnSpc>
@@ -4538,7 +4533,7 @@
           <a:sym typeface="DIN Alternate"/>
         </a:defRPr>
       </a:lvl7pPr>
-      <a:lvl8pPr marL="0" marR="0" indent="0" algn="r" defTabSz="584200" rtl="0" latinLnBrk="0">
+      <a:lvl8pPr marL="0" marR="0" indent="1600200" algn="r" defTabSz="584200" latinLnBrk="0">
         <a:lnSpc>
           <a:spcPct val="80000"/>
         </a:lnSpc>
@@ -4564,7 +4559,7 @@
           <a:sym typeface="DIN Alternate"/>
         </a:defRPr>
       </a:lvl8pPr>
-      <a:lvl9pPr marL="0" marR="0" indent="0" algn="r" defTabSz="584200" rtl="0" latinLnBrk="0">
+      <a:lvl9pPr marL="0" marR="0" indent="1828800" algn="r" defTabSz="584200" latinLnBrk="0">
         <a:lnSpc>
           <a:spcPct val="80000"/>
         </a:lnSpc>
@@ -4614,7 +4609,7 @@
       </p:grpSpPr>
       <p:sp>
         <p:nvSpPr>
-          <p:cNvPr id="170" name="PROGETTO…"/>
+          <p:cNvPr id="166" name="PROGETTO…"/>
           <p:cNvSpPr txBox="1"/>
           <p:nvPr>
             <p:ph type="ctrTitle"/>
@@ -4634,7 +4629,7 @@
           <a:lstStyle/>
           <a:p>
             <a:pPr defTabSz="502412">
-              <a:defRPr sz="14600"/>
+              <a:defRPr sz="14620"/>
             </a:pPr>
             <a:r>
               <a:t>PROGETTO </a:t>
@@ -4642,7 +4637,7 @@
           </a:p>
           <a:p>
             <a:pPr defTabSz="502412">
-              <a:defRPr sz="14600"/>
+              <a:defRPr sz="14620"/>
             </a:pPr>
             <a:r>
               <a:t>MACHINE LEARNING</a:t>
@@ -4652,7 +4647,7 @@
       </p:sp>
       <p:sp>
         <p:nvSpPr>
-          <p:cNvPr id="171" name="Beltramelli FabiO                816912…"/>
+          <p:cNvPr id="167" name="Beltramelli FabiO                816912…"/>
           <p:cNvSpPr txBox="1"/>
           <p:nvPr>
             <p:ph type="subTitle" sz="quarter" idx="1"/>
@@ -4671,33 +4666,33 @@
           <a:bodyPr/>
           <a:lstStyle/>
           <a:p>
-            <a:pPr lvl="1" defTabSz="373886">
+            <a:pPr lvl="1" defTabSz="373887">
               <a:spcBef>
                 <a:spcPts val="1400"/>
               </a:spcBef>
-              <a:defRPr sz="3400"/>
+              <a:defRPr sz="3455"/>
             </a:pPr>
             <a:r>
               <a:t>Beltramelli FabiO                816912</a:t>
             </a:r>
           </a:p>
           <a:p>
-            <a:pPr lvl="1" defTabSz="373886">
+            <a:pPr lvl="1" defTabSz="373887">
               <a:spcBef>
                 <a:spcPts val="1400"/>
               </a:spcBef>
-              <a:defRPr sz="3400"/>
+              <a:defRPr sz="3455"/>
             </a:pPr>
             <a:r>
               <a:t>CAPELLI ALESSANDRO           816302</a:t>
             </a:r>
           </a:p>
           <a:p>
-            <a:pPr lvl="2" defTabSz="373886">
+            <a:pPr lvl="2" defTabSz="373887">
               <a:spcBef>
                 <a:spcPts val="1400"/>
               </a:spcBef>
-              <a:defRPr sz="3400"/>
+              <a:defRPr sz="3455"/>
             </a:pPr>
             <a:r>
               <a:t>FINATI DAVIDE                           817508   </a:t>
@@ -4733,7 +4728,7 @@
       </p:grpSpPr>
       <p:sp>
         <p:nvSpPr>
-          <p:cNvPr id="215" name="Naive bayes"/>
+          <p:cNvPr id="211" name="Naive bayes"/>
           <p:cNvSpPr txBox="1"/>
           <p:nvPr>
             <p:ph type="title"/>
@@ -4768,19 +4763,19 @@
       </p:sp>
       <p:graphicFrame>
         <p:nvGraphicFramePr>
-          <p:cNvPr id="216" name="Tabella"/>
+          <p:cNvPr id="212" name="Tabella"/>
           <p:cNvGraphicFramePr/>
           <p:nvPr/>
         </p:nvGraphicFramePr>
         <p:xfrm>
-          <a:off x="7552266" y="1145115"/>
-          <a:ext cx="5078349" cy="3100588"/>
+          <a:off x="7552266" y="1145116"/>
+          <a:ext cx="5078348" cy="3100587"/>
         </p:xfrm>
         <a:graphic xmlns:a="http://schemas.openxmlformats.org/drawingml/2006/main">
           <a:graphicData uri="http://schemas.openxmlformats.org/drawingml/2006/table">
             <a:tbl>
               <a:tblPr firstCol="0" firstRow="0" lastCol="0" lastRow="0" bandCol="0" bandRow="1" rtl="0">
-                <a:tableStyleId>{4C3C2611-4C71-4FC5-86AE-919BDF0F9419}</a:tableStyleId>
+                <a:tableStyleId>{2708684C-4D16-4618-839F-0558EEFCDFE6}</a:tableStyleId>
               </a:tblPr>
               <a:tblGrid>
                 <a:gridCol w="3323093"/>
@@ -4807,7 +4802,7 @@
                           <a:solidFill>
                             <a:srgbClr val="838787"/>
                           </a:solidFill>
-                          <a:sym typeface="DIN Condensed"/>
+                          <a:sym typeface="Avenir Next Medium"/>
                         </a:rPr>
                         <a:t>Accuracy</a:t>
                       </a:r>
@@ -4842,7 +4837,7 @@
                           <a:solidFill>
                             <a:srgbClr val="838787"/>
                           </a:solidFill>
-                          <a:sym typeface="DIN Condensed"/>
+                          <a:sym typeface="Avenir Next Medium"/>
                         </a:rPr>
                         <a:t>0,77</a:t>
                       </a:r>
@@ -4879,7 +4874,7 @@
                           <a:solidFill>
                             <a:srgbClr val="838787"/>
                           </a:solidFill>
-                          <a:sym typeface="DIN Condensed"/>
+                          <a:sym typeface="Avenir Next Medium"/>
                         </a:rPr>
                         <a:t>Precision</a:t>
                       </a:r>
@@ -4911,7 +4906,7 @@
                           <a:solidFill>
                             <a:srgbClr val="838787"/>
                           </a:solidFill>
-                          <a:sym typeface="DIN Condensed"/>
+                          <a:sym typeface="Avenir Next Medium"/>
                         </a:rPr>
                         <a:t>0,60</a:t>
                       </a:r>
@@ -4945,7 +4940,7 @@
                           <a:solidFill>
                             <a:srgbClr val="838787"/>
                           </a:solidFill>
-                          <a:sym typeface="DIN Condensed"/>
+                          <a:sym typeface="Avenir Next Medium"/>
                         </a:rPr>
                         <a:t>Recall</a:t>
                       </a:r>
@@ -4977,7 +4972,7 @@
                           <a:solidFill>
                             <a:srgbClr val="838787"/>
                           </a:solidFill>
-                          <a:sym typeface="DIN Condensed"/>
+                          <a:sym typeface="Avenir Next Medium"/>
                         </a:rPr>
                         <a:t>0,002</a:t>
                       </a:r>
@@ -5011,7 +5006,7 @@
                           <a:solidFill>
                             <a:srgbClr val="838787"/>
                           </a:solidFill>
-                          <a:sym typeface="DIN Condensed"/>
+                          <a:sym typeface="Avenir Next Medium"/>
                         </a:rPr>
                         <a:t>F1-score</a:t>
                       </a:r>
@@ -5043,7 +5038,7 @@
                           <a:solidFill>
                             <a:srgbClr val="838787"/>
                           </a:solidFill>
-                          <a:sym typeface="DIN Condensed"/>
+                          <a:sym typeface="Avenir Next Medium"/>
                         </a:rPr>
                         <a:t>0,004</a:t>
                       </a:r>
@@ -5077,7 +5072,7 @@
                           <a:solidFill>
                             <a:srgbClr val="838787"/>
                           </a:solidFill>
-                          <a:sym typeface="DIN Condensed"/>
+                          <a:sym typeface="Avenir Next Medium"/>
                         </a:rPr>
                         <a:t>AUC</a:t>
                       </a:r>
@@ -5112,7 +5107,7 @@
                           <a:solidFill>
                             <a:srgbClr val="838787"/>
                           </a:solidFill>
-                          <a:sym typeface="DIN Condensed"/>
+                          <a:sym typeface="Avenir Next Medium"/>
                         </a:rPr>
                         <a:t>0,82</a:t>
                       </a:r>
@@ -5134,13 +5129,13 @@
       </p:graphicFrame>
       <p:sp>
         <p:nvSpPr>
-          <p:cNvPr id="217" name="Tempo creazione modello: 22 sec…"/>
+          <p:cNvPr id="213" name="Tempo creazione modello: 22 sec…"/>
           <p:cNvSpPr txBox="1"/>
           <p:nvPr/>
         </p:nvSpPr>
         <p:spPr>
           <a:xfrm>
-            <a:off x="74633" y="7921811"/>
+            <a:off x="74633" y="7921812"/>
             <a:ext cx="3411761" cy="1778001"/>
           </a:xfrm>
           <a:prstGeom prst="rect">
@@ -5161,33 +5156,13 @@
           </a:bodyPr>
           <a:lstStyle/>
           <a:p>
-            <a:pPr>
-              <a:defRPr>
-                <a:solidFill>
-                  <a:srgbClr val="838787"/>
-                </a:solidFill>
-                <a:latin typeface="Avenir Next Medium"/>
-                <a:ea typeface="Avenir Next Medium"/>
-                <a:cs typeface="Avenir Next Medium"/>
-                <a:sym typeface="Avenir Next Medium"/>
-              </a:defRPr>
-            </a:pPr>
+            <a:pPr/>
             <a:r>
               <a:t>Tempo creazione modello: 22 sec</a:t>
             </a:r>
           </a:p>
           <a:p>
-            <a:pPr>
-              <a:defRPr>
-                <a:solidFill>
-                  <a:srgbClr val="838787"/>
-                </a:solidFill>
-                <a:latin typeface="Avenir Next Medium"/>
-                <a:ea typeface="Avenir Next Medium"/>
-                <a:cs typeface="Avenir Next Medium"/>
-                <a:sym typeface="Avenir Next Medium"/>
-              </a:defRPr>
-            </a:pPr>
+            <a:pPr/>
             <a:r>
               <a:t>Tempo calcolo predizione:  1 sec</a:t>
             </a:r>
@@ -5196,21 +5171,21 @@
       </p:sp>
       <p:grpSp>
         <p:nvGrpSpPr>
-          <p:cNvPr id="220" name="Galleria immagini"/>
+          <p:cNvPr id="216" name="Galleria immagini"/>
           <p:cNvGrpSpPr/>
           <p:nvPr/>
         </p:nvGrpSpPr>
         <p:grpSpPr>
           <a:xfrm>
-            <a:off x="6809085" y="4384695"/>
-            <a:ext cx="6065576" cy="5783662"/>
+            <a:off x="6809085" y="4384696"/>
+            <a:ext cx="6065574" cy="5783661"/>
             <a:chOff x="0" y="0"/>
-            <a:chExt cx="6065575" cy="5783660"/>
+            <a:chExt cx="6065573" cy="5783659"/>
           </a:xfrm>
         </p:grpSpPr>
         <p:pic>
           <p:nvPicPr>
-            <p:cNvPr id="218" name="ROCNaiveBayes.jpg" descr="ROCNaiveBayes.jpg"/>
+            <p:cNvPr id="214" name="ROCNaiveBayes.jpg" descr="ROCNaiveBayes.jpg"/>
             <p:cNvPicPr>
               <a:picLocks noChangeAspect="1"/>
             </p:cNvPicPr>
@@ -5227,8 +5202,8 @@
           </p:blipFill>
           <p:spPr>
             <a:xfrm>
-              <a:off x="-1" y="0"/>
-              <a:ext cx="6065577" cy="5212162"/>
+              <a:off x="0" y="0"/>
+              <a:ext cx="6065574" cy="5212160"/>
             </a:xfrm>
             <a:prstGeom prst="rect">
               <a:avLst/>
@@ -5242,14 +5217,14 @@
         </p:pic>
         <p:sp>
           <p:nvSpPr>
-            <p:cNvPr id="219" name="Scrivi per inserire una didascalia."/>
-            <p:cNvSpPr txBox="1"/>
+            <p:cNvPr id="215" name="Scrivi per inserire una didascalia."/>
+            <p:cNvSpPr/>
             <p:nvPr/>
           </p:nvSpPr>
           <p:spPr>
             <a:xfrm>
-              <a:off x="-1" y="5288360"/>
-              <a:ext cx="6065576" cy="495301"/>
+              <a:off x="0" y="5288359"/>
+              <a:ext cx="6065574" cy="495301"/>
             </a:xfrm>
             <a:prstGeom prst="rect">
               <a:avLst/>
@@ -5268,22 +5243,13 @@
           </p:spPr>
           <p:txBody>
             <a:bodyPr wrap="square" lIns="76200" tIns="76200" rIns="76200" bIns="76200" numCol="1" anchor="t">
-              <a:spAutoFit/>
+              <a:noAutofit/>
             </a:bodyPr>
             <a:lstStyle>
               <a:lvl1pPr>
                 <a:spcBef>
                   <a:spcPts val="0"/>
                 </a:spcBef>
-                <a:defRPr>
-                  <a:solidFill>
-                    <a:srgbClr val="838787"/>
-                  </a:solidFill>
-                  <a:latin typeface="Avenir Next Medium"/>
-                  <a:ea typeface="Avenir Next Medium"/>
-                  <a:cs typeface="Avenir Next Medium"/>
-                  <a:sym typeface="Avenir Next Medium"/>
-                </a:defRPr>
               </a:lvl1pPr>
             </a:lstStyle>
             <a:p>
@@ -5297,19 +5263,19 @@
       </p:grpSp>
       <p:graphicFrame>
         <p:nvGraphicFramePr>
-          <p:cNvPr id="221" name="Tabella"/>
+          <p:cNvPr id="217" name="Tabella"/>
           <p:cNvGraphicFramePr/>
           <p:nvPr/>
         </p:nvGraphicFramePr>
         <p:xfrm>
-          <a:off x="397933" y="1145115"/>
-          <a:ext cx="3872708" cy="1902754"/>
+          <a:off x="397933" y="1145116"/>
+          <a:ext cx="3872707" cy="1902752"/>
         </p:xfrm>
         <a:graphic xmlns:a="http://schemas.openxmlformats.org/drawingml/2006/main">
           <a:graphicData uri="http://schemas.openxmlformats.org/drawingml/2006/table">
             <a:tbl>
               <a:tblPr firstCol="0" firstRow="0" lastCol="0" lastRow="0" bandCol="0" bandRow="1" rtl="0">
-                <a:tableStyleId>{4C3C2611-4C71-4FC5-86AE-919BDF0F9419}</a:tableStyleId>
+                <a:tableStyleId>{2708684C-4D16-4618-839F-0558EEFCDFE6}</a:tableStyleId>
               </a:tblPr>
               <a:tblGrid>
                 <a:gridCol w="1218417"/>
@@ -5327,7 +5293,7 @@
                           <a:spcPct val="100000"/>
                         </a:lnSpc>
                         <a:defRPr sz="2500">
-                          <a:sym typeface="DIN Condensed"/>
+                          <a:sym typeface="Avenir Next Medium"/>
                         </a:defRPr>
                       </a:pPr>
                     </a:p>
@@ -5361,7 +5327,7 @@
                           <a:solidFill>
                             <a:srgbClr val="838787"/>
                           </a:solidFill>
-                          <a:sym typeface="DIN Condensed"/>
+                          <a:sym typeface="Avenir Next Medium"/>
                         </a:rPr>
                         <a:t>YES</a:t>
                       </a:r>
@@ -5393,7 +5359,7 @@
                           <a:solidFill>
                             <a:srgbClr val="838787"/>
                           </a:solidFill>
-                          <a:sym typeface="DIN Condensed"/>
+                          <a:sym typeface="Avenir Next Medium"/>
                         </a:rPr>
                         <a:t>NO</a:t>
                       </a:r>
@@ -5430,7 +5396,7 @@
                           <a:solidFill>
                             <a:srgbClr val="838787"/>
                           </a:solidFill>
-                          <a:sym typeface="DIN Condensed"/>
+                          <a:sym typeface="Avenir Next Medium"/>
                         </a:rPr>
                         <a:t>YES</a:t>
                       </a:r>
@@ -5462,7 +5428,7 @@
                           <a:solidFill>
                             <a:srgbClr val="838787"/>
                           </a:solidFill>
-                          <a:sym typeface="DIN Condensed"/>
+                          <a:sym typeface="Avenir Next Medium"/>
                         </a:rPr>
                         <a:t>18</a:t>
                       </a:r>
@@ -5490,7 +5456,7 @@
                           <a:solidFill>
                             <a:srgbClr val="838787"/>
                           </a:solidFill>
-                          <a:sym typeface="DIN Condensed"/>
+                          <a:sym typeface="Avenir Next Medium"/>
                         </a:rPr>
                         <a:t>7555</a:t>
                       </a:r>
@@ -5524,7 +5490,7 @@
                           <a:solidFill>
                             <a:srgbClr val="838787"/>
                           </a:solidFill>
-                          <a:sym typeface="DIN Condensed"/>
+                          <a:sym typeface="Avenir Next Medium"/>
                         </a:rPr>
                         <a:t>NO</a:t>
                       </a:r>
@@ -5559,7 +5525,7 @@
                           <a:solidFill>
                             <a:srgbClr val="838787"/>
                           </a:solidFill>
-                          <a:sym typeface="DIN Condensed"/>
+                          <a:sym typeface="Avenir Next Medium"/>
                         </a:rPr>
                         <a:t>12</a:t>
                       </a:r>
@@ -5591,7 +5557,7 @@
                           <a:solidFill>
                             <a:srgbClr val="838787"/>
                           </a:solidFill>
-                          <a:sym typeface="DIN Condensed"/>
+                          <a:sym typeface="Avenir Next Medium"/>
                         </a:rPr>
                         <a:t>26245</a:t>
                       </a:r>
@@ -5613,21 +5579,21 @@
       </p:graphicFrame>
       <p:grpSp>
         <p:nvGrpSpPr>
-          <p:cNvPr id="224" name="Galleria immagini"/>
+          <p:cNvPr id="220" name="Galleria immagini"/>
           <p:cNvGrpSpPr/>
           <p:nvPr/>
         </p:nvGrpSpPr>
         <p:grpSpPr>
           <a:xfrm>
             <a:off x="101599" y="3143349"/>
-            <a:ext cx="6253562" cy="4958160"/>
+            <a:ext cx="6253561" cy="4958160"/>
             <a:chOff x="0" y="0"/>
-            <a:chExt cx="6253561" cy="4958159"/>
+            <a:chExt cx="6253559" cy="4958159"/>
           </a:xfrm>
         </p:grpSpPr>
         <p:pic>
           <p:nvPicPr>
-            <p:cNvPr id="222" name="VarImpNaiveBayes.jpg" descr="VarImpNaiveBayes.jpg"/>
+            <p:cNvPr id="218" name="VarImpNaiveBayes.jpg" descr="VarImpNaiveBayes.jpg"/>
             <p:cNvPicPr>
               <a:picLocks noChangeAspect="1"/>
             </p:cNvPicPr>
@@ -5645,7 +5611,7 @@
           <p:spPr>
             <a:xfrm>
               <a:off x="0" y="0"/>
-              <a:ext cx="6253562" cy="4386661"/>
+              <a:ext cx="6253560" cy="4386660"/>
             </a:xfrm>
             <a:prstGeom prst="rect">
               <a:avLst/>
@@ -5659,14 +5625,14 @@
         </p:pic>
         <p:sp>
           <p:nvSpPr>
-            <p:cNvPr id="223" name="Scrivi per inserire una didascalia."/>
-            <p:cNvSpPr txBox="1"/>
+            <p:cNvPr id="219" name="Scrivi per inserire una didascalia."/>
+            <p:cNvSpPr/>
             <p:nvPr/>
           </p:nvSpPr>
           <p:spPr>
             <a:xfrm>
               <a:off x="0" y="4462859"/>
-              <a:ext cx="6253562" cy="495301"/>
+              <a:ext cx="6253560" cy="495301"/>
             </a:xfrm>
             <a:prstGeom prst="rect">
               <a:avLst/>
@@ -5685,22 +5651,13 @@
           </p:spPr>
           <p:txBody>
             <a:bodyPr wrap="square" lIns="76200" tIns="76200" rIns="76200" bIns="76200" numCol="1" anchor="t">
-              <a:spAutoFit/>
+              <a:noAutofit/>
             </a:bodyPr>
             <a:lstStyle>
               <a:lvl1pPr>
                 <a:spcBef>
                   <a:spcPts val="0"/>
                 </a:spcBef>
-                <a:defRPr>
-                  <a:solidFill>
-                    <a:srgbClr val="838787"/>
-                  </a:solidFill>
-                  <a:latin typeface="Avenir Next Medium"/>
-                  <a:ea typeface="Avenir Next Medium"/>
-                  <a:cs typeface="Avenir Next Medium"/>
-                  <a:sym typeface="Avenir Next Medium"/>
-                </a:defRPr>
               </a:lvl1pPr>
             </a:lstStyle>
             <a:p>
@@ -5740,7 +5697,7 @@
       </p:grpSpPr>
       <p:sp>
         <p:nvSpPr>
-          <p:cNvPr id="226" name="Neural network"/>
+          <p:cNvPr id="222" name="Neural network"/>
           <p:cNvSpPr txBox="1"/>
           <p:nvPr>
             <p:ph type="title"/>
@@ -5775,19 +5732,19 @@
       </p:sp>
       <p:graphicFrame>
         <p:nvGraphicFramePr>
-          <p:cNvPr id="227" name="Tabella"/>
+          <p:cNvPr id="223" name="Tabella"/>
           <p:cNvGraphicFramePr/>
           <p:nvPr/>
         </p:nvGraphicFramePr>
         <p:xfrm>
-          <a:off x="7552266" y="1145115"/>
-          <a:ext cx="5078349" cy="3100588"/>
+          <a:off x="7552266" y="1145116"/>
+          <a:ext cx="5078348" cy="3100587"/>
         </p:xfrm>
         <a:graphic xmlns:a="http://schemas.openxmlformats.org/drawingml/2006/main">
           <a:graphicData uri="http://schemas.openxmlformats.org/drawingml/2006/table">
             <a:tbl>
               <a:tblPr firstCol="0" firstRow="0" lastCol="0" lastRow="0" bandCol="0" bandRow="1" rtl="0">
-                <a:tableStyleId>{4C3C2611-4C71-4FC5-86AE-919BDF0F9419}</a:tableStyleId>
+                <a:tableStyleId>{2708684C-4D16-4618-839F-0558EEFCDFE6}</a:tableStyleId>
               </a:tblPr>
               <a:tblGrid>
                 <a:gridCol w="3323093"/>
@@ -5814,7 +5771,7 @@
                           <a:solidFill>
                             <a:srgbClr val="838787"/>
                           </a:solidFill>
-                          <a:sym typeface="DIN Condensed"/>
+                          <a:sym typeface="Avenir Next Medium"/>
                         </a:rPr>
                         <a:t>Accuracy</a:t>
                       </a:r>
@@ -5849,7 +5806,7 @@
                           <a:solidFill>
                             <a:srgbClr val="838787"/>
                           </a:solidFill>
-                          <a:sym typeface="DIN Condensed"/>
+                          <a:sym typeface="Avenir Next Medium"/>
                         </a:rPr>
                         <a:t>0,83</a:t>
                       </a:r>
@@ -5886,7 +5843,7 @@
                           <a:solidFill>
                             <a:srgbClr val="838787"/>
                           </a:solidFill>
-                          <a:sym typeface="DIN Condensed"/>
+                          <a:sym typeface="Avenir Next Medium"/>
                         </a:rPr>
                         <a:t>Precision</a:t>
                       </a:r>
@@ -5918,7 +5875,7 @@
                           <a:solidFill>
                             <a:srgbClr val="838787"/>
                           </a:solidFill>
-                          <a:sym typeface="DIN Condensed"/>
+                          <a:sym typeface="Avenir Next Medium"/>
                         </a:rPr>
                         <a:t>0,70</a:t>
                       </a:r>
@@ -5952,7 +5909,7 @@
                           <a:solidFill>
                             <a:srgbClr val="838787"/>
                           </a:solidFill>
-                          <a:sym typeface="DIN Condensed"/>
+                          <a:sym typeface="Avenir Next Medium"/>
                         </a:rPr>
                         <a:t>Recall</a:t>
                       </a:r>
@@ -5984,7 +5941,7 @@
                           <a:solidFill>
                             <a:srgbClr val="838787"/>
                           </a:solidFill>
-                          <a:sym typeface="DIN Condensed"/>
+                          <a:sym typeface="Avenir Next Medium"/>
                         </a:rPr>
                         <a:t>0,46</a:t>
                       </a:r>
@@ -6018,7 +5975,7 @@
                           <a:solidFill>
                             <a:srgbClr val="838787"/>
                           </a:solidFill>
-                          <a:sym typeface="DIN Condensed"/>
+                          <a:sym typeface="Avenir Next Medium"/>
                         </a:rPr>
                         <a:t>F1-score</a:t>
                       </a:r>
@@ -6050,7 +6007,7 @@
                           <a:solidFill>
                             <a:srgbClr val="838787"/>
                           </a:solidFill>
-                          <a:sym typeface="DIN Condensed"/>
+                          <a:sym typeface="Avenir Next Medium"/>
                         </a:rPr>
                         <a:t>0,55</a:t>
                       </a:r>
@@ -6084,7 +6041,7 @@
                           <a:solidFill>
                             <a:srgbClr val="838787"/>
                           </a:solidFill>
-                          <a:sym typeface="DIN Condensed"/>
+                          <a:sym typeface="Avenir Next Medium"/>
                         </a:rPr>
                         <a:t>AUC</a:t>
                       </a:r>
@@ -6119,7 +6076,7 @@
                           <a:solidFill>
                             <a:srgbClr val="838787"/>
                           </a:solidFill>
-                          <a:sym typeface="DIN Condensed"/>
+                          <a:sym typeface="Avenir Next Medium"/>
                         </a:rPr>
                         <a:t>0,84</a:t>
                       </a:r>
@@ -6141,13 +6098,13 @@
       </p:graphicFrame>
       <p:sp>
         <p:nvSpPr>
-          <p:cNvPr id="228" name="Tempo creazione modello: 13 min…"/>
+          <p:cNvPr id="224" name="Tempo creazione modello: 13 min…"/>
           <p:cNvSpPr txBox="1"/>
           <p:nvPr/>
         </p:nvSpPr>
         <p:spPr>
           <a:xfrm>
-            <a:off x="74633" y="7921811"/>
+            <a:off x="74633" y="7921812"/>
             <a:ext cx="3411761" cy="1778001"/>
           </a:xfrm>
           <a:prstGeom prst="rect">
@@ -6168,33 +6125,13 @@
           </a:bodyPr>
           <a:lstStyle/>
           <a:p>
-            <a:pPr>
-              <a:defRPr>
-                <a:solidFill>
-                  <a:srgbClr val="838787"/>
-                </a:solidFill>
-                <a:latin typeface="Avenir Next Medium"/>
-                <a:ea typeface="Avenir Next Medium"/>
-                <a:cs typeface="Avenir Next Medium"/>
-                <a:sym typeface="Avenir Next Medium"/>
-              </a:defRPr>
-            </a:pPr>
+            <a:pPr/>
             <a:r>
               <a:t>Tempo creazione modello: 13 min</a:t>
             </a:r>
           </a:p>
           <a:p>
-            <a:pPr>
-              <a:defRPr>
-                <a:solidFill>
-                  <a:srgbClr val="838787"/>
-                </a:solidFill>
-                <a:latin typeface="Avenir Next Medium"/>
-                <a:ea typeface="Avenir Next Medium"/>
-                <a:cs typeface="Avenir Next Medium"/>
-                <a:sym typeface="Avenir Next Medium"/>
-              </a:defRPr>
-            </a:pPr>
+            <a:pPr/>
             <a:r>
               <a:t>Tempo calcolo predizione:  1 sec</a:t>
             </a:r>
@@ -6203,21 +6140,21 @@
       </p:sp>
       <p:grpSp>
         <p:nvGrpSpPr>
-          <p:cNvPr id="231" name="Galleria immagini"/>
+          <p:cNvPr id="227" name="Galleria immagini"/>
           <p:cNvGrpSpPr/>
           <p:nvPr/>
         </p:nvGrpSpPr>
         <p:grpSpPr>
           <a:xfrm>
-            <a:off x="6809085" y="4384695"/>
-            <a:ext cx="6065576" cy="5783662"/>
+            <a:off x="6809085" y="4384696"/>
+            <a:ext cx="6065574" cy="5783661"/>
             <a:chOff x="0" y="0"/>
-            <a:chExt cx="6065575" cy="5783660"/>
+            <a:chExt cx="6065573" cy="5783659"/>
           </a:xfrm>
         </p:grpSpPr>
         <p:pic>
           <p:nvPicPr>
-            <p:cNvPr id="229" name="ROCNN.jpg" descr="ROCNN.jpg"/>
+            <p:cNvPr id="225" name="ROCNN.jpg" descr="ROCNN.jpg"/>
             <p:cNvPicPr>
               <a:picLocks noChangeAspect="1"/>
             </p:cNvPicPr>
@@ -6234,8 +6171,8 @@
           </p:blipFill>
           <p:spPr>
             <a:xfrm>
-              <a:off x="-1" y="0"/>
-              <a:ext cx="6065577" cy="5212162"/>
+              <a:off x="0" y="0"/>
+              <a:ext cx="6065574" cy="5212160"/>
             </a:xfrm>
             <a:prstGeom prst="rect">
               <a:avLst/>
@@ -6249,14 +6186,14 @@
         </p:pic>
         <p:sp>
           <p:nvSpPr>
-            <p:cNvPr id="230" name="Scrivi per inserire una didascalia."/>
-            <p:cNvSpPr txBox="1"/>
+            <p:cNvPr id="226" name="Scrivi per inserire una didascalia."/>
+            <p:cNvSpPr/>
             <p:nvPr/>
           </p:nvSpPr>
           <p:spPr>
             <a:xfrm>
-              <a:off x="-1" y="5288360"/>
-              <a:ext cx="6065576" cy="495301"/>
+              <a:off x="0" y="5288359"/>
+              <a:ext cx="6065574" cy="495301"/>
             </a:xfrm>
             <a:prstGeom prst="rect">
               <a:avLst/>
@@ -6275,22 +6212,13 @@
           </p:spPr>
           <p:txBody>
             <a:bodyPr wrap="square" lIns="76200" tIns="76200" rIns="76200" bIns="76200" numCol="1" anchor="t">
-              <a:spAutoFit/>
+              <a:noAutofit/>
             </a:bodyPr>
             <a:lstStyle>
               <a:lvl1pPr>
                 <a:spcBef>
                   <a:spcPts val="0"/>
                 </a:spcBef>
-                <a:defRPr>
-                  <a:solidFill>
-                    <a:srgbClr val="838787"/>
-                  </a:solidFill>
-                  <a:latin typeface="Avenir Next Medium"/>
-                  <a:ea typeface="Avenir Next Medium"/>
-                  <a:cs typeface="Avenir Next Medium"/>
-                  <a:sym typeface="Avenir Next Medium"/>
-                </a:defRPr>
               </a:lvl1pPr>
             </a:lstStyle>
             <a:p>
@@ -6304,19 +6232,19 @@
       </p:grpSp>
       <p:graphicFrame>
         <p:nvGraphicFramePr>
-          <p:cNvPr id="232" name="Tabella"/>
+          <p:cNvPr id="228" name="Tabella"/>
           <p:cNvGraphicFramePr/>
           <p:nvPr/>
         </p:nvGraphicFramePr>
         <p:xfrm>
-          <a:off x="397933" y="1145115"/>
-          <a:ext cx="3872708" cy="1902754"/>
+          <a:off x="397933" y="1145116"/>
+          <a:ext cx="3872707" cy="1902752"/>
         </p:xfrm>
         <a:graphic xmlns:a="http://schemas.openxmlformats.org/drawingml/2006/main">
           <a:graphicData uri="http://schemas.openxmlformats.org/drawingml/2006/table">
             <a:tbl>
               <a:tblPr firstCol="0" firstRow="0" lastCol="0" lastRow="0" bandCol="0" bandRow="1" rtl="0">
-                <a:tableStyleId>{4C3C2611-4C71-4FC5-86AE-919BDF0F9419}</a:tableStyleId>
+                <a:tableStyleId>{2708684C-4D16-4618-839F-0558EEFCDFE6}</a:tableStyleId>
               </a:tblPr>
               <a:tblGrid>
                 <a:gridCol w="1218417"/>
@@ -6334,7 +6262,7 @@
                           <a:spcPct val="100000"/>
                         </a:lnSpc>
                         <a:defRPr sz="2500">
-                          <a:sym typeface="DIN Condensed"/>
+                          <a:sym typeface="Avenir Next Medium"/>
                         </a:defRPr>
                       </a:pPr>
                     </a:p>
@@ -6368,7 +6296,7 @@
                           <a:solidFill>
                             <a:srgbClr val="838787"/>
                           </a:solidFill>
-                          <a:sym typeface="DIN Condensed"/>
+                          <a:sym typeface="Avenir Next Medium"/>
                         </a:rPr>
                         <a:t>YES</a:t>
                       </a:r>
@@ -6400,7 +6328,7 @@
                           <a:solidFill>
                             <a:srgbClr val="838787"/>
                           </a:solidFill>
-                          <a:sym typeface="DIN Condensed"/>
+                          <a:sym typeface="Avenir Next Medium"/>
                         </a:rPr>
                         <a:t>NO</a:t>
                       </a:r>
@@ -6437,7 +6365,7 @@
                           <a:solidFill>
                             <a:srgbClr val="838787"/>
                           </a:solidFill>
-                          <a:sym typeface="DIN Condensed"/>
+                          <a:sym typeface="Avenir Next Medium"/>
                         </a:rPr>
                         <a:t>YES</a:t>
                       </a:r>
@@ -6469,7 +6397,7 @@
                           <a:solidFill>
                             <a:srgbClr val="838787"/>
                           </a:solidFill>
-                          <a:sym typeface="DIN Condensed"/>
+                          <a:sym typeface="Avenir Next Medium"/>
                         </a:rPr>
                         <a:t>3483</a:t>
                       </a:r>
@@ -6497,7 +6425,7 @@
                           <a:solidFill>
                             <a:srgbClr val="838787"/>
                           </a:solidFill>
-                          <a:sym typeface="DIN Condensed"/>
+                          <a:sym typeface="Avenir Next Medium"/>
                         </a:rPr>
                         <a:t>4090</a:t>
                       </a:r>
@@ -6531,7 +6459,7 @@
                           <a:solidFill>
                             <a:srgbClr val="838787"/>
                           </a:solidFill>
-                          <a:sym typeface="DIN Condensed"/>
+                          <a:sym typeface="Avenir Next Medium"/>
                         </a:rPr>
                         <a:t>NO</a:t>
                       </a:r>
@@ -6566,7 +6494,7 @@
                           <a:solidFill>
                             <a:srgbClr val="838787"/>
                           </a:solidFill>
-                          <a:sym typeface="DIN Condensed"/>
+                          <a:sym typeface="Avenir Next Medium"/>
                         </a:rPr>
                         <a:t>1447</a:t>
                       </a:r>
@@ -6598,7 +6526,7 @@
                           <a:solidFill>
                             <a:srgbClr val="838787"/>
                           </a:solidFill>
-                          <a:sym typeface="DIN Condensed"/>
+                          <a:sym typeface="Avenir Next Medium"/>
                         </a:rPr>
                         <a:t>24810</a:t>
                       </a:r>
@@ -6620,21 +6548,21 @@
       </p:graphicFrame>
       <p:grpSp>
         <p:nvGrpSpPr>
-          <p:cNvPr id="235" name="Galleria immagini"/>
+          <p:cNvPr id="231" name="Galleria immagini"/>
           <p:cNvGrpSpPr/>
           <p:nvPr/>
         </p:nvGrpSpPr>
         <p:grpSpPr>
           <a:xfrm>
             <a:off x="101599" y="3143349"/>
-            <a:ext cx="6253562" cy="4958160"/>
+            <a:ext cx="6253561" cy="4958160"/>
             <a:chOff x="0" y="0"/>
-            <a:chExt cx="6253561" cy="4958159"/>
+            <a:chExt cx="6253559" cy="4958159"/>
           </a:xfrm>
         </p:grpSpPr>
         <p:pic>
           <p:nvPicPr>
-            <p:cNvPr id="233" name="VarImpNN.jpg" descr="VarImpNN.jpg"/>
+            <p:cNvPr id="229" name="VarImpNN.jpg" descr="VarImpNN.jpg"/>
             <p:cNvPicPr>
               <a:picLocks noChangeAspect="1"/>
             </p:cNvPicPr>
@@ -6652,7 +6580,7 @@
           <p:spPr>
             <a:xfrm>
               <a:off x="0" y="0"/>
-              <a:ext cx="6253562" cy="4386661"/>
+              <a:ext cx="6253560" cy="4386660"/>
             </a:xfrm>
             <a:prstGeom prst="rect">
               <a:avLst/>
@@ -6666,14 +6594,14 @@
         </p:pic>
         <p:sp>
           <p:nvSpPr>
-            <p:cNvPr id="234" name="Scrivi per inserire una didascalia."/>
-            <p:cNvSpPr txBox="1"/>
+            <p:cNvPr id="230" name="Scrivi per inserire una didascalia."/>
+            <p:cNvSpPr/>
             <p:nvPr/>
           </p:nvSpPr>
           <p:spPr>
             <a:xfrm>
               <a:off x="0" y="4462859"/>
-              <a:ext cx="6253562" cy="495301"/>
+              <a:ext cx="6253560" cy="495301"/>
             </a:xfrm>
             <a:prstGeom prst="rect">
               <a:avLst/>
@@ -6692,22 +6620,13 @@
           </p:spPr>
           <p:txBody>
             <a:bodyPr wrap="square" lIns="76200" tIns="76200" rIns="76200" bIns="76200" numCol="1" anchor="t">
-              <a:spAutoFit/>
+              <a:noAutofit/>
             </a:bodyPr>
             <a:lstStyle>
               <a:lvl1pPr>
                 <a:spcBef>
                   <a:spcPts val="0"/>
                 </a:spcBef>
-                <a:defRPr>
-                  <a:solidFill>
-                    <a:srgbClr val="838787"/>
-                  </a:solidFill>
-                  <a:latin typeface="Avenir Next Medium"/>
-                  <a:ea typeface="Avenir Next Medium"/>
-                  <a:cs typeface="Avenir Next Medium"/>
-                  <a:sym typeface="Avenir Next Medium"/>
-                </a:defRPr>
               </a:lvl1pPr>
             </a:lstStyle>
             <a:p>
@@ -6747,7 +6666,7 @@
       </p:grpSpPr>
       <p:sp>
         <p:nvSpPr>
-          <p:cNvPr id="237" name="SVM - RADIAL KERNEL (HOLDOUT)"/>
+          <p:cNvPr id="233" name="SVM - RADIAL KERNEL (HOLDOUT)"/>
           <p:cNvSpPr txBox="1"/>
           <p:nvPr>
             <p:ph type="title"/>
@@ -6782,19 +6701,19 @@
       </p:sp>
       <p:graphicFrame>
         <p:nvGraphicFramePr>
-          <p:cNvPr id="238" name="Tabella"/>
+          <p:cNvPr id="234" name="Tabella"/>
           <p:cNvGraphicFramePr/>
           <p:nvPr/>
         </p:nvGraphicFramePr>
         <p:xfrm>
-          <a:off x="7552266" y="1145115"/>
-          <a:ext cx="5078349" cy="3100588"/>
+          <a:off x="7552266" y="1145116"/>
+          <a:ext cx="5078348" cy="3100587"/>
         </p:xfrm>
         <a:graphic xmlns:a="http://schemas.openxmlformats.org/drawingml/2006/main">
           <a:graphicData uri="http://schemas.openxmlformats.org/drawingml/2006/table">
             <a:tbl>
               <a:tblPr firstCol="0" firstRow="0" lastCol="0" lastRow="0" bandCol="0" bandRow="1" rtl="0">
-                <a:tableStyleId>{4C3C2611-4C71-4FC5-86AE-919BDF0F9419}</a:tableStyleId>
+                <a:tableStyleId>{2708684C-4D16-4618-839F-0558EEFCDFE6}</a:tableStyleId>
               </a:tblPr>
               <a:tblGrid>
                 <a:gridCol w="3323093"/>
@@ -6821,7 +6740,7 @@
                           <a:solidFill>
                             <a:srgbClr val="838787"/>
                           </a:solidFill>
-                          <a:sym typeface="DIN Condensed"/>
+                          <a:sym typeface="Avenir Next Medium"/>
                         </a:rPr>
                         <a:t>Accuracy</a:t>
                       </a:r>
@@ -6856,7 +6775,7 @@
                           <a:solidFill>
                             <a:srgbClr val="838787"/>
                           </a:solidFill>
-                          <a:sym typeface="DIN Condensed"/>
+                          <a:sym typeface="Avenir Next Medium"/>
                         </a:rPr>
                         <a:t>0,84</a:t>
                       </a:r>
@@ -6893,7 +6812,7 @@
                           <a:solidFill>
                             <a:srgbClr val="838787"/>
                           </a:solidFill>
-                          <a:sym typeface="DIN Condensed"/>
+                          <a:sym typeface="Avenir Next Medium"/>
                         </a:rPr>
                         <a:t>Precision</a:t>
                       </a:r>
@@ -6925,7 +6844,7 @@
                           <a:solidFill>
                             <a:srgbClr val="838787"/>
                           </a:solidFill>
-                          <a:sym typeface="DIN Condensed"/>
+                          <a:sym typeface="Avenir Next Medium"/>
                         </a:rPr>
                         <a:t>0,79</a:t>
                       </a:r>
@@ -6959,7 +6878,7 @@
                           <a:solidFill>
                             <a:srgbClr val="838787"/>
                           </a:solidFill>
-                          <a:sym typeface="DIN Condensed"/>
+                          <a:sym typeface="Avenir Next Medium"/>
                         </a:rPr>
                         <a:t>Recall</a:t>
                       </a:r>
@@ -6991,7 +6910,7 @@
                           <a:solidFill>
                             <a:srgbClr val="838787"/>
                           </a:solidFill>
-                          <a:sym typeface="DIN Condensed"/>
+                          <a:sym typeface="Avenir Next Medium"/>
                         </a:rPr>
                         <a:t>0,39</a:t>
                       </a:r>
@@ -7025,7 +6944,7 @@
                           <a:solidFill>
                             <a:srgbClr val="838787"/>
                           </a:solidFill>
-                          <a:sym typeface="DIN Condensed"/>
+                          <a:sym typeface="Avenir Next Medium"/>
                         </a:rPr>
                         <a:t>F1-score</a:t>
                       </a:r>
@@ -7060,7 +6979,7 @@
                           <a:solidFill>
                             <a:srgbClr val="838787"/>
                           </a:solidFill>
-                          <a:sym typeface="DIN Condensed"/>
+                          <a:sym typeface="Avenir Next Medium"/>
                         </a:rPr>
                         <a:t>0,52</a:t>
                       </a:r>
@@ -7082,13 +7001,13 @@
       </p:graphicFrame>
       <p:sp>
         <p:nvSpPr>
-          <p:cNvPr id="239" name="Tempo creazione modello: 17 min…"/>
+          <p:cNvPr id="235" name="Tempo creazione modello: 17 min…"/>
           <p:cNvSpPr txBox="1"/>
           <p:nvPr/>
         </p:nvSpPr>
         <p:spPr>
           <a:xfrm>
-            <a:off x="74633" y="7921811"/>
+            <a:off x="74633" y="7921812"/>
             <a:ext cx="3411761" cy="1778001"/>
           </a:xfrm>
           <a:prstGeom prst="rect">
@@ -7109,33 +7028,13 @@
           </a:bodyPr>
           <a:lstStyle/>
           <a:p>
-            <a:pPr>
-              <a:defRPr>
-                <a:solidFill>
-                  <a:srgbClr val="838787"/>
-                </a:solidFill>
-                <a:latin typeface="Avenir Next Medium"/>
-                <a:ea typeface="Avenir Next Medium"/>
-                <a:cs typeface="Avenir Next Medium"/>
-                <a:sym typeface="Avenir Next Medium"/>
-              </a:defRPr>
-            </a:pPr>
+            <a:pPr/>
             <a:r>
               <a:t>Tempo creazione modello: 17 min</a:t>
             </a:r>
           </a:p>
           <a:p>
-            <a:pPr>
-              <a:defRPr>
-                <a:solidFill>
-                  <a:srgbClr val="838787"/>
-                </a:solidFill>
-                <a:latin typeface="Avenir Next Medium"/>
-                <a:ea typeface="Avenir Next Medium"/>
-                <a:cs typeface="Avenir Next Medium"/>
-                <a:sym typeface="Avenir Next Medium"/>
-              </a:defRPr>
-            </a:pPr>
+            <a:pPr/>
             <a:r>
               <a:t>Tempo calcolo predizione:  2 min</a:t>
             </a:r>
@@ -7144,19 +7043,19 @@
       </p:sp>
       <p:graphicFrame>
         <p:nvGraphicFramePr>
-          <p:cNvPr id="240" name="Tabella"/>
+          <p:cNvPr id="236" name="Tabella"/>
           <p:cNvGraphicFramePr/>
           <p:nvPr/>
         </p:nvGraphicFramePr>
         <p:xfrm>
-          <a:off x="397933" y="1145115"/>
-          <a:ext cx="3872708" cy="1902754"/>
+          <a:off x="397933" y="1145116"/>
+          <a:ext cx="3872707" cy="1902752"/>
         </p:xfrm>
         <a:graphic xmlns:a="http://schemas.openxmlformats.org/drawingml/2006/main">
           <a:graphicData uri="http://schemas.openxmlformats.org/drawingml/2006/table">
             <a:tbl>
               <a:tblPr firstCol="0" firstRow="0" lastCol="0" lastRow="0" bandCol="0" bandRow="1" rtl="0">
-                <a:tableStyleId>{4C3C2611-4C71-4FC5-86AE-919BDF0F9419}</a:tableStyleId>
+                <a:tableStyleId>{2708684C-4D16-4618-839F-0558EEFCDFE6}</a:tableStyleId>
               </a:tblPr>
               <a:tblGrid>
                 <a:gridCol w="1218417"/>
@@ -7174,7 +7073,7 @@
                           <a:spcPct val="100000"/>
                         </a:lnSpc>
                         <a:defRPr sz="2500">
-                          <a:sym typeface="DIN Condensed"/>
+                          <a:sym typeface="Avenir Next Medium"/>
                         </a:defRPr>
                       </a:pPr>
                     </a:p>
@@ -7208,7 +7107,7 @@
                           <a:solidFill>
                             <a:srgbClr val="838787"/>
                           </a:solidFill>
-                          <a:sym typeface="DIN Condensed"/>
+                          <a:sym typeface="Avenir Next Medium"/>
                         </a:rPr>
                         <a:t>YES</a:t>
                       </a:r>
@@ -7240,7 +7139,7 @@
                           <a:solidFill>
                             <a:srgbClr val="838787"/>
                           </a:solidFill>
-                          <a:sym typeface="DIN Condensed"/>
+                          <a:sym typeface="Avenir Next Medium"/>
                         </a:rPr>
                         <a:t>NO</a:t>
                       </a:r>
@@ -7277,7 +7176,7 @@
                           <a:solidFill>
                             <a:srgbClr val="838787"/>
                           </a:solidFill>
-                          <a:sym typeface="DIN Condensed"/>
+                          <a:sym typeface="Avenir Next Medium"/>
                         </a:rPr>
                         <a:t>YES</a:t>
                       </a:r>
@@ -7309,7 +7208,7 @@
                           <a:solidFill>
                             <a:srgbClr val="838787"/>
                           </a:solidFill>
-                          <a:sym typeface="DIN Condensed"/>
+                          <a:sym typeface="Avenir Next Medium"/>
                         </a:rPr>
                         <a:t>2990</a:t>
                       </a:r>
@@ -7337,7 +7236,7 @@
                           <a:solidFill>
                             <a:srgbClr val="838787"/>
                           </a:solidFill>
-                          <a:sym typeface="DIN Condensed"/>
+                          <a:sym typeface="Avenir Next Medium"/>
                         </a:rPr>
                         <a:t>787</a:t>
                       </a:r>
@@ -7371,7 +7270,7 @@
                           <a:solidFill>
                             <a:srgbClr val="838787"/>
                           </a:solidFill>
-                          <a:sym typeface="DIN Condensed"/>
+                          <a:sym typeface="Avenir Next Medium"/>
                         </a:rPr>
                         <a:t>NO</a:t>
                       </a:r>
@@ -7406,7 +7305,7 @@
                           <a:solidFill>
                             <a:srgbClr val="838787"/>
                           </a:solidFill>
-                          <a:sym typeface="DIN Condensed"/>
+                          <a:sym typeface="Avenir Next Medium"/>
                         </a:rPr>
                         <a:t>4583</a:t>
                       </a:r>
@@ -7438,7 +7337,7 @@
                           <a:solidFill>
                             <a:srgbClr val="838787"/>
                           </a:solidFill>
-                          <a:sym typeface="DIN Condensed"/>
+                          <a:sym typeface="Avenir Next Medium"/>
                         </a:rPr>
                         <a:t>25470</a:t>
                       </a:r>
@@ -7486,7 +7385,7 @@
       </p:grpSpPr>
       <p:sp>
         <p:nvSpPr>
-          <p:cNvPr id="242" name="ROC"/>
+          <p:cNvPr id="238" name="ROC"/>
           <p:cNvSpPr txBox="1"/>
           <p:nvPr>
             <p:ph type="title"/>
@@ -7521,21 +7420,21 @@
       </p:sp>
       <p:grpSp>
         <p:nvGrpSpPr>
-          <p:cNvPr id="245" name="Galleria immagini"/>
+          <p:cNvPr id="241" name="Galleria immagini"/>
           <p:cNvGrpSpPr/>
           <p:nvPr/>
         </p:nvGrpSpPr>
         <p:grpSpPr>
           <a:xfrm>
-            <a:off x="1360752" y="1430865"/>
-            <a:ext cx="10283298" cy="6637869"/>
+            <a:off x="1360752" y="1430866"/>
+            <a:ext cx="10283296" cy="6637868"/>
             <a:chOff x="0" y="0"/>
-            <a:chExt cx="10283297" cy="6637867"/>
+            <a:chExt cx="10283295" cy="6637866"/>
           </a:xfrm>
         </p:grpSpPr>
         <p:pic>
           <p:nvPicPr>
-            <p:cNvPr id="243" name="ROC.jpeg" descr="ROC.jpeg"/>
+            <p:cNvPr id="239" name="ROC.jpeg" descr="ROC.jpeg"/>
             <p:cNvPicPr>
               <a:picLocks noChangeAspect="1"/>
             </p:cNvPicPr>
@@ -7552,8 +7451,8 @@
           </p:blipFill>
           <p:spPr>
             <a:xfrm>
-              <a:off x="0" y="-1"/>
-              <a:ext cx="10283298" cy="6066370"/>
+              <a:off x="0" y="0"/>
+              <a:ext cx="10283296" cy="6066367"/>
             </a:xfrm>
             <a:prstGeom prst="rect">
               <a:avLst/>
@@ -7567,14 +7466,14 @@
         </p:pic>
         <p:sp>
           <p:nvSpPr>
-            <p:cNvPr id="244" name="Scrivi per inserire una didascalia."/>
-            <p:cNvSpPr txBox="1"/>
+            <p:cNvPr id="240" name="Scrivi per inserire una didascalia."/>
+            <p:cNvSpPr/>
             <p:nvPr/>
           </p:nvSpPr>
           <p:spPr>
             <a:xfrm>
-              <a:off x="0" y="6142567"/>
-              <a:ext cx="10283298" cy="495301"/>
+              <a:off x="0" y="6142566"/>
+              <a:ext cx="10283296" cy="495301"/>
             </a:xfrm>
             <a:prstGeom prst="rect">
               <a:avLst/>
@@ -7593,22 +7492,13 @@
           </p:spPr>
           <p:txBody>
             <a:bodyPr wrap="square" lIns="76200" tIns="76200" rIns="76200" bIns="76200" numCol="1" anchor="t">
-              <a:spAutoFit/>
+              <a:noAutofit/>
             </a:bodyPr>
             <a:lstStyle>
               <a:lvl1pPr>
                 <a:spcBef>
                   <a:spcPts val="0"/>
                 </a:spcBef>
-                <a:defRPr>
-                  <a:solidFill>
-                    <a:srgbClr val="838787"/>
-                  </a:solidFill>
-                  <a:latin typeface="Avenir Next Medium"/>
-                  <a:ea typeface="Avenir Next Medium"/>
-                  <a:cs typeface="Avenir Next Medium"/>
-                  <a:sym typeface="Avenir Next Medium"/>
-                </a:defRPr>
               </a:lvl1pPr>
             </a:lstStyle>
             <a:p>
@@ -7622,14 +7512,14 @@
       </p:grpSp>
       <p:sp>
         <p:nvSpPr>
-          <p:cNvPr id="246" name="Dal grafico è facile intuire come i modelli con ROC migliore siano NeuralNetwork e RandomForest, mentre il peggiore è DecisionTree."/>
+          <p:cNvPr id="242" name="Dal grafico è facile intuire come i modelli con ROC migliore siano NeuralNetwork e RandomForest, mentre il peggiore è DecisionTree."/>
           <p:cNvSpPr txBox="1"/>
           <p:nvPr/>
         </p:nvSpPr>
         <p:spPr>
           <a:xfrm>
-            <a:off x="701166" y="8475133"/>
-            <a:ext cx="11602468" cy="965201"/>
+            <a:off x="701167" y="8475133"/>
+            <a:ext cx="11602466" cy="965201"/>
           </a:xfrm>
           <a:prstGeom prst="rect">
             <a:avLst/>
@@ -7649,15 +7539,7 @@
           </a:bodyPr>
           <a:lstStyle>
             <a:lvl1pPr>
-              <a:defRPr sz="2500">
-                <a:solidFill>
-                  <a:srgbClr val="838787"/>
-                </a:solidFill>
-                <a:latin typeface="Avenir Next Medium"/>
-                <a:ea typeface="Avenir Next Medium"/>
-                <a:cs typeface="Avenir Next Medium"/>
-                <a:sym typeface="Avenir Next Medium"/>
-              </a:defRPr>
+              <a:defRPr sz="2500"/>
             </a:lvl1pPr>
           </a:lstStyle>
           <a:p>
@@ -7696,7 +7578,7 @@
       </p:grpSpPr>
       <p:sp>
         <p:nvSpPr>
-          <p:cNvPr id="248" name="Conclusioni"/>
+          <p:cNvPr id="244" name="Conclusioni"/>
           <p:cNvSpPr txBox="1"/>
           <p:nvPr>
             <p:ph type="title"/>
@@ -7731,7 +7613,7 @@
       </p:sp>
       <p:sp>
         <p:nvSpPr>
-          <p:cNvPr id="249" name="La scelta del modello con migliore rapporto performance-tempo è strettamente legata al contesto di utilizzo.…"/>
+          <p:cNvPr id="245" name="La scelta del modello con migliore rapporto performance-tempo è strettamente legata al contesto di utilizzo.…"/>
           <p:cNvSpPr txBox="1"/>
           <p:nvPr>
             <p:ph type="body" idx="1"/>
@@ -7739,177 +7621,79 @@
         </p:nvSpPr>
         <p:spPr>
           <a:xfrm>
-            <a:off x="406400" y="1389210"/>
-            <a:ext cx="12192000" cy="8217994"/>
+            <a:off x="406400" y="1389211"/>
+            <a:ext cx="12192000" cy="8217992"/>
           </a:xfrm>
           <a:prstGeom prst="rect">
             <a:avLst/>
           </a:prstGeom>
         </p:spPr>
         <p:txBody>
-          <a:bodyPr anchor="t"/>
+          <a:bodyPr/>
           <a:lstStyle/>
           <a:p>
-            <a:pPr marL="444500" indent="-444500" defTabSz="584200">
-              <a:lnSpc>
-                <a:spcPct val="100000"/>
-              </a:lnSpc>
+            <a:pPr>
               <a:spcBef>
                 <a:spcPts val="1000"/>
               </a:spcBef>
-              <a:buClr>
-                <a:schemeClr val="accent1"/>
-              </a:buClr>
-              <a:buSzPct val="104999"/>
-              <a:buFont typeface="Avenir Next"/>
-              <a:buChar char="▸"/>
-              <a:defRPr cap="none" spc="0" sz="3000">
-                <a:latin typeface="Avenir Next Medium"/>
-                <a:ea typeface="Avenir Next Medium"/>
-                <a:cs typeface="Avenir Next Medium"/>
-                <a:sym typeface="Avenir Next Medium"/>
-              </a:defRPr>
+              <a:defRPr sz="3000"/>
             </a:pPr>
             <a:r>
               <a:t>La scelta del modello con migliore rapporto performance-tempo è strettamente legata al contesto di utilizzo.</a:t>
             </a:r>
           </a:p>
           <a:p>
-            <a:pPr marL="444500" indent="-444500" defTabSz="584200">
-              <a:lnSpc>
-                <a:spcPct val="100000"/>
-              </a:lnSpc>
+            <a:pPr>
               <a:spcBef>
                 <a:spcPts val="1000"/>
               </a:spcBef>
-              <a:buClr>
-                <a:schemeClr val="accent1"/>
-              </a:buClr>
-              <a:buSzPct val="104999"/>
-              <a:buFont typeface="Avenir Next"/>
-              <a:buChar char="▸"/>
-              <a:defRPr cap="none" spc="0" sz="3000">
-                <a:latin typeface="Avenir Next Medium"/>
-                <a:ea typeface="Avenir Next Medium"/>
-                <a:cs typeface="Avenir Next Medium"/>
-                <a:sym typeface="Avenir Next Medium"/>
-              </a:defRPr>
+              <a:defRPr sz="3000"/>
             </a:pPr>
           </a:p>
           <a:p>
-            <a:pPr marL="444500" indent="-444500" defTabSz="584200">
-              <a:lnSpc>
-                <a:spcPct val="100000"/>
-              </a:lnSpc>
+            <a:pPr>
               <a:spcBef>
                 <a:spcPts val="1000"/>
               </a:spcBef>
-              <a:buClr>
-                <a:schemeClr val="accent1"/>
-              </a:buClr>
-              <a:buSzPct val="104999"/>
-              <a:buFont typeface="Avenir Next"/>
-              <a:buChar char="▸"/>
-              <a:defRPr cap="none" spc="0" sz="3000">
-                <a:latin typeface="Avenir Next Medium"/>
-                <a:ea typeface="Avenir Next Medium"/>
-                <a:cs typeface="Avenir Next Medium"/>
-                <a:sym typeface="Avenir Next Medium"/>
-              </a:defRPr>
+              <a:defRPr sz="3000"/>
             </a:pPr>
             <a:r>
               <a:t>Se l’obiettivo è un modello molto veloce, anche sacrificando leggermente le performance, la scelta migliore è DecisionTree, in quanto è risultato veloce, semplice da interpretare e con un buone performance.</a:t>
             </a:r>
           </a:p>
           <a:p>
-            <a:pPr marL="444500" indent="-444500" defTabSz="584200">
-              <a:lnSpc>
-                <a:spcPct val="100000"/>
-              </a:lnSpc>
+            <a:pPr>
               <a:spcBef>
                 <a:spcPts val="1000"/>
               </a:spcBef>
-              <a:buClr>
-                <a:schemeClr val="accent1"/>
-              </a:buClr>
-              <a:buSzPct val="104999"/>
-              <a:buFont typeface="Avenir Next"/>
-              <a:buChar char="▸"/>
-              <a:defRPr cap="none" spc="0" sz="3000">
-                <a:latin typeface="Avenir Next Medium"/>
-                <a:ea typeface="Avenir Next Medium"/>
-                <a:cs typeface="Avenir Next Medium"/>
-                <a:sym typeface="Avenir Next Medium"/>
-              </a:defRPr>
+              <a:defRPr sz="3000"/>
             </a:pPr>
           </a:p>
           <a:p>
-            <a:pPr marL="444500" indent="-444500" defTabSz="584200">
-              <a:lnSpc>
-                <a:spcPct val="100000"/>
-              </a:lnSpc>
+            <a:pPr>
               <a:spcBef>
                 <a:spcPts val="1000"/>
               </a:spcBef>
-              <a:buClr>
-                <a:schemeClr val="accent1"/>
-              </a:buClr>
-              <a:buSzPct val="104999"/>
-              <a:buFont typeface="Avenir Next"/>
-              <a:buChar char="▸"/>
-              <a:defRPr cap="none" spc="0" sz="3000">
-                <a:latin typeface="Avenir Next Medium"/>
-                <a:ea typeface="Avenir Next Medium"/>
-                <a:cs typeface="Avenir Next Medium"/>
-                <a:sym typeface="Avenir Next Medium"/>
-              </a:defRPr>
+              <a:defRPr sz="3000"/>
             </a:pPr>
             <a:r>
-              <a:t>Al contrario se l’obiettivo è perfomance elevate, i modelli migliori sono RandomForest e NeuralNetwork.</a:t>
-            </a:r>
-          </a:p>
-          <a:p>
-            <a:pPr marL="444500" indent="-444500" defTabSz="584200">
-              <a:lnSpc>
-                <a:spcPct val="100000"/>
-              </a:lnSpc>
+              <a:t>Al contrario se l’obiettivo è ottenere performance elevate, i modelli migliori sono RandomForest e NeuralNetwork.</a:t>
+            </a:r>
+          </a:p>
+          <a:p>
+            <a:pPr>
               <a:spcBef>
                 <a:spcPts val="1000"/>
               </a:spcBef>
-              <a:buClr>
-                <a:schemeClr val="accent1"/>
-              </a:buClr>
-              <a:buSzPct val="104999"/>
-              <a:buFont typeface="Avenir Next"/>
-              <a:buChar char="▸"/>
-              <a:defRPr cap="none" spc="0" sz="3000">
-                <a:latin typeface="Avenir Next Medium"/>
-                <a:ea typeface="Avenir Next Medium"/>
-                <a:cs typeface="Avenir Next Medium"/>
-                <a:sym typeface="Avenir Next Medium"/>
-              </a:defRPr>
+              <a:defRPr sz="3000"/>
             </a:pPr>
           </a:p>
           <a:p>
-            <a:pPr marL="444500" indent="-444500" defTabSz="584200">
-              <a:lnSpc>
-                <a:spcPct val="100000"/>
-              </a:lnSpc>
+            <a:pPr>
               <a:spcBef>
                 <a:spcPts val="1000"/>
               </a:spcBef>
-              <a:buClr>
-                <a:schemeClr val="accent1"/>
-              </a:buClr>
-              <a:buSzPct val="104999"/>
-              <a:buFont typeface="Avenir Next"/>
-              <a:buChar char="▸"/>
-              <a:defRPr cap="none" spc="0" sz="3000">
-                <a:latin typeface="Avenir Next Medium"/>
-                <a:ea typeface="Avenir Next Medium"/>
-                <a:cs typeface="Avenir Next Medium"/>
-                <a:sym typeface="Avenir Next Medium"/>
-              </a:defRPr>
+              <a:defRPr sz="3000"/>
             </a:pPr>
             <a:r>
               <a:t>Il modello NaiveBayes è da escludere, infatti ha performance di predizione della classe positiva molto bassa. Mentre il modello SVM è risultato troppo oneroso da allenare.</a:t>
@@ -7945,7 +7729,7 @@
       </p:grpSpPr>
       <p:sp>
         <p:nvSpPr>
-          <p:cNvPr id="251" name="Sviluppi futuri"/>
+          <p:cNvPr id="247" name="Sviluppi futuri"/>
           <p:cNvSpPr txBox="1"/>
           <p:nvPr>
             <p:ph type="title"/>
@@ -7980,7 +7764,7 @@
       </p:sp>
       <p:sp>
         <p:nvSpPr>
-          <p:cNvPr id="252" name="Migliorare fase di preprocessing, andando a modificare nel modo opportuno i valori nulli.…"/>
+          <p:cNvPr id="248" name="Migliorare fase di preprocessing, andando a modificare nel modo opportuno i valori nulli.…"/>
           <p:cNvSpPr txBox="1"/>
           <p:nvPr>
             <p:ph type="body" idx="1"/>
@@ -7988,177 +7772,79 @@
         </p:nvSpPr>
         <p:spPr>
           <a:xfrm>
-            <a:off x="406400" y="1389210"/>
-            <a:ext cx="12192000" cy="8217994"/>
+            <a:off x="406400" y="1389211"/>
+            <a:ext cx="12192000" cy="8217992"/>
           </a:xfrm>
           <a:prstGeom prst="rect">
             <a:avLst/>
           </a:prstGeom>
         </p:spPr>
         <p:txBody>
-          <a:bodyPr anchor="t"/>
+          <a:bodyPr/>
           <a:lstStyle/>
           <a:p>
-            <a:pPr marL="444498" indent="-444498" defTabSz="584200">
-              <a:lnSpc>
-                <a:spcPct val="100000"/>
-              </a:lnSpc>
+            <a:pPr marL="444499" indent="-444499">
               <a:spcBef>
                 <a:spcPts val="1000"/>
               </a:spcBef>
-              <a:buClr>
-                <a:schemeClr val="accent1"/>
-              </a:buClr>
-              <a:buSzPct val="104999"/>
-              <a:buFont typeface="Avenir Next"/>
-              <a:buChar char="▸"/>
-              <a:defRPr cap="none" spc="0" sz="3500">
-                <a:latin typeface="Avenir Next Medium"/>
-                <a:ea typeface="Avenir Next Medium"/>
-                <a:cs typeface="Avenir Next Medium"/>
-                <a:sym typeface="Avenir Next Medium"/>
-              </a:defRPr>
+              <a:defRPr sz="3500"/>
             </a:pPr>
             <a:r>
               <a:t>Migliorare fase di preprocessing, andando a modificare nel modo opportuno i valori nulli.</a:t>
             </a:r>
           </a:p>
           <a:p>
-            <a:pPr marL="444498" indent="-444498" defTabSz="584200">
-              <a:lnSpc>
-                <a:spcPct val="100000"/>
-              </a:lnSpc>
+            <a:pPr marL="444499" indent="-444499">
               <a:spcBef>
                 <a:spcPts val="1000"/>
               </a:spcBef>
-              <a:buClr>
-                <a:schemeClr val="accent1"/>
-              </a:buClr>
-              <a:buSzPct val="104999"/>
-              <a:buFont typeface="Avenir Next"/>
-              <a:buChar char="▸"/>
-              <a:defRPr cap="none" spc="0" sz="3500">
-                <a:latin typeface="Avenir Next Medium"/>
-                <a:ea typeface="Avenir Next Medium"/>
-                <a:cs typeface="Avenir Next Medium"/>
-                <a:sym typeface="Avenir Next Medium"/>
-              </a:defRPr>
+              <a:defRPr sz="3500"/>
             </a:pPr>
           </a:p>
           <a:p>
-            <a:pPr marL="444498" indent="-444498" defTabSz="584200">
-              <a:lnSpc>
-                <a:spcPct val="100000"/>
-              </a:lnSpc>
+            <a:pPr marL="444499" indent="-444499">
               <a:spcBef>
                 <a:spcPts val="1000"/>
               </a:spcBef>
-              <a:buClr>
-                <a:schemeClr val="accent1"/>
-              </a:buClr>
-              <a:buSzPct val="104999"/>
-              <a:buFont typeface="Avenir Next"/>
-              <a:buChar char="▸"/>
-              <a:defRPr cap="none" spc="0" sz="3500">
-                <a:latin typeface="Avenir Next Medium"/>
-                <a:ea typeface="Avenir Next Medium"/>
-                <a:cs typeface="Avenir Next Medium"/>
-                <a:sym typeface="Avenir Next Medium"/>
-              </a:defRPr>
+              <a:defRPr sz="3500"/>
             </a:pPr>
             <a:r>
               <a:t>Partire dai risultati di feature importance dei vari modelli, per selezionare le feature più importanti già in fase di preprocessing.</a:t>
             </a:r>
           </a:p>
           <a:p>
-            <a:pPr marL="444498" indent="-444498" defTabSz="584200">
-              <a:lnSpc>
-                <a:spcPct val="100000"/>
-              </a:lnSpc>
+            <a:pPr marL="444499" indent="-444499">
               <a:spcBef>
                 <a:spcPts val="1000"/>
               </a:spcBef>
-              <a:buClr>
-                <a:schemeClr val="accent1"/>
-              </a:buClr>
-              <a:buSzPct val="104999"/>
-              <a:buFont typeface="Avenir Next"/>
-              <a:buChar char="▸"/>
-              <a:defRPr cap="none" spc="0" sz="3500">
-                <a:latin typeface="Avenir Next Medium"/>
-                <a:ea typeface="Avenir Next Medium"/>
-                <a:cs typeface="Avenir Next Medium"/>
-                <a:sym typeface="Avenir Next Medium"/>
-              </a:defRPr>
+              <a:defRPr sz="3500"/>
             </a:pPr>
           </a:p>
           <a:p>
-            <a:pPr marL="444498" indent="-444498" defTabSz="584200">
-              <a:lnSpc>
-                <a:spcPct val="100000"/>
-              </a:lnSpc>
+            <a:pPr marL="444499" indent="-444499">
               <a:spcBef>
                 <a:spcPts val="1000"/>
               </a:spcBef>
-              <a:buClr>
-                <a:schemeClr val="accent1"/>
-              </a:buClr>
-              <a:buSzPct val="104999"/>
-              <a:buFont typeface="Avenir Next"/>
-              <a:buChar char="▸"/>
-              <a:defRPr cap="none" spc="0" sz="3500">
-                <a:latin typeface="Avenir Next Medium"/>
-                <a:ea typeface="Avenir Next Medium"/>
-                <a:cs typeface="Avenir Next Medium"/>
-                <a:sym typeface="Avenir Next Medium"/>
-              </a:defRPr>
+              <a:defRPr sz="3500"/>
             </a:pPr>
             <a:r>
               <a:t>Migliorare scelta iperparametri per i vari modelli.</a:t>
             </a:r>
           </a:p>
           <a:p>
-            <a:pPr marL="444498" indent="-444498" defTabSz="584200">
-              <a:lnSpc>
-                <a:spcPct val="100000"/>
-              </a:lnSpc>
+            <a:pPr marL="444499" indent="-444499">
               <a:spcBef>
                 <a:spcPts val="1000"/>
               </a:spcBef>
-              <a:buClr>
-                <a:schemeClr val="accent1"/>
-              </a:buClr>
-              <a:buSzPct val="104999"/>
-              <a:buFont typeface="Avenir Next"/>
-              <a:buChar char="▸"/>
-              <a:defRPr cap="none" spc="0" sz="3500">
-                <a:latin typeface="Avenir Next Medium"/>
-                <a:ea typeface="Avenir Next Medium"/>
-                <a:cs typeface="Avenir Next Medium"/>
-                <a:sym typeface="Avenir Next Medium"/>
-              </a:defRPr>
+              <a:defRPr sz="3500"/>
             </a:pPr>
           </a:p>
           <a:p>
-            <a:pPr marL="444498" indent="-444498" defTabSz="584200">
-              <a:lnSpc>
-                <a:spcPct val="100000"/>
-              </a:lnSpc>
+            <a:pPr marL="444499" indent="-444499">
               <a:spcBef>
                 <a:spcPts val="1000"/>
               </a:spcBef>
-              <a:buClr>
-                <a:schemeClr val="accent1"/>
-              </a:buClr>
-              <a:buSzPct val="104999"/>
-              <a:buFont typeface="Avenir Next"/>
-              <a:buChar char="▸"/>
-              <a:defRPr cap="none" spc="0" sz="3500">
-                <a:latin typeface="Avenir Next Medium"/>
-                <a:ea typeface="Avenir Next Medium"/>
-                <a:cs typeface="Avenir Next Medium"/>
-                <a:sym typeface="Avenir Next Medium"/>
-              </a:defRPr>
+              <a:defRPr sz="3500"/>
             </a:pPr>
             <a:r>
               <a:t>Utilizzare modelli più complessi, come ad esempio Deep Learning.</a:t>
@@ -8194,7 +7880,7 @@
       </p:grpSpPr>
       <p:sp>
         <p:nvSpPr>
-          <p:cNvPr id="173" name="DOMINIO, OBIETTIVI"/>
+          <p:cNvPr id="169" name="DOMINIO, OBIETTIVI"/>
           <p:cNvSpPr txBox="1"/>
           <p:nvPr>
             <p:ph type="title"/>
@@ -8229,7 +7915,7 @@
       </p:sp>
       <p:sp>
         <p:nvSpPr>
-          <p:cNvPr id="174" name="Dominio:                                                                                          Il dataset preso in esame rappresenta le osservazioni atmosferiche di diverse stazioni meteo in Australia dal 01/11/2007 al 25/06/2017.…"/>
+          <p:cNvPr id="170" name="Dominio:                                                                                          Il dataset preso in esame rappresenta le osservazioni atmosferiche di diverse stazioni meteo in Australia dal 01/11/2007 al 25/06/2017.…"/>
           <p:cNvSpPr txBox="1"/>
           <p:nvPr>
             <p:ph type="body" idx="1"/>
@@ -8238,85 +7924,28 @@
         <p:spPr>
           <a:xfrm>
             <a:off x="406400" y="1389211"/>
-            <a:ext cx="12192000" cy="7462688"/>
+            <a:ext cx="12192000" cy="7462689"/>
           </a:xfrm>
           <a:prstGeom prst="rect">
             <a:avLst/>
           </a:prstGeom>
         </p:spPr>
         <p:txBody>
-          <a:bodyPr anchor="t"/>
+          <a:bodyPr/>
           <a:lstStyle/>
           <a:p>
-            <a:pPr marL="444500" indent="-444500" defTabSz="584200">
-              <a:lnSpc>
-                <a:spcPct val="100000"/>
-              </a:lnSpc>
-              <a:spcBef>
-                <a:spcPts val="2800"/>
-              </a:spcBef>
-              <a:buClr>
-                <a:schemeClr val="accent1"/>
-              </a:buClr>
-              <a:buSzPct val="104999"/>
-              <a:buFont typeface="Avenir Next"/>
-              <a:buChar char="▸"/>
-              <a:defRPr cap="none" spc="0" sz="3400">
-                <a:latin typeface="Avenir Next Medium"/>
-                <a:ea typeface="Avenir Next Medium"/>
-                <a:cs typeface="Avenir Next Medium"/>
-                <a:sym typeface="Avenir Next Medium"/>
-              </a:defRPr>
-            </a:pPr>
+            <a:pPr/>
             <a:r>
               <a:t>Dominio:                                                                                          Il dataset preso in esame rappresenta le osservazioni atmosferiche di diverse stazioni meteo in Australia dal 01/11/2007 al 25/06/2017.</a:t>
             </a:r>
           </a:p>
           <a:p>
-            <a:pPr marL="444500" indent="-444500" defTabSz="584200">
-              <a:lnSpc>
-                <a:spcPct val="100000"/>
-              </a:lnSpc>
-              <a:spcBef>
-                <a:spcPts val="2800"/>
-              </a:spcBef>
-              <a:buClr>
-                <a:schemeClr val="accent1"/>
-              </a:buClr>
-              <a:buSzPct val="104999"/>
-              <a:buFont typeface="Avenir Next"/>
-              <a:buChar char="▸"/>
-              <a:defRPr cap="none" spc="0" sz="3400">
-                <a:latin typeface="Avenir Next Medium"/>
-                <a:ea typeface="Avenir Next Medium"/>
-                <a:cs typeface="Avenir Next Medium"/>
-                <a:sym typeface="Avenir Next Medium"/>
-              </a:defRPr>
-            </a:pPr>
-          </a:p>
-          <a:p>
-            <a:pPr marL="444500" indent="-444500" defTabSz="584200">
-              <a:lnSpc>
-                <a:spcPct val="100000"/>
-              </a:lnSpc>
-              <a:spcBef>
-                <a:spcPts val="2800"/>
-              </a:spcBef>
-              <a:buClr>
-                <a:schemeClr val="accent1"/>
-              </a:buClr>
-              <a:buSzPct val="104999"/>
-              <a:buFont typeface="Avenir Next"/>
-              <a:buChar char="▸"/>
-              <a:defRPr cap="none" spc="0" sz="3400">
-                <a:latin typeface="Avenir Next Medium"/>
-                <a:ea typeface="Avenir Next Medium"/>
-                <a:cs typeface="Avenir Next Medium"/>
-                <a:sym typeface="Avenir Next Medium"/>
-              </a:defRPr>
-            </a:pPr>
-            <a:r>
-              <a:t>Obiettivo:                                                                             Allenare e valutare diversi modelli per la predizione della possibilità che piova il giorno successivo. Trovare modello con tradeoff migliore tra performance e tempo.</a:t>
+            <a:pPr/>
+          </a:p>
+          <a:p>
+            <a:pPr/>
+            <a:r>
+              <a:t>Obiettivo:                                                                             Allenare e valutare diversi modelli per la predizione della possibilità che piova il giorno successivo. Trovare modello con trade-off migliore tra performance e tempo.</a:t>
             </a:r>
           </a:p>
         </p:txBody>
@@ -8349,7 +7978,7 @@
       </p:grpSpPr>
       <p:sp>
         <p:nvSpPr>
-          <p:cNvPr id="176" name="IPOTESI e assunzioni"/>
+          <p:cNvPr id="172" name="IPOTESI e assunzioni"/>
           <p:cNvSpPr txBox="1"/>
           <p:nvPr>
             <p:ph type="title"/>
@@ -8384,7 +8013,7 @@
       </p:sp>
       <p:sp>
         <p:nvSpPr>
-          <p:cNvPr id="177" name="Ipotesi:                                                                                           La probabilità che piova il giorno successivo è minore in quanto l’Australia è un territorio caratterizzato da temperature alte e bel tempo. Questo è dimostrato anche dallo sbilanciamento del dataset.…"/>
+          <p:cNvPr id="173" name="Ipotesi:                                                                                           La probabilità che piova il giorno successivo è bassa in quanto l’Australia è un territorio caratterizzato da temperature alte e bel tempo. Questo è dimostrato anche dallo sbilanciamento del dataset.…"/>
           <p:cNvSpPr txBox="1"/>
           <p:nvPr>
             <p:ph type="body" idx="1"/>
@@ -8393,83 +8022,26 @@
         <p:spPr>
           <a:xfrm>
             <a:off x="406400" y="1389211"/>
-            <a:ext cx="12192000" cy="7462688"/>
+            <a:ext cx="12192000" cy="7462689"/>
           </a:xfrm>
           <a:prstGeom prst="rect">
             <a:avLst/>
           </a:prstGeom>
         </p:spPr>
         <p:txBody>
-          <a:bodyPr anchor="t"/>
+          <a:bodyPr/>
           <a:lstStyle/>
           <a:p>
-            <a:pPr marL="444500" indent="-444500" defTabSz="584200">
-              <a:lnSpc>
-                <a:spcPct val="100000"/>
-              </a:lnSpc>
-              <a:spcBef>
-                <a:spcPts val="2800"/>
-              </a:spcBef>
-              <a:buClr>
-                <a:schemeClr val="accent1"/>
-              </a:buClr>
-              <a:buSzPct val="104999"/>
-              <a:buFont typeface="Avenir Next"/>
-              <a:buChar char="▸"/>
-              <a:defRPr cap="none" spc="0" sz="3400">
-                <a:latin typeface="Avenir Next Medium"/>
-                <a:ea typeface="Avenir Next Medium"/>
-                <a:cs typeface="Avenir Next Medium"/>
-                <a:sym typeface="Avenir Next Medium"/>
-              </a:defRPr>
-            </a:pPr>
-            <a:r>
-              <a:t>Ipotesi:                                                                                           La probabilità che piova il giorno successivo è minore in quanto l’Australia è un territorio caratterizzato da temperature alte e bel tempo. Questo è dimostrato anche dallo sbilanciamento del dataset.</a:t>
-            </a:r>
-          </a:p>
-          <a:p>
-            <a:pPr marL="444500" indent="-444500" defTabSz="584200">
-              <a:lnSpc>
-                <a:spcPct val="100000"/>
-              </a:lnSpc>
-              <a:spcBef>
-                <a:spcPts val="2800"/>
-              </a:spcBef>
-              <a:buClr>
-                <a:schemeClr val="accent1"/>
-              </a:buClr>
-              <a:buSzPct val="104999"/>
-              <a:buFont typeface="Avenir Next"/>
-              <a:buChar char="▸"/>
-              <a:defRPr cap="none" spc="0" sz="3400">
-                <a:latin typeface="Avenir Next Medium"/>
-                <a:ea typeface="Avenir Next Medium"/>
-                <a:cs typeface="Avenir Next Medium"/>
-                <a:sym typeface="Avenir Next Medium"/>
-              </a:defRPr>
-            </a:pPr>
-          </a:p>
-          <a:p>
-            <a:pPr marL="444500" indent="-444500" defTabSz="584200">
-              <a:lnSpc>
-                <a:spcPct val="100000"/>
-              </a:lnSpc>
-              <a:spcBef>
-                <a:spcPts val="2800"/>
-              </a:spcBef>
-              <a:buClr>
-                <a:schemeClr val="accent1"/>
-              </a:buClr>
-              <a:buSzPct val="104999"/>
-              <a:buFont typeface="Avenir Next"/>
-              <a:buChar char="▸"/>
-              <a:defRPr cap="none" spc="0" sz="3400">
-                <a:latin typeface="Avenir Next Medium"/>
-                <a:ea typeface="Avenir Next Medium"/>
-                <a:cs typeface="Avenir Next Medium"/>
-                <a:sym typeface="Avenir Next Medium"/>
-              </a:defRPr>
-            </a:pPr>
+            <a:pPr/>
+            <a:r>
+              <a:t>Ipotesi:                                                                                           La probabilità che piova il giorno successivo è bassa in quanto l’Australia è un territorio caratterizzato da temperature alte e bel tempo. Questo è dimostrato anche dallo sbilanciamento del dataset.</a:t>
+            </a:r>
+          </a:p>
+          <a:p>
+            <a:pPr/>
+          </a:p>
+          <a:p>
+            <a:pPr/>
             <a:r>
               <a:t>Assunzioni:                                                                         Abbiamo rimosso dal dataset il valore RISK-MM in quanto variabile target per un task di regressione. Abbiamo anche rimosso le feature con elevata percentuale di valori nulli, quali Evaporation, Sunshine, Cloud9am, Cloud3pm.</a:t>
             </a:r>
@@ -8504,7 +8076,7 @@
       </p:grpSpPr>
       <p:sp>
         <p:nvSpPr>
-          <p:cNvPr id="179" name="DATASET"/>
+          <p:cNvPr id="175" name="DATASET"/>
           <p:cNvSpPr txBox="1"/>
           <p:nvPr>
             <p:ph type="title"/>
@@ -8539,7 +8111,7 @@
       </p:sp>
       <p:sp>
         <p:nvSpPr>
-          <p:cNvPr id="180" name="MaxTemp: temperatura massima registrata…"/>
+          <p:cNvPr id="176" name="MaxTemp: temperatura massima registrata…"/>
           <p:cNvSpPr txBox="1"/>
           <p:nvPr>
             <p:ph type="body" idx="1"/>
@@ -8547,436 +8119,198 @@
         </p:nvSpPr>
         <p:spPr>
           <a:xfrm>
-            <a:off x="406400" y="1389210"/>
-            <a:ext cx="12192000" cy="8217994"/>
+            <a:off x="406400" y="1389211"/>
+            <a:ext cx="12192000" cy="8217992"/>
           </a:xfrm>
           <a:prstGeom prst="rect">
             <a:avLst/>
           </a:prstGeom>
         </p:spPr>
         <p:txBody>
-          <a:bodyPr anchor="t"/>
+          <a:bodyPr/>
           <a:lstStyle/>
           <a:p>
-            <a:pPr marL="444500" indent="-444500" defTabSz="584200">
-              <a:lnSpc>
-                <a:spcPct val="100000"/>
-              </a:lnSpc>
+            <a:pPr>
               <a:spcBef>
                 <a:spcPts val="1000"/>
               </a:spcBef>
-              <a:buClr>
-                <a:schemeClr val="accent1"/>
-              </a:buClr>
-              <a:buSzPct val="104999"/>
-              <a:buFont typeface="Avenir Next"/>
-              <a:buChar char="▸"/>
-              <a:defRPr cap="none" spc="0" sz="2000">
-                <a:latin typeface="Avenir Next Medium"/>
-                <a:ea typeface="Avenir Next Medium"/>
-                <a:cs typeface="Avenir Next Medium"/>
-                <a:sym typeface="Avenir Next Medium"/>
-              </a:defRPr>
+              <a:defRPr sz="2000"/>
             </a:pPr>
             <a:r>
               <a:t>MaxTemp: temperatura massima registrata</a:t>
             </a:r>
           </a:p>
           <a:p>
-            <a:pPr marL="444500" indent="-444500" defTabSz="584200">
-              <a:lnSpc>
-                <a:spcPct val="100000"/>
-              </a:lnSpc>
+            <a:pPr>
               <a:spcBef>
                 <a:spcPts val="1000"/>
               </a:spcBef>
-              <a:buClr>
-                <a:schemeClr val="accent1"/>
-              </a:buClr>
-              <a:buSzPct val="104999"/>
-              <a:buFont typeface="Avenir Next"/>
-              <a:buChar char="▸"/>
-              <a:defRPr cap="none" spc="0" sz="2000">
-                <a:latin typeface="Avenir Next Medium"/>
-                <a:ea typeface="Avenir Next Medium"/>
-                <a:cs typeface="Avenir Next Medium"/>
-                <a:sym typeface="Avenir Next Medium"/>
-              </a:defRPr>
+              <a:defRPr sz="2000"/>
             </a:pPr>
             <a:r>
               <a:t>MinTemp: temperatura minima registrata</a:t>
             </a:r>
           </a:p>
           <a:p>
-            <a:pPr marL="444500" indent="-444500" defTabSz="584200">
-              <a:lnSpc>
-                <a:spcPct val="100000"/>
-              </a:lnSpc>
+            <a:pPr>
               <a:spcBef>
                 <a:spcPts val="1000"/>
               </a:spcBef>
-              <a:buClr>
-                <a:schemeClr val="accent1"/>
-              </a:buClr>
-              <a:buSzPct val="104999"/>
-              <a:buFont typeface="Avenir Next"/>
-              <a:buChar char="▸"/>
-              <a:defRPr cap="none" spc="0" sz="2000">
-                <a:latin typeface="Avenir Next Medium"/>
-                <a:ea typeface="Avenir Next Medium"/>
-                <a:cs typeface="Avenir Next Medium"/>
-                <a:sym typeface="Avenir Next Medium"/>
-              </a:defRPr>
+              <a:defRPr sz="2000"/>
             </a:pPr>
             <a:r>
               <a:t>RainFall: quantità di pioggia caduta</a:t>
             </a:r>
           </a:p>
           <a:p>
-            <a:pPr marL="444500" indent="-444500" defTabSz="584200">
-              <a:lnSpc>
-                <a:spcPct val="100000"/>
-              </a:lnSpc>
+            <a:pPr>
               <a:spcBef>
                 <a:spcPts val="1000"/>
               </a:spcBef>
-              <a:buClr>
-                <a:schemeClr val="accent1"/>
-              </a:buClr>
-              <a:buSzPct val="104999"/>
-              <a:buFont typeface="Avenir Next"/>
-              <a:buChar char="▸"/>
-              <a:defRPr cap="none" spc="0" sz="2000">
-                <a:latin typeface="Avenir Next Medium"/>
-                <a:ea typeface="Avenir Next Medium"/>
-                <a:cs typeface="Avenir Next Medium"/>
-                <a:sym typeface="Avenir Next Medium"/>
-              </a:defRPr>
+              <a:defRPr sz="2000"/>
             </a:pPr>
             <a:r>
               <a:t>WindGustDir: direzione del vento più forte</a:t>
             </a:r>
           </a:p>
           <a:p>
-            <a:pPr marL="444500" indent="-444500" defTabSz="584200">
-              <a:lnSpc>
-                <a:spcPct val="100000"/>
-              </a:lnSpc>
+            <a:pPr>
               <a:spcBef>
                 <a:spcPts val="1000"/>
               </a:spcBef>
-              <a:buClr>
-                <a:schemeClr val="accent1"/>
-              </a:buClr>
-              <a:buSzPct val="104999"/>
-              <a:buFont typeface="Avenir Next"/>
-              <a:buChar char="▸"/>
-              <a:defRPr cap="none" spc="0" sz="2000">
-                <a:latin typeface="Avenir Next Medium"/>
-                <a:ea typeface="Avenir Next Medium"/>
-                <a:cs typeface="Avenir Next Medium"/>
-                <a:sym typeface="Avenir Next Medium"/>
-              </a:defRPr>
+              <a:defRPr sz="2000"/>
             </a:pPr>
             <a:r>
               <a:t>WindGustDir9am: direzione del vento più forte alle nove di mattina</a:t>
             </a:r>
           </a:p>
           <a:p>
-            <a:pPr marL="444500" indent="-444500" defTabSz="584200">
-              <a:lnSpc>
-                <a:spcPct val="100000"/>
-              </a:lnSpc>
+            <a:pPr>
               <a:spcBef>
                 <a:spcPts val="1000"/>
               </a:spcBef>
-              <a:buClr>
-                <a:schemeClr val="accent1"/>
-              </a:buClr>
-              <a:buSzPct val="104999"/>
-              <a:buFont typeface="Avenir Next"/>
-              <a:buChar char="▸"/>
-              <a:defRPr cap="none" spc="0" sz="2000">
-                <a:latin typeface="Avenir Next Medium"/>
-                <a:ea typeface="Avenir Next Medium"/>
-                <a:cs typeface="Avenir Next Medium"/>
-                <a:sym typeface="Avenir Next Medium"/>
-              </a:defRPr>
+              <a:defRPr sz="2000"/>
             </a:pPr>
             <a:r>
               <a:t>WindGustDir3pm: direzione del vento più forte alle tre di pomeriggio</a:t>
             </a:r>
           </a:p>
           <a:p>
-            <a:pPr marL="444500" indent="-444500" defTabSz="584200">
-              <a:lnSpc>
-                <a:spcPct val="100000"/>
-              </a:lnSpc>
+            <a:pPr>
               <a:spcBef>
                 <a:spcPts val="1000"/>
               </a:spcBef>
-              <a:buClr>
-                <a:schemeClr val="accent1"/>
-              </a:buClr>
-              <a:buSzPct val="104999"/>
-              <a:buFont typeface="Avenir Next"/>
-              <a:buChar char="▸"/>
-              <a:defRPr cap="none" spc="0" sz="2000">
-                <a:latin typeface="Avenir Next Medium"/>
-                <a:ea typeface="Avenir Next Medium"/>
-                <a:cs typeface="Avenir Next Medium"/>
-                <a:sym typeface="Avenir Next Medium"/>
-              </a:defRPr>
+              <a:defRPr sz="2000"/>
             </a:pPr>
             <a:r>
               <a:t>WindGustSpeed: velocità del vento più forte</a:t>
             </a:r>
           </a:p>
           <a:p>
-            <a:pPr marL="444500" indent="-444500" defTabSz="584200">
-              <a:lnSpc>
-                <a:spcPct val="100000"/>
-              </a:lnSpc>
+            <a:pPr>
               <a:spcBef>
                 <a:spcPts val="1000"/>
               </a:spcBef>
-              <a:buClr>
-                <a:schemeClr val="accent1"/>
-              </a:buClr>
-              <a:buSzPct val="104999"/>
-              <a:buFont typeface="Avenir Next"/>
-              <a:buChar char="▸"/>
-              <a:defRPr cap="none" spc="0" sz="2000">
-                <a:latin typeface="Avenir Next Medium"/>
-                <a:ea typeface="Avenir Next Medium"/>
-                <a:cs typeface="Avenir Next Medium"/>
-                <a:sym typeface="Avenir Next Medium"/>
-              </a:defRPr>
+              <a:defRPr sz="2000"/>
             </a:pPr>
             <a:r>
               <a:t>WindGustSpeed9am: velocità del vento più forte alle nove di mattina</a:t>
             </a:r>
           </a:p>
           <a:p>
-            <a:pPr marL="444500" indent="-444500" defTabSz="584200">
-              <a:lnSpc>
-                <a:spcPct val="100000"/>
-              </a:lnSpc>
+            <a:pPr>
               <a:spcBef>
                 <a:spcPts val="1000"/>
               </a:spcBef>
-              <a:buClr>
-                <a:schemeClr val="accent1"/>
-              </a:buClr>
-              <a:buSzPct val="104999"/>
-              <a:buFont typeface="Avenir Next"/>
-              <a:buChar char="▸"/>
-              <a:defRPr cap="none" spc="0" sz="2000">
-                <a:latin typeface="Avenir Next Medium"/>
-                <a:ea typeface="Avenir Next Medium"/>
-                <a:cs typeface="Avenir Next Medium"/>
-                <a:sym typeface="Avenir Next Medium"/>
-              </a:defRPr>
+              <a:defRPr sz="2000"/>
             </a:pPr>
             <a:r>
               <a:t>WindGustSpeed9pm: velocità del vento più forte alle tre di pomeriggio</a:t>
             </a:r>
           </a:p>
           <a:p>
-            <a:pPr marL="444500" indent="-444500" defTabSz="584200">
-              <a:lnSpc>
-                <a:spcPct val="100000"/>
-              </a:lnSpc>
+            <a:pPr>
               <a:spcBef>
                 <a:spcPts val="1000"/>
               </a:spcBef>
-              <a:buClr>
-                <a:schemeClr val="accent1"/>
-              </a:buClr>
-              <a:buSzPct val="104999"/>
-              <a:buFont typeface="Avenir Next"/>
-              <a:buChar char="▸"/>
-              <a:defRPr cap="none" spc="0" sz="2000">
-                <a:latin typeface="Avenir Next Medium"/>
-                <a:ea typeface="Avenir Next Medium"/>
-                <a:cs typeface="Avenir Next Medium"/>
-                <a:sym typeface="Avenir Next Medium"/>
-              </a:defRPr>
+              <a:defRPr sz="2000"/>
             </a:pPr>
             <a:r>
               <a:t>Humidity9am: livello di umidità alle nove di mattina</a:t>
             </a:r>
           </a:p>
           <a:p>
-            <a:pPr marL="444500" indent="-444500" defTabSz="584200">
-              <a:lnSpc>
-                <a:spcPct val="100000"/>
-              </a:lnSpc>
+            <a:pPr>
               <a:spcBef>
                 <a:spcPts val="1000"/>
               </a:spcBef>
-              <a:buClr>
-                <a:schemeClr val="accent1"/>
-              </a:buClr>
-              <a:buSzPct val="104999"/>
-              <a:buFont typeface="Avenir Next"/>
-              <a:buChar char="▸"/>
-              <a:defRPr cap="none" spc="0" sz="2000">
-                <a:latin typeface="Avenir Next Medium"/>
-                <a:ea typeface="Avenir Next Medium"/>
-                <a:cs typeface="Avenir Next Medium"/>
-                <a:sym typeface="Avenir Next Medium"/>
-              </a:defRPr>
+              <a:defRPr sz="2000"/>
             </a:pPr>
             <a:r>
               <a:t>Humidity3pm: livello di umidità alle tre di pomeriggio</a:t>
             </a:r>
           </a:p>
           <a:p>
-            <a:pPr marL="444500" indent="-444500" defTabSz="584200">
-              <a:lnSpc>
-                <a:spcPct val="100000"/>
-              </a:lnSpc>
+            <a:pPr>
               <a:spcBef>
                 <a:spcPts val="1000"/>
               </a:spcBef>
-              <a:buClr>
-                <a:schemeClr val="accent1"/>
-              </a:buClr>
-              <a:buSzPct val="104999"/>
-              <a:buFont typeface="Avenir Next"/>
-              <a:buChar char="▸"/>
-              <a:defRPr cap="none" spc="0" sz="2000">
-                <a:latin typeface="Avenir Next Medium"/>
-                <a:ea typeface="Avenir Next Medium"/>
-                <a:cs typeface="Avenir Next Medium"/>
-                <a:sym typeface="Avenir Next Medium"/>
-              </a:defRPr>
+              <a:defRPr sz="2000"/>
             </a:pPr>
             <a:r>
               <a:t>Pressure9am: livello di pressione alle nove di mattina</a:t>
             </a:r>
           </a:p>
           <a:p>
-            <a:pPr marL="444500" indent="-444500" defTabSz="584200">
-              <a:lnSpc>
-                <a:spcPct val="100000"/>
-              </a:lnSpc>
+            <a:pPr>
               <a:spcBef>
                 <a:spcPts val="1000"/>
               </a:spcBef>
-              <a:buClr>
-                <a:schemeClr val="accent1"/>
-              </a:buClr>
-              <a:buSzPct val="104999"/>
-              <a:buFont typeface="Avenir Next"/>
-              <a:buChar char="▸"/>
-              <a:defRPr cap="none" spc="0" sz="2000">
-                <a:latin typeface="Avenir Next Medium"/>
-                <a:ea typeface="Avenir Next Medium"/>
-                <a:cs typeface="Avenir Next Medium"/>
-                <a:sym typeface="Avenir Next Medium"/>
-              </a:defRPr>
+              <a:defRPr sz="2000"/>
             </a:pPr>
             <a:r>
               <a:t>Pressure3pm: livello di pressione alle tre di pomeriggio</a:t>
             </a:r>
           </a:p>
           <a:p>
-            <a:pPr marL="444500" indent="-444500" defTabSz="584200">
-              <a:lnSpc>
-                <a:spcPct val="100000"/>
-              </a:lnSpc>
+            <a:pPr>
               <a:spcBef>
                 <a:spcPts val="1000"/>
               </a:spcBef>
-              <a:buClr>
-                <a:schemeClr val="accent1"/>
-              </a:buClr>
-              <a:buSzPct val="104999"/>
-              <a:buFont typeface="Avenir Next"/>
-              <a:buChar char="▸"/>
-              <a:defRPr cap="none" spc="0" sz="2000">
-                <a:latin typeface="Avenir Next Medium"/>
-                <a:ea typeface="Avenir Next Medium"/>
-                <a:cs typeface="Avenir Next Medium"/>
-                <a:sym typeface="Avenir Next Medium"/>
-              </a:defRPr>
+              <a:defRPr sz="2000"/>
             </a:pPr>
             <a:r>
               <a:t>Temp9am: temperatura registrata alle nove di mattina</a:t>
             </a:r>
           </a:p>
           <a:p>
-            <a:pPr marL="444500" indent="-444500" defTabSz="584200">
-              <a:lnSpc>
-                <a:spcPct val="100000"/>
-              </a:lnSpc>
+            <a:pPr>
               <a:spcBef>
                 <a:spcPts val="1000"/>
               </a:spcBef>
-              <a:buClr>
-                <a:schemeClr val="accent1"/>
-              </a:buClr>
-              <a:buSzPct val="104999"/>
-              <a:buFont typeface="Avenir Next"/>
-              <a:buChar char="▸"/>
-              <a:defRPr cap="none" spc="0" sz="2000">
-                <a:latin typeface="Avenir Next Medium"/>
-                <a:ea typeface="Avenir Next Medium"/>
-                <a:cs typeface="Avenir Next Medium"/>
-                <a:sym typeface="Avenir Next Medium"/>
-              </a:defRPr>
+              <a:defRPr sz="2000"/>
             </a:pPr>
             <a:r>
               <a:t>Temp3pm: temperatura registrata alle tre di pomeriggio</a:t>
             </a:r>
           </a:p>
           <a:p>
-            <a:pPr marL="444500" indent="-444500" defTabSz="584200">
-              <a:lnSpc>
-                <a:spcPct val="100000"/>
-              </a:lnSpc>
+            <a:pPr>
               <a:spcBef>
                 <a:spcPts val="1000"/>
               </a:spcBef>
-              <a:buClr>
-                <a:schemeClr val="accent1"/>
-              </a:buClr>
-              <a:buSzPct val="104999"/>
-              <a:buFont typeface="Avenir Next"/>
-              <a:buChar char="▸"/>
-              <a:defRPr cap="none" spc="0" sz="2000">
-                <a:latin typeface="Avenir Next Medium"/>
-                <a:ea typeface="Avenir Next Medium"/>
-                <a:cs typeface="Avenir Next Medium"/>
-                <a:sym typeface="Avenir Next Medium"/>
-              </a:defRPr>
+              <a:defRPr sz="2000"/>
             </a:pPr>
             <a:r>
               <a:t>RainToday: indica se il giorno precedente alla predizione ha piovuto</a:t>
             </a:r>
           </a:p>
           <a:p>
-            <a:pPr marL="444500" indent="-444500" defTabSz="584200">
-              <a:lnSpc>
-                <a:spcPct val="100000"/>
-              </a:lnSpc>
+            <a:pPr>
               <a:spcBef>
                 <a:spcPts val="1000"/>
               </a:spcBef>
-              <a:buClr>
-                <a:schemeClr val="accent1"/>
-              </a:buClr>
-              <a:buSzPct val="104999"/>
-              <a:buFont typeface="Avenir Next"/>
-              <a:buChar char="▸"/>
-              <a:defRPr cap="none" spc="0" sz="2000">
-                <a:latin typeface="Avenir Next Medium"/>
-                <a:ea typeface="Avenir Next Medium"/>
-                <a:cs typeface="Avenir Next Medium"/>
-                <a:sym typeface="Avenir Next Medium"/>
-              </a:defRPr>
+              <a:defRPr sz="2000"/>
             </a:pPr>
             <a:r>
               <a:t>RainTomorrow: indica il target binario da predire</a:t>
@@ -9012,7 +8346,7 @@
       </p:grpSpPr>
       <p:sp>
         <p:nvSpPr>
-          <p:cNvPr id="182" name="CORRELAZIONE FEATURE"/>
+          <p:cNvPr id="178" name="CORRELAZIONE FEATURE"/>
           <p:cNvSpPr txBox="1"/>
           <p:nvPr>
             <p:ph type="title"/>
@@ -9047,21 +8381,21 @@
       </p:sp>
       <p:grpSp>
         <p:nvGrpSpPr>
-          <p:cNvPr id="185" name="Galleria immagini"/>
+          <p:cNvPr id="181" name="Galleria immagini"/>
           <p:cNvGrpSpPr/>
           <p:nvPr/>
         </p:nvGrpSpPr>
         <p:grpSpPr>
           <a:xfrm>
-            <a:off x="423333" y="1134532"/>
-            <a:ext cx="12192004" cy="8744680"/>
+            <a:off x="423333" y="1134533"/>
+            <a:ext cx="12192002" cy="8744679"/>
             <a:chOff x="0" y="0"/>
-            <a:chExt cx="12192003" cy="8744678"/>
+            <a:chExt cx="12192000" cy="8744677"/>
           </a:xfrm>
         </p:grpSpPr>
         <p:pic>
           <p:nvPicPr>
-            <p:cNvPr id="183" name="Schermata 2020-01-18 alle 11.00.59.png" descr="Schermata 2020-01-18 alle 11.00.59.png"/>
+            <p:cNvPr id="179" name="Schermata 2020-01-18 alle 11.00.59.png" descr="Schermata 2020-01-18 alle 11.00.59.png"/>
             <p:cNvPicPr>
               <a:picLocks noChangeAspect="1"/>
             </p:cNvPicPr>
@@ -9079,7 +8413,7 @@
           <p:spPr>
             <a:xfrm>
               <a:off x="0" y="0"/>
-              <a:ext cx="12192004" cy="8173180"/>
+              <a:ext cx="12192001" cy="8173178"/>
             </a:xfrm>
             <a:prstGeom prst="rect">
               <a:avLst/>
@@ -9093,14 +8427,14 @@
         </p:pic>
         <p:sp>
           <p:nvSpPr>
-            <p:cNvPr id="184" name="Scrivi per inserire una didascalia."/>
-            <p:cNvSpPr txBox="1"/>
+            <p:cNvPr id="180" name="Scrivi per inserire una didascalia."/>
+            <p:cNvSpPr/>
             <p:nvPr/>
           </p:nvSpPr>
           <p:spPr>
             <a:xfrm>
-              <a:off x="0" y="8249378"/>
-              <a:ext cx="12192004" cy="495301"/>
+              <a:off x="0" y="8249377"/>
+              <a:ext cx="12192001" cy="495301"/>
             </a:xfrm>
             <a:prstGeom prst="rect">
               <a:avLst/>
@@ -9119,22 +8453,13 @@
           </p:spPr>
           <p:txBody>
             <a:bodyPr wrap="square" lIns="76200" tIns="76200" rIns="76200" bIns="76200" numCol="1" anchor="t">
-              <a:spAutoFit/>
+              <a:noAutofit/>
             </a:bodyPr>
             <a:lstStyle>
               <a:lvl1pPr>
                 <a:spcBef>
                   <a:spcPts val="0"/>
                 </a:spcBef>
-                <a:defRPr>
-                  <a:solidFill>
-                    <a:srgbClr val="838787"/>
-                  </a:solidFill>
-                  <a:latin typeface="Avenir Next Medium"/>
-                  <a:ea typeface="Avenir Next Medium"/>
-                  <a:cs typeface="Avenir Next Medium"/>
-                  <a:sym typeface="Avenir Next Medium"/>
-                </a:defRPr>
               </a:lvl1pPr>
             </a:lstStyle>
             <a:p>
@@ -9174,7 +8499,7 @@
       </p:grpSpPr>
       <p:sp>
         <p:nvSpPr>
-          <p:cNvPr id="187" name="FEATURE SELECTION"/>
+          <p:cNvPr id="183" name="FEATURE SELECTION"/>
           <p:cNvSpPr txBox="1"/>
           <p:nvPr>
             <p:ph type="title"/>
@@ -9209,7 +8534,7 @@
       </p:sp>
       <p:sp>
         <p:nvSpPr>
-          <p:cNvPr id="188" name="Per quanto riguarda la feature selection abbiamo utilizzato il metodo Correlation-based, in cui un alto valore di correlazione tra due feature indica che avranno lo stesso effetto sulla predizione del target. Per ciò è possibile andare a escluderne una delle due, in modo da ridurre il numero di attributi.                                                                                                                                                                         Data la soglia di 0.67, le feature rimosse dal dataset sono:…"/>
+          <p:cNvPr id="184" name="Per quanto riguarda la feature selection abbiamo utilizzato il metodo Correlation-based, in cui un alto valore di correlazione tra due feature indica che avranno lo stesso effetto sulla predizione del target. Perciò è possibile andare a escluderne una delle due, in modo da ridurre il numero di attributi.                                                                                                                                                                         Data la soglia di 0.67, le feature rimosse dal dataset sono:…"/>
           <p:cNvSpPr txBox="1"/>
           <p:nvPr>
             <p:ph type="body" idx="1"/>
@@ -9217,186 +8542,88 @@
         </p:nvSpPr>
         <p:spPr>
           <a:xfrm>
-            <a:off x="406400" y="1389210"/>
-            <a:ext cx="12192000" cy="8217994"/>
+            <a:off x="406400" y="1389211"/>
+            <a:ext cx="12192000" cy="8217992"/>
           </a:xfrm>
           <a:prstGeom prst="rect">
             <a:avLst/>
           </a:prstGeom>
         </p:spPr>
         <p:txBody>
-          <a:bodyPr anchor="t"/>
+          <a:bodyPr/>
           <a:lstStyle/>
           <a:p>
-            <a:pPr marL="444500" indent="-444500" defTabSz="584200">
-              <a:lnSpc>
-                <a:spcPct val="100000"/>
-              </a:lnSpc>
+            <a:pPr>
               <a:spcBef>
                 <a:spcPts val="1000"/>
               </a:spcBef>
-              <a:buClr>
-                <a:schemeClr val="accent1"/>
-              </a:buClr>
-              <a:buSzPct val="104999"/>
-              <a:buFont typeface="Avenir Next"/>
-              <a:buChar char="▸"/>
-              <a:defRPr cap="none" spc="0" sz="3000">
-                <a:latin typeface="Avenir Next Medium"/>
-                <a:ea typeface="Avenir Next Medium"/>
-                <a:cs typeface="Avenir Next Medium"/>
-                <a:sym typeface="Avenir Next Medium"/>
-              </a:defRPr>
+              <a:defRPr sz="3000"/>
             </a:pPr>
             <a:r>
-              <a:t>Per quanto riguarda la feature selection abbiamo utilizzato il metodo Correlation-based, in cui un alto valore di correlazione tra due feature indica che avranno lo stesso effetto sulla predizione del target. Per ciò è possibile andare a escluderne una delle due, in modo da ridurre il numero di attributi.                                                                                                                                                                         Data la soglia di 0.67, le feature rimosse dal dataset sono:</a:t>
-            </a:r>
-          </a:p>
-          <a:p>
-            <a:pPr marL="444500" indent="-444500" defTabSz="584200">
-              <a:lnSpc>
-                <a:spcPct val="100000"/>
-              </a:lnSpc>
+              <a:t>Per quanto riguarda la feature selection abbiamo utilizzato il metodo Correlation-based, in cui un alto valore di correlazione tra due feature indica che avranno lo stesso effetto sulla predizione del target. Perciò è possibile andare a escluderne una delle due, in modo da ridurre il numero di attributi.                                                                                                                                                                         Data la soglia di 0.67, le feature rimosse dal dataset sono:</a:t>
+            </a:r>
+          </a:p>
+          <a:p>
+            <a:pPr>
               <a:spcBef>
                 <a:spcPts val="1000"/>
               </a:spcBef>
-              <a:buClr>
-                <a:schemeClr val="accent1"/>
-              </a:buClr>
-              <a:buSzPct val="104999"/>
-              <a:buFont typeface="Avenir Next"/>
-              <a:buChar char="▸"/>
-              <a:defRPr cap="none" spc="0" sz="3000">
-                <a:latin typeface="Avenir Next Medium"/>
-                <a:ea typeface="Avenir Next Medium"/>
-                <a:cs typeface="Avenir Next Medium"/>
-                <a:sym typeface="Avenir Next Medium"/>
-              </a:defRPr>
+              <a:defRPr sz="3000"/>
             </a:pPr>
             <a:r>
               <a:t>Temp9am</a:t>
             </a:r>
           </a:p>
           <a:p>
-            <a:pPr marL="444500" indent="-444500" defTabSz="584200">
-              <a:lnSpc>
-                <a:spcPct val="100000"/>
-              </a:lnSpc>
+            <a:pPr>
               <a:spcBef>
                 <a:spcPts val="1000"/>
               </a:spcBef>
-              <a:buClr>
-                <a:schemeClr val="accent1"/>
-              </a:buClr>
-              <a:buSzPct val="104999"/>
-              <a:buFont typeface="Avenir Next"/>
-              <a:buChar char="▸"/>
-              <a:defRPr cap="none" spc="0" sz="3000">
-                <a:latin typeface="Avenir Next Medium"/>
-                <a:ea typeface="Avenir Next Medium"/>
-                <a:cs typeface="Avenir Next Medium"/>
-                <a:sym typeface="Avenir Next Medium"/>
-              </a:defRPr>
+              <a:defRPr sz="3000"/>
             </a:pPr>
             <a:r>
               <a:t>MaxTemp</a:t>
             </a:r>
           </a:p>
           <a:p>
-            <a:pPr marL="444500" indent="-444500" defTabSz="584200">
-              <a:lnSpc>
-                <a:spcPct val="100000"/>
-              </a:lnSpc>
+            <a:pPr>
               <a:spcBef>
                 <a:spcPts val="1000"/>
               </a:spcBef>
-              <a:buClr>
-                <a:schemeClr val="accent1"/>
-              </a:buClr>
-              <a:buSzPct val="104999"/>
-              <a:buFont typeface="Avenir Next"/>
-              <a:buChar char="▸"/>
-              <a:defRPr cap="none" spc="0" sz="3000">
-                <a:latin typeface="Avenir Next Medium"/>
-                <a:ea typeface="Avenir Next Medium"/>
-                <a:cs typeface="Avenir Next Medium"/>
-                <a:sym typeface="Avenir Next Medium"/>
-              </a:defRPr>
+              <a:defRPr sz="3000"/>
             </a:pPr>
             <a:r>
               <a:t>Temp3pm</a:t>
             </a:r>
           </a:p>
           <a:p>
-            <a:pPr marL="444500" indent="-444500" defTabSz="584200">
-              <a:lnSpc>
-                <a:spcPct val="100000"/>
-              </a:lnSpc>
+            <a:pPr>
               <a:spcBef>
                 <a:spcPts val="1000"/>
               </a:spcBef>
-              <a:buClr>
-                <a:schemeClr val="accent1"/>
-              </a:buClr>
-              <a:buSzPct val="104999"/>
-              <a:buFont typeface="Avenir Next"/>
-              <a:buChar char="▸"/>
-              <a:defRPr cap="none" spc="0" sz="3000">
-                <a:latin typeface="Avenir Next Medium"/>
-                <a:ea typeface="Avenir Next Medium"/>
-                <a:cs typeface="Avenir Next Medium"/>
-                <a:sym typeface="Avenir Next Medium"/>
-              </a:defRPr>
+              <a:defRPr sz="3000"/>
             </a:pPr>
             <a:r>
               <a:t>Pressure3pm</a:t>
             </a:r>
           </a:p>
           <a:p>
-            <a:pPr marL="444500" indent="-444500" defTabSz="584200">
-              <a:lnSpc>
-                <a:spcPct val="100000"/>
-              </a:lnSpc>
+            <a:pPr>
               <a:spcBef>
                 <a:spcPts val="1000"/>
               </a:spcBef>
-              <a:buClr>
-                <a:schemeClr val="accent1"/>
-              </a:buClr>
-              <a:buSzPct val="104999"/>
-              <a:buFont typeface="Avenir Next"/>
-              <a:buChar char="▸"/>
-              <a:defRPr cap="none" spc="0" sz="3000">
-                <a:latin typeface="Avenir Next Medium"/>
-                <a:ea typeface="Avenir Next Medium"/>
-                <a:cs typeface="Avenir Next Medium"/>
-                <a:sym typeface="Avenir Next Medium"/>
-              </a:defRPr>
+              <a:defRPr sz="3000"/>
             </a:pPr>
             <a:r>
               <a:t>Humidity9am</a:t>
             </a:r>
           </a:p>
           <a:p>
-            <a:pPr marL="444500" indent="-444500" defTabSz="584200">
-              <a:lnSpc>
-                <a:spcPct val="100000"/>
-              </a:lnSpc>
+            <a:pPr>
               <a:spcBef>
                 <a:spcPts val="1000"/>
               </a:spcBef>
-              <a:buClr>
-                <a:schemeClr val="accent1"/>
-              </a:buClr>
-              <a:buSzPct val="104999"/>
-              <a:buFont typeface="Avenir Next"/>
-              <a:buChar char="▸"/>
-              <a:defRPr cap="none" spc="0" sz="3000">
-                <a:latin typeface="Avenir Next Medium"/>
-                <a:ea typeface="Avenir Next Medium"/>
-                <a:cs typeface="Avenir Next Medium"/>
-                <a:sym typeface="Avenir Next Medium"/>
-              </a:defRPr>
+              <a:defRPr sz="3000"/>
             </a:pPr>
             <a:r>
               <a:t>WindGustSpeed</a:t>
@@ -9432,7 +8659,7 @@
       </p:grpSpPr>
       <p:sp>
         <p:nvSpPr>
-          <p:cNvPr id="190" name="TRAINING SET &amp; TEST SET"/>
+          <p:cNvPr id="186" name="TRAINING SET &amp; TEST SET"/>
           <p:cNvSpPr txBox="1"/>
           <p:nvPr>
             <p:ph type="title"/>
@@ -9467,7 +8694,7 @@
       </p:sp>
       <p:sp>
         <p:nvSpPr>
-          <p:cNvPr id="191" name="Abbiamo inizialmente utilizzato la tecnica HoldOut per individuare i modelli più promettenti sui quali eseguire la CrossValidation, in modo da risparmiare tempo successivamente.…"/>
+          <p:cNvPr id="187" name="Abbiamo inizialmente utilizzato la tecnica HoldOut per individuare i modelli più promettenti sui quali eseguire la CrossValidation, in modo da risparmiare tempo successivamente.…"/>
           <p:cNvSpPr txBox="1"/>
           <p:nvPr>
             <p:ph type="body" idx="1"/>
@@ -9475,177 +8702,79 @@
         </p:nvSpPr>
         <p:spPr>
           <a:xfrm>
-            <a:off x="406400" y="1389210"/>
-            <a:ext cx="12192000" cy="8217994"/>
+            <a:off x="406400" y="1389211"/>
+            <a:ext cx="12192000" cy="8217992"/>
           </a:xfrm>
           <a:prstGeom prst="rect">
             <a:avLst/>
           </a:prstGeom>
         </p:spPr>
         <p:txBody>
-          <a:bodyPr anchor="t"/>
+          <a:bodyPr/>
           <a:lstStyle/>
           <a:p>
-            <a:pPr marL="444500" indent="-444500" defTabSz="584200">
-              <a:lnSpc>
-                <a:spcPct val="100000"/>
-              </a:lnSpc>
+            <a:pPr>
               <a:spcBef>
                 <a:spcPts val="1000"/>
               </a:spcBef>
-              <a:buClr>
-                <a:schemeClr val="accent1"/>
-              </a:buClr>
-              <a:buSzPct val="104999"/>
-              <a:buFont typeface="Avenir Next"/>
-              <a:buChar char="▸"/>
-              <a:defRPr cap="none" spc="0" sz="3000">
-                <a:latin typeface="Avenir Next Medium"/>
-                <a:ea typeface="Avenir Next Medium"/>
-                <a:cs typeface="Avenir Next Medium"/>
-                <a:sym typeface="Avenir Next Medium"/>
-              </a:defRPr>
+              <a:defRPr sz="3000"/>
             </a:pPr>
             <a:r>
               <a:t>Abbiamo inizialmente utilizzato la tecnica HoldOut per individuare i modelli più promettenti sui quali eseguire la CrossValidation, in modo da risparmiare tempo successivamente.</a:t>
             </a:r>
           </a:p>
           <a:p>
-            <a:pPr marL="444500" indent="-444500" defTabSz="584200">
-              <a:lnSpc>
-                <a:spcPct val="100000"/>
-              </a:lnSpc>
+            <a:pPr>
               <a:spcBef>
                 <a:spcPts val="1000"/>
               </a:spcBef>
-              <a:buClr>
-                <a:schemeClr val="accent1"/>
-              </a:buClr>
-              <a:buSzPct val="104999"/>
-              <a:buFont typeface="Avenir Next"/>
-              <a:buChar char="▸"/>
-              <a:defRPr cap="none" spc="0" sz="3000">
-                <a:latin typeface="Avenir Next Medium"/>
-                <a:ea typeface="Avenir Next Medium"/>
-                <a:cs typeface="Avenir Next Medium"/>
-                <a:sym typeface="Avenir Next Medium"/>
-              </a:defRPr>
+              <a:defRPr sz="3000"/>
             </a:pPr>
           </a:p>
           <a:p>
-            <a:pPr marL="444500" indent="-444500" defTabSz="584200">
-              <a:lnSpc>
-                <a:spcPct val="100000"/>
-              </a:lnSpc>
+            <a:pPr>
               <a:spcBef>
                 <a:spcPts val="1000"/>
               </a:spcBef>
-              <a:buClr>
-                <a:schemeClr val="accent1"/>
-              </a:buClr>
-              <a:buSzPct val="104999"/>
-              <a:buFont typeface="Avenir Next"/>
-              <a:buChar char="▸"/>
-              <a:defRPr cap="none" spc="0" sz="3000">
-                <a:latin typeface="Avenir Next Medium"/>
-                <a:ea typeface="Avenir Next Medium"/>
-                <a:cs typeface="Avenir Next Medium"/>
-                <a:sym typeface="Avenir Next Medium"/>
-              </a:defRPr>
+              <a:defRPr sz="3000"/>
             </a:pPr>
             <a:r>
               <a:t>La partizione HoldOut usata è formata da 70% training e da 30% test, in modo randomico.</a:t>
             </a:r>
           </a:p>
           <a:p>
-            <a:pPr marL="444500" indent="-444500" defTabSz="584200">
-              <a:lnSpc>
-                <a:spcPct val="100000"/>
-              </a:lnSpc>
+            <a:pPr>
               <a:spcBef>
                 <a:spcPts val="1000"/>
               </a:spcBef>
-              <a:buClr>
-                <a:schemeClr val="accent1"/>
-              </a:buClr>
-              <a:buSzPct val="104999"/>
-              <a:buFont typeface="Avenir Next"/>
-              <a:buChar char="▸"/>
-              <a:defRPr cap="none" spc="0" sz="3000">
-                <a:latin typeface="Avenir Next Medium"/>
-                <a:ea typeface="Avenir Next Medium"/>
-                <a:cs typeface="Avenir Next Medium"/>
-                <a:sym typeface="Avenir Next Medium"/>
-              </a:defRPr>
+              <a:defRPr sz="3000"/>
             </a:pPr>
           </a:p>
           <a:p>
-            <a:pPr marL="444500" indent="-444500" defTabSz="584200">
-              <a:lnSpc>
-                <a:spcPct val="100000"/>
-              </a:lnSpc>
+            <a:pPr>
               <a:spcBef>
                 <a:spcPts val="1000"/>
               </a:spcBef>
-              <a:buClr>
-                <a:schemeClr val="accent1"/>
-              </a:buClr>
-              <a:buSzPct val="104999"/>
-              <a:buFont typeface="Avenir Next"/>
-              <a:buChar char="▸"/>
-              <a:defRPr cap="none" spc="0" sz="3000">
-                <a:latin typeface="Avenir Next Medium"/>
-                <a:ea typeface="Avenir Next Medium"/>
-                <a:cs typeface="Avenir Next Medium"/>
-                <a:sym typeface="Avenir Next Medium"/>
-              </a:defRPr>
+              <a:defRPr sz="3000"/>
             </a:pPr>
             <a:r>
               <a:t>I modelli scelti dopo la fase di HoldOut sono: DecisionTree, RandomForest, NaiveBayes, NeuralNetwork. SVM è stata esclusa, in quanto è risultata troppo onerosa l’ottimizzazione dei parametri.</a:t>
             </a:r>
           </a:p>
           <a:p>
-            <a:pPr marL="444500" indent="-444500" defTabSz="584200">
-              <a:lnSpc>
-                <a:spcPct val="100000"/>
-              </a:lnSpc>
+            <a:pPr>
               <a:spcBef>
                 <a:spcPts val="1000"/>
               </a:spcBef>
-              <a:buClr>
-                <a:schemeClr val="accent1"/>
-              </a:buClr>
-              <a:buSzPct val="104999"/>
-              <a:buFont typeface="Avenir Next"/>
-              <a:buChar char="▸"/>
-              <a:defRPr cap="none" spc="0" sz="3000">
-                <a:latin typeface="Avenir Next Medium"/>
-                <a:ea typeface="Avenir Next Medium"/>
-                <a:cs typeface="Avenir Next Medium"/>
-                <a:sym typeface="Avenir Next Medium"/>
-              </a:defRPr>
+              <a:defRPr sz="3000"/>
             </a:pPr>
           </a:p>
           <a:p>
-            <a:pPr marL="444500" indent="-444500" defTabSz="584200">
-              <a:lnSpc>
-                <a:spcPct val="100000"/>
-              </a:lnSpc>
+            <a:pPr>
               <a:spcBef>
                 <a:spcPts val="1000"/>
               </a:spcBef>
-              <a:buClr>
-                <a:schemeClr val="accent1"/>
-              </a:buClr>
-              <a:buSzPct val="104999"/>
-              <a:buFont typeface="Avenir Next"/>
-              <a:buChar char="▸"/>
-              <a:defRPr cap="none" spc="0" sz="3000">
-                <a:latin typeface="Avenir Next Medium"/>
-                <a:ea typeface="Avenir Next Medium"/>
-                <a:cs typeface="Avenir Next Medium"/>
-                <a:sym typeface="Avenir Next Medium"/>
-              </a:defRPr>
+              <a:defRPr sz="3000"/>
             </a:pPr>
             <a:r>
               <a:t>La CrossValidation applicata è del tipo k-Fold uguale a 10.</a:t>
@@ -9681,7 +8810,7 @@
       </p:grpSpPr>
       <p:sp>
         <p:nvSpPr>
-          <p:cNvPr id="193" name="Decision tree"/>
+          <p:cNvPr id="189" name="Decision tree"/>
           <p:cNvSpPr txBox="1"/>
           <p:nvPr>
             <p:ph type="title"/>
@@ -9716,19 +8845,19 @@
       </p:sp>
       <p:graphicFrame>
         <p:nvGraphicFramePr>
-          <p:cNvPr id="194" name="Tabella"/>
+          <p:cNvPr id="190" name="Tabella"/>
           <p:cNvGraphicFramePr/>
           <p:nvPr/>
         </p:nvGraphicFramePr>
         <p:xfrm>
-          <a:off x="7552266" y="1145115"/>
-          <a:ext cx="5078349" cy="3100588"/>
+          <a:off x="7552266" y="1145116"/>
+          <a:ext cx="5078348" cy="3100587"/>
         </p:xfrm>
         <a:graphic xmlns:a="http://schemas.openxmlformats.org/drawingml/2006/main">
           <a:graphicData uri="http://schemas.openxmlformats.org/drawingml/2006/table">
             <a:tbl>
               <a:tblPr firstCol="0" firstRow="0" lastCol="0" lastRow="0" bandCol="0" bandRow="1" rtl="0">
-                <a:tableStyleId>{4C3C2611-4C71-4FC5-86AE-919BDF0F9419}</a:tableStyleId>
+                <a:tableStyleId>{2708684C-4D16-4618-839F-0558EEFCDFE6}</a:tableStyleId>
               </a:tblPr>
               <a:tblGrid>
                 <a:gridCol w="3323093"/>
@@ -9755,7 +8884,7 @@
                           <a:solidFill>
                             <a:srgbClr val="838787"/>
                           </a:solidFill>
-                          <a:sym typeface="DIN Condensed"/>
+                          <a:sym typeface="Avenir Next Medium"/>
                         </a:rPr>
                         <a:t>Accuracy</a:t>
                       </a:r>
@@ -9790,7 +8919,7 @@
                           <a:solidFill>
                             <a:srgbClr val="838787"/>
                           </a:solidFill>
-                          <a:sym typeface="DIN Condensed"/>
+                          <a:sym typeface="Avenir Next Medium"/>
                         </a:rPr>
                         <a:t>0,83</a:t>
                       </a:r>
@@ -9827,7 +8956,7 @@
                           <a:solidFill>
                             <a:srgbClr val="838787"/>
                           </a:solidFill>
-                          <a:sym typeface="DIN Condensed"/>
+                          <a:sym typeface="Avenir Next Medium"/>
                         </a:rPr>
                         <a:t>Precision</a:t>
                       </a:r>
@@ -9859,7 +8988,7 @@
                           <a:solidFill>
                             <a:srgbClr val="838787"/>
                           </a:solidFill>
-                          <a:sym typeface="DIN Condensed"/>
+                          <a:sym typeface="Avenir Next Medium"/>
                         </a:rPr>
                         <a:t>0,75</a:t>
                       </a:r>
@@ -9893,7 +9022,7 @@
                           <a:solidFill>
                             <a:srgbClr val="838787"/>
                           </a:solidFill>
-                          <a:sym typeface="DIN Condensed"/>
+                          <a:sym typeface="Avenir Next Medium"/>
                         </a:rPr>
                         <a:t>Recall</a:t>
                       </a:r>
@@ -9925,7 +9054,7 @@
                           <a:solidFill>
                             <a:srgbClr val="838787"/>
                           </a:solidFill>
-                          <a:sym typeface="DIN Condensed"/>
+                          <a:sym typeface="Avenir Next Medium"/>
                         </a:rPr>
                         <a:t>0,39</a:t>
                       </a:r>
@@ -9959,7 +9088,7 @@
                           <a:solidFill>
                             <a:srgbClr val="838787"/>
                           </a:solidFill>
-                          <a:sym typeface="DIN Condensed"/>
+                          <a:sym typeface="Avenir Next Medium"/>
                         </a:rPr>
                         <a:t>F1-score</a:t>
                       </a:r>
@@ -9991,7 +9120,7 @@
                           <a:solidFill>
                             <a:srgbClr val="838787"/>
                           </a:solidFill>
-                          <a:sym typeface="DIN Condensed"/>
+                          <a:sym typeface="Avenir Next Medium"/>
                         </a:rPr>
                         <a:t>0,51</a:t>
                       </a:r>
@@ -10025,7 +9154,7 @@
                           <a:solidFill>
                             <a:srgbClr val="838787"/>
                           </a:solidFill>
-                          <a:sym typeface="DIN Condensed"/>
+                          <a:sym typeface="Avenir Next Medium"/>
                         </a:rPr>
                         <a:t>AUC</a:t>
                       </a:r>
@@ -10060,7 +9189,7 @@
                           <a:solidFill>
                             <a:srgbClr val="838787"/>
                           </a:solidFill>
-                          <a:sym typeface="DIN Condensed"/>
+                          <a:sym typeface="Avenir Next Medium"/>
                         </a:rPr>
                         <a:t>0,72</a:t>
                       </a:r>
@@ -10082,13 +9211,13 @@
       </p:graphicFrame>
       <p:sp>
         <p:nvSpPr>
-          <p:cNvPr id="195" name="Tempo creazione modello:       19 sec…"/>
+          <p:cNvPr id="191" name="Tempo creazione modello:       19 sec…"/>
           <p:cNvSpPr txBox="1"/>
           <p:nvPr/>
         </p:nvSpPr>
         <p:spPr>
           <a:xfrm>
-            <a:off x="74633" y="7921811"/>
+            <a:off x="74633" y="7921812"/>
             <a:ext cx="3411761" cy="1778001"/>
           </a:xfrm>
           <a:prstGeom prst="rect">
@@ -10109,33 +9238,13 @@
           </a:bodyPr>
           <a:lstStyle/>
           <a:p>
-            <a:pPr>
-              <a:defRPr>
-                <a:solidFill>
-                  <a:srgbClr val="838787"/>
-                </a:solidFill>
-                <a:latin typeface="Avenir Next Medium"/>
-                <a:ea typeface="Avenir Next Medium"/>
-                <a:cs typeface="Avenir Next Medium"/>
-                <a:sym typeface="Avenir Next Medium"/>
-              </a:defRPr>
-            </a:pPr>
+            <a:pPr/>
             <a:r>
               <a:t>Tempo creazione modello:       19 sec</a:t>
             </a:r>
           </a:p>
           <a:p>
-            <a:pPr>
-              <a:defRPr>
-                <a:solidFill>
-                  <a:srgbClr val="838787"/>
-                </a:solidFill>
-                <a:latin typeface="Avenir Next Medium"/>
-                <a:ea typeface="Avenir Next Medium"/>
-                <a:cs typeface="Avenir Next Medium"/>
-                <a:sym typeface="Avenir Next Medium"/>
-              </a:defRPr>
-            </a:pPr>
+            <a:pPr/>
             <a:r>
               <a:t>Tempo calcolo predizione:  1 sec</a:t>
             </a:r>
@@ -10144,21 +9253,21 @@
       </p:sp>
       <p:grpSp>
         <p:nvGrpSpPr>
-          <p:cNvPr id="198" name="Galleria immagini"/>
+          <p:cNvPr id="194" name="Galleria immagini"/>
           <p:cNvGrpSpPr/>
           <p:nvPr/>
         </p:nvGrpSpPr>
         <p:grpSpPr>
           <a:xfrm>
-            <a:off x="6809084" y="4384695"/>
-            <a:ext cx="6065577" cy="5783662"/>
+            <a:off x="6809085" y="4384696"/>
+            <a:ext cx="6065574" cy="5783661"/>
             <a:chOff x="0" y="0"/>
-            <a:chExt cx="6065575" cy="5783660"/>
+            <a:chExt cx="6065573" cy="5783659"/>
           </a:xfrm>
         </p:grpSpPr>
         <p:pic>
           <p:nvPicPr>
-            <p:cNvPr id="196" name="ROCRpart.jpg" descr="ROCRpart.jpg"/>
+            <p:cNvPr id="192" name="ROCRpart.jpg" descr="ROCRpart.jpg"/>
             <p:cNvPicPr>
               <a:picLocks noChangeAspect="1"/>
             </p:cNvPicPr>
@@ -10175,8 +9284,8 @@
           </p:blipFill>
           <p:spPr>
             <a:xfrm>
-              <a:off x="-1" y="0"/>
-              <a:ext cx="6065577" cy="5212162"/>
+              <a:off x="0" y="0"/>
+              <a:ext cx="6065574" cy="5212160"/>
             </a:xfrm>
             <a:prstGeom prst="rect">
               <a:avLst/>
@@ -10190,14 +9299,14 @@
         </p:pic>
         <p:sp>
           <p:nvSpPr>
-            <p:cNvPr id="197" name="Scrivi per inserire una didascalia."/>
-            <p:cNvSpPr txBox="1"/>
+            <p:cNvPr id="193" name="Scrivi per inserire una didascalia."/>
+            <p:cNvSpPr/>
             <p:nvPr/>
           </p:nvSpPr>
           <p:spPr>
             <a:xfrm>
-              <a:off x="-1" y="5288360"/>
-              <a:ext cx="6065576" cy="495301"/>
+              <a:off x="0" y="5288359"/>
+              <a:ext cx="6065574" cy="495301"/>
             </a:xfrm>
             <a:prstGeom prst="rect">
               <a:avLst/>
@@ -10216,22 +9325,13 @@
           </p:spPr>
           <p:txBody>
             <a:bodyPr wrap="square" lIns="76200" tIns="76200" rIns="76200" bIns="76200" numCol="1" anchor="t">
-              <a:spAutoFit/>
+              <a:noAutofit/>
             </a:bodyPr>
             <a:lstStyle>
               <a:lvl1pPr>
                 <a:spcBef>
                   <a:spcPts val="0"/>
                 </a:spcBef>
-                <a:defRPr>
-                  <a:solidFill>
-                    <a:srgbClr val="838787"/>
-                  </a:solidFill>
-                  <a:latin typeface="Avenir Next Medium"/>
-                  <a:ea typeface="Avenir Next Medium"/>
-                  <a:cs typeface="Avenir Next Medium"/>
-                  <a:sym typeface="Avenir Next Medium"/>
-                </a:defRPr>
               </a:lvl1pPr>
             </a:lstStyle>
             <a:p>
@@ -10245,19 +9345,19 @@
       </p:grpSp>
       <p:graphicFrame>
         <p:nvGraphicFramePr>
-          <p:cNvPr id="199" name="Tabella"/>
+          <p:cNvPr id="195" name="Tabella"/>
           <p:cNvGraphicFramePr/>
           <p:nvPr/>
         </p:nvGraphicFramePr>
         <p:xfrm>
-          <a:off x="397933" y="1145115"/>
-          <a:ext cx="3872708" cy="1902754"/>
+          <a:off x="397933" y="1145116"/>
+          <a:ext cx="3872707" cy="1902752"/>
         </p:xfrm>
         <a:graphic xmlns:a="http://schemas.openxmlformats.org/drawingml/2006/main">
           <a:graphicData uri="http://schemas.openxmlformats.org/drawingml/2006/table">
             <a:tbl>
               <a:tblPr firstCol="0" firstRow="0" lastCol="0" lastRow="0" bandCol="0" bandRow="1" rtl="0">
-                <a:tableStyleId>{4C3C2611-4C71-4FC5-86AE-919BDF0F9419}</a:tableStyleId>
+                <a:tableStyleId>{2708684C-4D16-4618-839F-0558EEFCDFE6}</a:tableStyleId>
               </a:tblPr>
               <a:tblGrid>
                 <a:gridCol w="1218417"/>
@@ -10275,7 +9375,7 @@
                           <a:spcPct val="100000"/>
                         </a:lnSpc>
                         <a:defRPr sz="2500">
-                          <a:sym typeface="DIN Condensed"/>
+                          <a:sym typeface="Avenir Next Medium"/>
                         </a:defRPr>
                       </a:pPr>
                     </a:p>
@@ -10309,7 +9409,7 @@
                           <a:solidFill>
                             <a:srgbClr val="838787"/>
                           </a:solidFill>
-                          <a:sym typeface="DIN Condensed"/>
+                          <a:sym typeface="Avenir Next Medium"/>
                         </a:rPr>
                         <a:t>YES</a:t>
                       </a:r>
@@ -10341,7 +9441,7 @@
                           <a:solidFill>
                             <a:srgbClr val="838787"/>
                           </a:solidFill>
-                          <a:sym typeface="DIN Condensed"/>
+                          <a:sym typeface="Avenir Next Medium"/>
                         </a:rPr>
                         <a:t>NO</a:t>
                       </a:r>
@@ -10378,7 +9478,7 @@
                           <a:solidFill>
                             <a:srgbClr val="838787"/>
                           </a:solidFill>
-                          <a:sym typeface="DIN Condensed"/>
+                          <a:sym typeface="Avenir Next Medium"/>
                         </a:rPr>
                         <a:t>YES</a:t>
                       </a:r>
@@ -10410,7 +9510,7 @@
                           <a:solidFill>
                             <a:srgbClr val="838787"/>
                           </a:solidFill>
-                          <a:sym typeface="DIN Condensed"/>
+                          <a:sym typeface="Avenir Next Medium"/>
                         </a:rPr>
                         <a:t>3009</a:t>
                       </a:r>
@@ -10438,7 +9538,7 @@
                           <a:solidFill>
                             <a:srgbClr val="838787"/>
                           </a:solidFill>
-                          <a:sym typeface="DIN Condensed"/>
+                          <a:sym typeface="Avenir Next Medium"/>
                         </a:rPr>
                         <a:t>4564</a:t>
                       </a:r>
@@ -10472,7 +9572,7 @@
                           <a:solidFill>
                             <a:srgbClr val="838787"/>
                           </a:solidFill>
-                          <a:sym typeface="DIN Condensed"/>
+                          <a:sym typeface="Avenir Next Medium"/>
                         </a:rPr>
                         <a:t>NO</a:t>
                       </a:r>
@@ -10507,7 +9607,7 @@
                           <a:solidFill>
                             <a:srgbClr val="838787"/>
                           </a:solidFill>
-                          <a:sym typeface="DIN Condensed"/>
+                          <a:sym typeface="Avenir Next Medium"/>
                         </a:rPr>
                         <a:t>997</a:t>
                       </a:r>
@@ -10539,7 +9639,7 @@
                           <a:solidFill>
                             <a:srgbClr val="838787"/>
                           </a:solidFill>
-                          <a:sym typeface="DIN Condensed"/>
+                          <a:sym typeface="Avenir Next Medium"/>
                         </a:rPr>
                         <a:t>25260</a:t>
                       </a:r>
@@ -10561,21 +9661,21 @@
       </p:graphicFrame>
       <p:grpSp>
         <p:nvGrpSpPr>
-          <p:cNvPr id="202" name="Galleria immagini"/>
+          <p:cNvPr id="198" name="Galleria immagini"/>
           <p:cNvGrpSpPr/>
           <p:nvPr/>
         </p:nvGrpSpPr>
         <p:grpSpPr>
           <a:xfrm>
             <a:off x="101599" y="3143349"/>
-            <a:ext cx="6253562" cy="4958160"/>
+            <a:ext cx="6253561" cy="4958160"/>
             <a:chOff x="0" y="0"/>
-            <a:chExt cx="6253561" cy="4958159"/>
+            <a:chExt cx="6253559" cy="4958159"/>
           </a:xfrm>
         </p:grpSpPr>
         <p:pic>
           <p:nvPicPr>
-            <p:cNvPr id="200" name="VarImpRpart.jpg" descr="VarImpRpart.jpg"/>
+            <p:cNvPr id="196" name="VarImpRpart.jpg" descr="VarImpRpart.jpg"/>
             <p:cNvPicPr>
               <a:picLocks noChangeAspect="1"/>
             </p:cNvPicPr>
@@ -10593,7 +9693,7 @@
           <p:spPr>
             <a:xfrm>
               <a:off x="0" y="0"/>
-              <a:ext cx="6253562" cy="4386661"/>
+              <a:ext cx="6253560" cy="4386660"/>
             </a:xfrm>
             <a:prstGeom prst="rect">
               <a:avLst/>
@@ -10607,14 +9707,14 @@
         </p:pic>
         <p:sp>
           <p:nvSpPr>
-            <p:cNvPr id="201" name="Scrivi per inserire una didascalia."/>
-            <p:cNvSpPr txBox="1"/>
+            <p:cNvPr id="197" name="Scrivi per inserire una didascalia."/>
+            <p:cNvSpPr/>
             <p:nvPr/>
           </p:nvSpPr>
           <p:spPr>
             <a:xfrm>
               <a:off x="0" y="4462859"/>
-              <a:ext cx="6253562" cy="495301"/>
+              <a:ext cx="6253560" cy="495301"/>
             </a:xfrm>
             <a:prstGeom prst="rect">
               <a:avLst/>
@@ -10633,22 +9733,13 @@
           </p:spPr>
           <p:txBody>
             <a:bodyPr wrap="square" lIns="76200" tIns="76200" rIns="76200" bIns="76200" numCol="1" anchor="t">
-              <a:spAutoFit/>
+              <a:noAutofit/>
             </a:bodyPr>
             <a:lstStyle>
               <a:lvl1pPr>
                 <a:spcBef>
                   <a:spcPts val="0"/>
                 </a:spcBef>
-                <a:defRPr>
-                  <a:solidFill>
-                    <a:srgbClr val="838787"/>
-                  </a:solidFill>
-                  <a:latin typeface="Avenir Next Medium"/>
-                  <a:ea typeface="Avenir Next Medium"/>
-                  <a:cs typeface="Avenir Next Medium"/>
-                  <a:sym typeface="Avenir Next Medium"/>
-                </a:defRPr>
               </a:lvl1pPr>
             </a:lstStyle>
             <a:p>
@@ -10688,7 +9779,7 @@
       </p:grpSpPr>
       <p:sp>
         <p:nvSpPr>
-          <p:cNvPr id="204" name="RANDOM FOREST"/>
+          <p:cNvPr id="200" name="RANDOM FOREST"/>
           <p:cNvSpPr txBox="1"/>
           <p:nvPr>
             <p:ph type="title"/>
@@ -10723,19 +9814,19 @@
       </p:sp>
       <p:graphicFrame>
         <p:nvGraphicFramePr>
-          <p:cNvPr id="205" name="Tabella"/>
+          <p:cNvPr id="201" name="Tabella"/>
           <p:cNvGraphicFramePr/>
           <p:nvPr/>
         </p:nvGraphicFramePr>
         <p:xfrm>
-          <a:off x="7552266" y="1145115"/>
-          <a:ext cx="5078349" cy="3100588"/>
+          <a:off x="7552266" y="1145116"/>
+          <a:ext cx="5078348" cy="3100587"/>
         </p:xfrm>
         <a:graphic xmlns:a="http://schemas.openxmlformats.org/drawingml/2006/main">
           <a:graphicData uri="http://schemas.openxmlformats.org/drawingml/2006/table">
             <a:tbl>
               <a:tblPr firstCol="0" firstRow="0" lastCol="0" lastRow="0" bandCol="0" bandRow="1" rtl="0">
-                <a:tableStyleId>{4C3C2611-4C71-4FC5-86AE-919BDF0F9419}</a:tableStyleId>
+                <a:tableStyleId>{2708684C-4D16-4618-839F-0558EEFCDFE6}</a:tableStyleId>
               </a:tblPr>
               <a:tblGrid>
                 <a:gridCol w="3323093"/>
@@ -10762,7 +9853,7 @@
                           <a:solidFill>
                             <a:srgbClr val="838787"/>
                           </a:solidFill>
-                          <a:sym typeface="DIN Condensed"/>
+                          <a:sym typeface="Avenir Next Medium"/>
                         </a:rPr>
                         <a:t>Accuracy</a:t>
                       </a:r>
@@ -10797,7 +9888,7 @@
                           <a:solidFill>
                             <a:srgbClr val="838787"/>
                           </a:solidFill>
-                          <a:sym typeface="DIN Condensed"/>
+                          <a:sym typeface="Avenir Next Medium"/>
                         </a:rPr>
                         <a:t>0,84</a:t>
                       </a:r>
@@ -10834,7 +9925,7 @@
                           <a:solidFill>
                             <a:srgbClr val="838787"/>
                           </a:solidFill>
-                          <a:sym typeface="DIN Condensed"/>
+                          <a:sym typeface="Avenir Next Medium"/>
                         </a:rPr>
                         <a:t>Precision</a:t>
                       </a:r>
@@ -10866,7 +9957,7 @@
                           <a:solidFill>
                             <a:srgbClr val="838787"/>
                           </a:solidFill>
-                          <a:sym typeface="DIN Condensed"/>
+                          <a:sym typeface="Avenir Next Medium"/>
                         </a:rPr>
                         <a:t>0,73</a:t>
                       </a:r>
@@ -10900,7 +9991,7 @@
                           <a:solidFill>
                             <a:srgbClr val="838787"/>
                           </a:solidFill>
-                          <a:sym typeface="DIN Condensed"/>
+                          <a:sym typeface="Avenir Next Medium"/>
                         </a:rPr>
                         <a:t>Recall</a:t>
                       </a:r>
@@ -10932,7 +10023,7 @@
                           <a:solidFill>
                             <a:srgbClr val="838787"/>
                           </a:solidFill>
-                          <a:sym typeface="DIN Condensed"/>
+                          <a:sym typeface="Avenir Next Medium"/>
                         </a:rPr>
                         <a:t>0,48</a:t>
                       </a:r>
@@ -10966,7 +10057,7 @@
                           <a:solidFill>
                             <a:srgbClr val="838787"/>
                           </a:solidFill>
-                          <a:sym typeface="DIN Condensed"/>
+                          <a:sym typeface="Avenir Next Medium"/>
                         </a:rPr>
                         <a:t>F1-score</a:t>
                       </a:r>
@@ -10998,7 +10089,7 @@
                           <a:solidFill>
                             <a:srgbClr val="838787"/>
                           </a:solidFill>
-                          <a:sym typeface="DIN Condensed"/>
+                          <a:sym typeface="Avenir Next Medium"/>
                         </a:rPr>
                         <a:t>0,58</a:t>
                       </a:r>
@@ -11032,7 +10123,7 @@
                           <a:solidFill>
                             <a:srgbClr val="838787"/>
                           </a:solidFill>
-                          <a:sym typeface="DIN Condensed"/>
+                          <a:sym typeface="Avenir Next Medium"/>
                         </a:rPr>
                         <a:t>AUC</a:t>
                       </a:r>
@@ -11067,7 +10158,7 @@
                           <a:solidFill>
                             <a:srgbClr val="838787"/>
                           </a:solidFill>
-                          <a:sym typeface="DIN Condensed"/>
+                          <a:sym typeface="Avenir Next Medium"/>
                         </a:rPr>
                         <a:t>0,86</a:t>
                       </a:r>
@@ -11089,13 +10180,13 @@
       </p:graphicFrame>
       <p:sp>
         <p:nvSpPr>
-          <p:cNvPr id="206" name="Tempo creazione modello: 4 ore…"/>
+          <p:cNvPr id="202" name="Tempo creazione modello: 4 ore…"/>
           <p:cNvSpPr txBox="1"/>
           <p:nvPr/>
         </p:nvSpPr>
         <p:spPr>
           <a:xfrm>
-            <a:off x="74633" y="7921811"/>
+            <a:off x="74633" y="7921812"/>
             <a:ext cx="3411761" cy="1778001"/>
           </a:xfrm>
           <a:prstGeom prst="rect">
@@ -11116,33 +10207,13 @@
           </a:bodyPr>
           <a:lstStyle/>
           <a:p>
-            <a:pPr>
-              <a:defRPr>
-                <a:solidFill>
-                  <a:srgbClr val="838787"/>
-                </a:solidFill>
-                <a:latin typeface="Avenir Next Medium"/>
-                <a:ea typeface="Avenir Next Medium"/>
-                <a:cs typeface="Avenir Next Medium"/>
-                <a:sym typeface="Avenir Next Medium"/>
-              </a:defRPr>
-            </a:pPr>
+            <a:pPr/>
             <a:r>
               <a:t>Tempo creazione modello: 4 ore</a:t>
             </a:r>
           </a:p>
           <a:p>
-            <a:pPr>
-              <a:defRPr>
-                <a:solidFill>
-                  <a:srgbClr val="838787"/>
-                </a:solidFill>
-                <a:latin typeface="Avenir Next Medium"/>
-                <a:ea typeface="Avenir Next Medium"/>
-                <a:cs typeface="Avenir Next Medium"/>
-                <a:sym typeface="Avenir Next Medium"/>
-              </a:defRPr>
-            </a:pPr>
+            <a:pPr/>
             <a:r>
               <a:t>Tempo calcolo predizione:  4 sec</a:t>
             </a:r>
@@ -11151,21 +10222,21 @@
       </p:sp>
       <p:grpSp>
         <p:nvGrpSpPr>
-          <p:cNvPr id="209" name="Galleria immagini"/>
+          <p:cNvPr id="205" name="Galleria immagini"/>
           <p:cNvGrpSpPr/>
           <p:nvPr/>
         </p:nvGrpSpPr>
         <p:grpSpPr>
           <a:xfrm>
-            <a:off x="6809085" y="4384695"/>
-            <a:ext cx="6065576" cy="5783662"/>
+            <a:off x="6809085" y="4384696"/>
+            <a:ext cx="6065574" cy="5783661"/>
             <a:chOff x="0" y="0"/>
-            <a:chExt cx="6065575" cy="5783660"/>
+            <a:chExt cx="6065573" cy="5783659"/>
           </a:xfrm>
         </p:grpSpPr>
         <p:pic>
           <p:nvPicPr>
-            <p:cNvPr id="207" name="ROCRF.jpg" descr="ROCRF.jpg"/>
+            <p:cNvPr id="203" name="ROCRF.jpg" descr="ROCRF.jpg"/>
             <p:cNvPicPr>
               <a:picLocks noChangeAspect="1"/>
             </p:cNvPicPr>
@@ -11182,8 +10253,8 @@
           </p:blipFill>
           <p:spPr>
             <a:xfrm>
-              <a:off x="-1" y="0"/>
-              <a:ext cx="6065576" cy="5212162"/>
+              <a:off x="0" y="0"/>
+              <a:ext cx="6065574" cy="5212160"/>
             </a:xfrm>
             <a:prstGeom prst="rect">
               <a:avLst/>
@@ -11197,14 +10268,14 @@
         </p:pic>
         <p:sp>
           <p:nvSpPr>
-            <p:cNvPr id="208" name="Scrivi per inserire una didascalia."/>
-            <p:cNvSpPr txBox="1"/>
+            <p:cNvPr id="204" name="Scrivi per inserire una didascalia."/>
+            <p:cNvSpPr/>
             <p:nvPr/>
           </p:nvSpPr>
           <p:spPr>
             <a:xfrm>
-              <a:off x="-1" y="5288360"/>
-              <a:ext cx="6065576" cy="495301"/>
+              <a:off x="0" y="5288359"/>
+              <a:ext cx="6065574" cy="495301"/>
             </a:xfrm>
             <a:prstGeom prst="rect">
               <a:avLst/>
@@ -11223,22 +10294,13 @@
           </p:spPr>
           <p:txBody>
             <a:bodyPr wrap="square" lIns="76200" tIns="76200" rIns="76200" bIns="76200" numCol="1" anchor="t">
-              <a:spAutoFit/>
+              <a:noAutofit/>
             </a:bodyPr>
             <a:lstStyle>
               <a:lvl1pPr>
                 <a:spcBef>
                   <a:spcPts val="0"/>
                 </a:spcBef>
-                <a:defRPr>
-                  <a:solidFill>
-                    <a:srgbClr val="838787"/>
-                  </a:solidFill>
-                  <a:latin typeface="Avenir Next Medium"/>
-                  <a:ea typeface="Avenir Next Medium"/>
-                  <a:cs typeface="Avenir Next Medium"/>
-                  <a:sym typeface="Avenir Next Medium"/>
-                </a:defRPr>
               </a:lvl1pPr>
             </a:lstStyle>
             <a:p>
@@ -11252,19 +10314,19 @@
       </p:grpSp>
       <p:graphicFrame>
         <p:nvGraphicFramePr>
-          <p:cNvPr id="210" name="Tabella"/>
+          <p:cNvPr id="206" name="Tabella"/>
           <p:cNvGraphicFramePr/>
           <p:nvPr/>
         </p:nvGraphicFramePr>
         <p:xfrm>
-          <a:off x="397933" y="1145115"/>
-          <a:ext cx="3872708" cy="1902754"/>
+          <a:off x="397933" y="1145116"/>
+          <a:ext cx="3872707" cy="1902752"/>
         </p:xfrm>
         <a:graphic xmlns:a="http://schemas.openxmlformats.org/drawingml/2006/main">
           <a:graphicData uri="http://schemas.openxmlformats.org/drawingml/2006/table">
             <a:tbl>
               <a:tblPr firstCol="0" firstRow="0" lastCol="0" lastRow="0" bandCol="0" bandRow="1" rtl="0">
-                <a:tableStyleId>{4C3C2611-4C71-4FC5-86AE-919BDF0F9419}</a:tableStyleId>
+                <a:tableStyleId>{2708684C-4D16-4618-839F-0558EEFCDFE6}</a:tableStyleId>
               </a:tblPr>
               <a:tblGrid>
                 <a:gridCol w="1218417"/>
@@ -11282,7 +10344,7 @@
                           <a:spcPct val="100000"/>
                         </a:lnSpc>
                         <a:defRPr sz="2500">
-                          <a:sym typeface="DIN Condensed"/>
+                          <a:sym typeface="Avenir Next Medium"/>
                         </a:defRPr>
                       </a:pPr>
                     </a:p>
@@ -11316,7 +10378,7 @@
                           <a:solidFill>
                             <a:srgbClr val="838787"/>
                           </a:solidFill>
-                          <a:sym typeface="DIN Condensed"/>
+                          <a:sym typeface="Avenir Next Medium"/>
                         </a:rPr>
                         <a:t>YES</a:t>
                       </a:r>
@@ -11348,7 +10410,7 @@
                           <a:solidFill>
                             <a:srgbClr val="838787"/>
                           </a:solidFill>
-                          <a:sym typeface="DIN Condensed"/>
+                          <a:sym typeface="Avenir Next Medium"/>
                         </a:rPr>
                         <a:t>NO</a:t>
                       </a:r>
@@ -11385,7 +10447,7 @@
                           <a:solidFill>
                             <a:srgbClr val="838787"/>
                           </a:solidFill>
-                          <a:sym typeface="DIN Condensed"/>
+                          <a:sym typeface="Avenir Next Medium"/>
                         </a:rPr>
                         <a:t>YES</a:t>
                       </a:r>
@@ -11417,7 +10479,7 @@
                           <a:solidFill>
                             <a:srgbClr val="838787"/>
                           </a:solidFill>
-                          <a:sym typeface="DIN Condensed"/>
+                          <a:sym typeface="Avenir Next Medium"/>
                         </a:rPr>
                         <a:t>3714</a:t>
                       </a:r>
@@ -11445,7 +10507,7 @@
                           <a:solidFill>
                             <a:srgbClr val="838787"/>
                           </a:solidFill>
-                          <a:sym typeface="DIN Condensed"/>
+                          <a:sym typeface="Avenir Next Medium"/>
                         </a:rPr>
                         <a:t>3859</a:t>
                       </a:r>
@@ -11479,7 +10541,7 @@
                           <a:solidFill>
                             <a:srgbClr val="838787"/>
                           </a:solidFill>
-                          <a:sym typeface="DIN Condensed"/>
+                          <a:sym typeface="Avenir Next Medium"/>
                         </a:rPr>
                         <a:t>NO</a:t>
                       </a:r>
@@ -11514,7 +10576,7 @@
                           <a:solidFill>
                             <a:srgbClr val="838787"/>
                           </a:solidFill>
-                          <a:sym typeface="DIN Condensed"/>
+                          <a:sym typeface="Avenir Next Medium"/>
                         </a:rPr>
                         <a:t>1338</a:t>
                       </a:r>
@@ -11546,7 +10608,7 @@
                           <a:solidFill>
                             <a:srgbClr val="838787"/>
                           </a:solidFill>
-                          <a:sym typeface="DIN Condensed"/>
+                          <a:sym typeface="Avenir Next Medium"/>
                         </a:rPr>
                         <a:t>24919</a:t>
                       </a:r>
@@ -11568,21 +10630,21 @@
       </p:graphicFrame>
       <p:grpSp>
         <p:nvGrpSpPr>
-          <p:cNvPr id="213" name="Galleria immagini"/>
+          <p:cNvPr id="209" name="Galleria immagini"/>
           <p:cNvGrpSpPr/>
           <p:nvPr/>
         </p:nvGrpSpPr>
         <p:grpSpPr>
           <a:xfrm>
             <a:off x="101599" y="3143349"/>
-            <a:ext cx="6253562" cy="4958160"/>
+            <a:ext cx="6253561" cy="4958160"/>
             <a:chOff x="0" y="0"/>
-            <a:chExt cx="6253561" cy="4958159"/>
+            <a:chExt cx="6253559" cy="4958159"/>
           </a:xfrm>
         </p:grpSpPr>
         <p:pic>
           <p:nvPicPr>
-            <p:cNvPr id="211" name="VarImpRF.jpg" descr="VarImpRF.jpg"/>
+            <p:cNvPr id="207" name="VarImpRF.jpg" descr="VarImpRF.jpg"/>
             <p:cNvPicPr>
               <a:picLocks noChangeAspect="1"/>
             </p:cNvPicPr>
@@ -11600,7 +10662,7 @@
           <p:spPr>
             <a:xfrm>
               <a:off x="0" y="0"/>
-              <a:ext cx="6253562" cy="4386661"/>
+              <a:ext cx="6253560" cy="4386660"/>
             </a:xfrm>
             <a:prstGeom prst="rect">
               <a:avLst/>
@@ -11614,14 +10676,14 @@
         </p:pic>
         <p:sp>
           <p:nvSpPr>
-            <p:cNvPr id="212" name="Scrivi per inserire una didascalia."/>
-            <p:cNvSpPr txBox="1"/>
+            <p:cNvPr id="208" name="Scrivi per inserire una didascalia."/>
+            <p:cNvSpPr/>
             <p:nvPr/>
           </p:nvSpPr>
           <p:spPr>
             <a:xfrm>
               <a:off x="0" y="4462859"/>
-              <a:ext cx="6253562" cy="495301"/>
+              <a:ext cx="6253560" cy="495301"/>
             </a:xfrm>
             <a:prstGeom prst="rect">
               <a:avLst/>
@@ -11640,22 +10702,13 @@
           </p:spPr>
           <p:txBody>
             <a:bodyPr wrap="square" lIns="76200" tIns="76200" rIns="76200" bIns="76200" numCol="1" anchor="t">
-              <a:spAutoFit/>
+              <a:noAutofit/>
             </a:bodyPr>
             <a:lstStyle>
               <a:lvl1pPr>
                 <a:spcBef>
                   <a:spcPts val="0"/>
                 </a:spcBef>
-                <a:defRPr>
-                  <a:solidFill>
-                    <a:srgbClr val="838787"/>
-                  </a:solidFill>
-                  <a:latin typeface="Avenir Next Medium"/>
-                  <a:ea typeface="Avenir Next Medium"/>
-                  <a:cs typeface="Avenir Next Medium"/>
-                  <a:sym typeface="Avenir Next Medium"/>
-                </a:defRPr>
               </a:lvl1pPr>
             </a:lstStyle>
             <a:p>
@@ -11672,7 +10725,7 @@
   <p:clrMapOvr>
     <a:masterClrMapping/>
   </p:clrMapOvr>
-  <p:transition xmlns:p14="http://schemas.microsoft.com/office/powerpoint/2010/main" spd="med" advClick="1"/>
+  <p:transition xmlns:p14="http://schemas.microsoft.com/office/powerpoint/2010/main" spd="med" advClick="0" advTm="0"/>
 </p:sld>
 </file>
 
@@ -11684,13 +10737,13 @@
         <a:srgbClr val="222222"/>
       </a:dk1>
       <a:lt1>
-        <a:srgbClr val="222222"/>
+        <a:srgbClr val="838787"/>
       </a:lt1>
       <a:dk2>
-        <a:srgbClr val="A7A7A7"/>
+        <a:srgbClr val="222222"/>
       </a:dk2>
       <a:lt2>
-        <a:srgbClr val="535353"/>
+        <a:srgbClr val="A6AAA9"/>
       </a:lt2>
       <a:accent1>
         <a:srgbClr val="34A5DA"/>
@@ -11719,14 +10772,14 @@
     </a:clrScheme>
     <a:fontScheme name="New_Template7">
       <a:majorFont>
-        <a:latin typeface="Helvetica Neue"/>
-        <a:ea typeface="Helvetica Neue"/>
-        <a:cs typeface="Helvetica Neue"/>
+        <a:latin typeface="DIN Condensed"/>
+        <a:ea typeface="DIN Condensed"/>
+        <a:cs typeface="DIN Condensed"/>
       </a:majorFont>
       <a:minorFont>
-        <a:latin typeface="Helvetica"/>
-        <a:ea typeface="Helvetica"/>
-        <a:cs typeface="Helvetica"/>
+        <a:latin typeface="DIN Condensed"/>
+        <a:ea typeface="DIN Condensed"/>
+        <a:cs typeface="DIN Condensed"/>
       </a:minorFont>
     </a:fontScheme>
     <a:fmtScheme name="New_Template7">
@@ -11867,14 +10920,11 @@
     <a:spDef>
       <a:spPr>
         <a:solidFill>
-          <a:srgbClr val="838787"/>
+          <a:schemeClr val="accent1"/>
         </a:solidFill>
-        <a:ln w="25400" cap="flat">
-          <a:solidFill>
-            <a:schemeClr val="accent1"/>
-          </a:solidFill>
-          <a:prstDash val="solid"/>
-          <a:round/>
+        <a:ln w="12700" cap="flat">
+          <a:noFill/>
+          <a:miter lim="400000"/>
         </a:ln>
         <a:effectLst/>
         <a:sp3d/>
@@ -11883,12 +10933,12 @@
         <a:spAutoFit/>
       </a:bodyPr>
       <a:lstStyle>
-        <a:defPPr marL="0" marR="0" indent="0" algn="l" defTabSz="584200" rtl="0" fontAlgn="auto" latinLnBrk="0" hangingPunct="0">
+        <a:defPPr marL="0" marR="0" indent="0" algn="ctr" defTabSz="584200" rtl="0" fontAlgn="auto" latinLnBrk="0" hangingPunct="0">
           <a:lnSpc>
-            <a:spcPct val="100000"/>
+            <a:spcPct val="80000"/>
           </a:lnSpc>
           <a:spcBef>
-            <a:spcPts val="2400"/>
+            <a:spcPts val="0"/>
           </a:spcBef>
           <a:spcAft>
             <a:spcPts val="0"/>
@@ -11898,18 +10948,18 @@
           <a:buFontTx/>
           <a:buNone/>
           <a:tabLst/>
-          <a:defRPr b="0" baseline="0" cap="none" i="0" spc="0" strike="noStrike" sz="2000" u="none" kumimoji="0" normalizeH="0">
+          <a:defRPr b="0" baseline="0" cap="all" i="0" spc="0" strike="noStrike" sz="2800" u="none" kumimoji="0" normalizeH="0">
             <a:ln>
               <a:noFill/>
             </a:ln>
             <a:solidFill>
-              <a:srgbClr val="222222"/>
+              <a:srgbClr val="FFFFFF"/>
             </a:solidFill>
             <a:effectLst/>
             <a:uFillTx/>
-            <a:latin typeface="DIN Condensed"/>
-            <a:ea typeface="DIN Condensed"/>
-            <a:cs typeface="DIN Condensed"/>
+            <a:latin typeface="+mn-lt"/>
+            <a:ea typeface="+mn-ea"/>
+            <a:cs typeface="+mn-cs"/>
             <a:sym typeface="DIN Condensed"/>
           </a:defRPr>
         </a:defPPr>
@@ -12163,7 +11213,7 @@
             <a:schemeClr val="accent1"/>
           </a:solidFill>
           <a:prstDash val="solid"/>
-          <a:round/>
+          <a:miter lim="400000"/>
         </a:ln>
         <a:effectLst/>
         <a:sp3d/>
@@ -12474,14 +11524,14 @@
               <a:noFill/>
             </a:ln>
             <a:solidFill>
-              <a:srgbClr val="222222"/>
+              <a:srgbClr val="838787"/>
             </a:solidFill>
             <a:effectLst/>
             <a:uFillTx/>
-            <a:latin typeface="DIN Condensed"/>
-            <a:ea typeface="DIN Condensed"/>
-            <a:cs typeface="DIN Condensed"/>
-            <a:sym typeface="DIN Condensed"/>
+            <a:latin typeface="Avenir Next Medium"/>
+            <a:ea typeface="Avenir Next Medium"/>
+            <a:cs typeface="Avenir Next Medium"/>
+            <a:sym typeface="Avenir Next Medium"/>
           </a:defRPr>
         </a:defPPr>
         <a:lvl1pPr marL="0" marR="0" indent="0" algn="l" defTabSz="914400" rtl="0" fontAlgn="auto" latinLnBrk="1" hangingPunct="0">
@@ -12741,10 +11791,10 @@
         <a:srgbClr val="FFFFFF"/>
       </a:lt1>
       <a:dk2>
-        <a:srgbClr val="A7A7A7"/>
+        <a:srgbClr val="222222"/>
       </a:dk2>
       <a:lt2>
-        <a:srgbClr val="535353"/>
+        <a:srgbClr val="A6AAA9"/>
       </a:lt2>
       <a:accent1>
         <a:srgbClr val="34A5DA"/>
@@ -12773,14 +11823,14 @@
     </a:clrScheme>
     <a:fontScheme name="New_Template7">
       <a:majorFont>
-        <a:latin typeface="Helvetica Neue"/>
-        <a:ea typeface="Helvetica Neue"/>
-        <a:cs typeface="Helvetica Neue"/>
+        <a:latin typeface="DIN Condensed"/>
+        <a:ea typeface="DIN Condensed"/>
+        <a:cs typeface="DIN Condensed"/>
       </a:majorFont>
       <a:minorFont>
-        <a:latin typeface="Helvetica"/>
-        <a:ea typeface="Helvetica"/>
-        <a:cs typeface="Helvetica"/>
+        <a:latin typeface="DIN Condensed"/>
+        <a:ea typeface="DIN Condensed"/>
+        <a:cs typeface="DIN Condensed"/>
       </a:minorFont>
     </a:fontScheme>
     <a:fmtScheme name="New_Template7">
@@ -12921,14 +11971,11 @@
     <a:spDef>
       <a:spPr>
         <a:solidFill>
-          <a:srgbClr val="838787"/>
+          <a:schemeClr val="accent1"/>
         </a:solidFill>
-        <a:ln w="25400" cap="flat">
-          <a:solidFill>
-            <a:schemeClr val="accent1"/>
-          </a:solidFill>
-          <a:prstDash val="solid"/>
-          <a:round/>
+        <a:ln w="12700" cap="flat">
+          <a:noFill/>
+          <a:miter lim="400000"/>
         </a:ln>
         <a:effectLst/>
         <a:sp3d/>
@@ -12937,12 +11984,12 @@
         <a:spAutoFit/>
       </a:bodyPr>
       <a:lstStyle>
-        <a:defPPr marL="0" marR="0" indent="0" algn="l" defTabSz="584200" rtl="0" fontAlgn="auto" latinLnBrk="0" hangingPunct="0">
+        <a:defPPr marL="0" marR="0" indent="0" algn="ctr" defTabSz="584200" rtl="0" fontAlgn="auto" latinLnBrk="0" hangingPunct="0">
           <a:lnSpc>
-            <a:spcPct val="100000"/>
+            <a:spcPct val="80000"/>
           </a:lnSpc>
           <a:spcBef>
-            <a:spcPts val="2400"/>
+            <a:spcPts val="0"/>
           </a:spcBef>
           <a:spcAft>
             <a:spcPts val="0"/>
@@ -12952,18 +11999,18 @@
           <a:buFontTx/>
           <a:buNone/>
           <a:tabLst/>
-          <a:defRPr b="0" baseline="0" cap="none" i="0" spc="0" strike="noStrike" sz="2000" u="none" kumimoji="0" normalizeH="0">
+          <a:defRPr b="0" baseline="0" cap="all" i="0" spc="0" strike="noStrike" sz="2800" u="none" kumimoji="0" normalizeH="0">
             <a:ln>
               <a:noFill/>
             </a:ln>
             <a:solidFill>
-              <a:srgbClr val="222222"/>
+              <a:srgbClr val="FFFFFF"/>
             </a:solidFill>
             <a:effectLst/>
             <a:uFillTx/>
-            <a:latin typeface="DIN Condensed"/>
-            <a:ea typeface="DIN Condensed"/>
-            <a:cs typeface="DIN Condensed"/>
+            <a:latin typeface="+mn-lt"/>
+            <a:ea typeface="+mn-ea"/>
+            <a:cs typeface="+mn-cs"/>
             <a:sym typeface="DIN Condensed"/>
           </a:defRPr>
         </a:defPPr>
@@ -13217,7 +12264,7 @@
             <a:schemeClr val="accent1"/>
           </a:solidFill>
           <a:prstDash val="solid"/>
-          <a:round/>
+          <a:miter lim="400000"/>
         </a:ln>
         <a:effectLst/>
         <a:sp3d/>
@@ -13528,14 +12575,14 @@
               <a:noFill/>
             </a:ln>
             <a:solidFill>
-              <a:srgbClr val="222222"/>
+              <a:srgbClr val="838787"/>
             </a:solidFill>
             <a:effectLst/>
             <a:uFillTx/>
-            <a:latin typeface="DIN Condensed"/>
-            <a:ea typeface="DIN Condensed"/>
-            <a:cs typeface="DIN Condensed"/>
-            <a:sym typeface="DIN Condensed"/>
+            <a:latin typeface="Avenir Next Medium"/>
+            <a:ea typeface="Avenir Next Medium"/>
+            <a:cs typeface="Avenir Next Medium"/>
+            <a:sym typeface="Avenir Next Medium"/>
           </a:defRPr>
         </a:defPPr>
         <a:lvl1pPr marL="0" marR="0" indent="0" algn="l" defTabSz="914400" rtl="0" fontAlgn="auto" latinLnBrk="1" hangingPunct="0">
